--- a/plot/pptx_ps/categories_materials.pptx
+++ b/plot/pptx_ps/categories_materials.pptx
@@ -243,7 +243,7 @@
           <a:p>
             <a:fld id="{7D6383CD-09FD-4E62-9EF5-475512E1120A}" type="datetimeFigureOut">
               <a:rPr lang="en-US" smtClean="0"/>
-              <a:t>7/26/2022</a:t>
+              <a:t>11/7/2022</a:t>
             </a:fld>
             <a:endParaRPr lang="en-US"/>
           </a:p>
@@ -413,7 +413,7 @@
           <a:p>
             <a:fld id="{7D6383CD-09FD-4E62-9EF5-475512E1120A}" type="datetimeFigureOut">
               <a:rPr lang="en-US" smtClean="0"/>
-              <a:t>7/26/2022</a:t>
+              <a:t>11/7/2022</a:t>
             </a:fld>
             <a:endParaRPr lang="en-US"/>
           </a:p>
@@ -593,7 +593,7 @@
           <a:p>
             <a:fld id="{7D6383CD-09FD-4E62-9EF5-475512E1120A}" type="datetimeFigureOut">
               <a:rPr lang="en-US" smtClean="0"/>
-              <a:t>7/26/2022</a:t>
+              <a:t>11/7/2022</a:t>
             </a:fld>
             <a:endParaRPr lang="en-US"/>
           </a:p>
@@ -763,7 +763,7 @@
           <a:p>
             <a:fld id="{7D6383CD-09FD-4E62-9EF5-475512E1120A}" type="datetimeFigureOut">
               <a:rPr lang="en-US" smtClean="0"/>
-              <a:t>7/26/2022</a:t>
+              <a:t>11/7/2022</a:t>
             </a:fld>
             <a:endParaRPr lang="en-US"/>
           </a:p>
@@ -1007,7 +1007,7 @@
           <a:p>
             <a:fld id="{7D6383CD-09FD-4E62-9EF5-475512E1120A}" type="datetimeFigureOut">
               <a:rPr lang="en-US" smtClean="0"/>
-              <a:t>7/26/2022</a:t>
+              <a:t>11/7/2022</a:t>
             </a:fld>
             <a:endParaRPr lang="en-US"/>
           </a:p>
@@ -1239,7 +1239,7 @@
           <a:p>
             <a:fld id="{7D6383CD-09FD-4E62-9EF5-475512E1120A}" type="datetimeFigureOut">
               <a:rPr lang="en-US" smtClean="0"/>
-              <a:t>7/26/2022</a:t>
+              <a:t>11/7/2022</a:t>
             </a:fld>
             <a:endParaRPr lang="en-US"/>
           </a:p>
@@ -1606,7 +1606,7 @@
           <a:p>
             <a:fld id="{7D6383CD-09FD-4E62-9EF5-475512E1120A}" type="datetimeFigureOut">
               <a:rPr lang="en-US" smtClean="0"/>
-              <a:t>7/26/2022</a:t>
+              <a:t>11/7/2022</a:t>
             </a:fld>
             <a:endParaRPr lang="en-US"/>
           </a:p>
@@ -1724,7 +1724,7 @@
           <a:p>
             <a:fld id="{7D6383CD-09FD-4E62-9EF5-475512E1120A}" type="datetimeFigureOut">
               <a:rPr lang="en-US" smtClean="0"/>
-              <a:t>7/26/2022</a:t>
+              <a:t>11/7/2022</a:t>
             </a:fld>
             <a:endParaRPr lang="en-US"/>
           </a:p>
@@ -1819,7 +1819,7 @@
           <a:p>
             <a:fld id="{7D6383CD-09FD-4E62-9EF5-475512E1120A}" type="datetimeFigureOut">
               <a:rPr lang="en-US" smtClean="0"/>
-              <a:t>7/26/2022</a:t>
+              <a:t>11/7/2022</a:t>
             </a:fld>
             <a:endParaRPr lang="en-US"/>
           </a:p>
@@ -2096,7 +2096,7 @@
           <a:p>
             <a:fld id="{7D6383CD-09FD-4E62-9EF5-475512E1120A}" type="datetimeFigureOut">
               <a:rPr lang="en-US" smtClean="0"/>
-              <a:t>7/26/2022</a:t>
+              <a:t>11/7/2022</a:t>
             </a:fld>
             <a:endParaRPr lang="en-US"/>
           </a:p>
@@ -2353,7 +2353,7 @@
           <a:p>
             <a:fld id="{7D6383CD-09FD-4E62-9EF5-475512E1120A}" type="datetimeFigureOut">
               <a:rPr lang="en-US" smtClean="0"/>
-              <a:t>7/26/2022</a:t>
+              <a:t>11/7/2022</a:t>
             </a:fld>
             <a:endParaRPr lang="en-US"/>
           </a:p>
@@ -2566,7 +2566,7 @@
           <a:p>
             <a:fld id="{7D6383CD-09FD-4E62-9EF5-475512E1120A}" type="datetimeFigureOut">
               <a:rPr lang="en-US" smtClean="0"/>
-              <a:t>7/26/2022</a:t>
+              <a:t>11/7/2022</a:t>
             </a:fld>
             <a:endParaRPr lang="en-US"/>
           </a:p>
@@ -2973,6 +2973,439 @@
       </p:grpSpPr>
       <p:sp>
         <p:nvSpPr>
+          <p:cNvPr id="2" name="Rechteck 1">
+            <a:extLst>
+              <a:ext uri="{FF2B5EF4-FFF2-40B4-BE49-F238E27FC236}">
+                <a16:creationId xmlns:a16="http://schemas.microsoft.com/office/drawing/2014/main" id="{AF7902F6-BB34-B130-AC1B-123F3D52D7D0}"/>
+              </a:ext>
+            </a:extLst>
+          </p:cNvPr>
+          <p:cNvSpPr/>
+          <p:nvPr/>
+        </p:nvSpPr>
+        <p:spPr>
+          <a:xfrm rot="16200000">
+            <a:off x="-446988" y="4870414"/>
+            <a:ext cx="1164776" cy="270800"/>
+          </a:xfrm>
+          <a:prstGeom prst="rect">
+            <a:avLst/>
+          </a:prstGeom>
+          <a:ln w="25400">
+            <a:solidFill>
+              <a:schemeClr val="bg1"/>
+            </a:solidFill>
+          </a:ln>
+        </p:spPr>
+        <p:style>
+          <a:lnRef idx="2">
+            <a:schemeClr val="dk1">
+              <a:shade val="50000"/>
+            </a:schemeClr>
+          </a:lnRef>
+          <a:fillRef idx="1">
+            <a:schemeClr val="dk1"/>
+          </a:fillRef>
+          <a:effectRef idx="0">
+            <a:schemeClr val="dk1"/>
+          </a:effectRef>
+          <a:fontRef idx="minor">
+            <a:schemeClr val="lt1"/>
+          </a:fontRef>
+        </p:style>
+        <p:txBody>
+          <a:bodyPr rtlCol="0" anchor="ctr"/>
+          <a:lstStyle/>
+          <a:p>
+            <a:pPr algn="ctr"/>
+            <a:r>
+              <a:rPr lang="en-US" sz="1000" b="1" dirty="0"/>
+              <a:t>materials</a:t>
+            </a:r>
+          </a:p>
+        </p:txBody>
+      </p:sp>
+      <p:sp>
+        <p:nvSpPr>
+          <p:cNvPr id="28" name="Pfeil: nach unten 27">
+            <a:extLst>
+              <a:ext uri="{FF2B5EF4-FFF2-40B4-BE49-F238E27FC236}">
+                <a16:creationId xmlns:a16="http://schemas.microsoft.com/office/drawing/2014/main" id="{FB2B51D3-A6BD-5BF7-8F7A-C0800B823F5C}"/>
+              </a:ext>
+            </a:extLst>
+          </p:cNvPr>
+          <p:cNvSpPr/>
+          <p:nvPr/>
+        </p:nvSpPr>
+        <p:spPr>
+          <a:xfrm flipV="1">
+            <a:off x="-57030" y="5403352"/>
+            <a:ext cx="384860" cy="548640"/>
+          </a:xfrm>
+          <a:prstGeom prst="downArrow">
+            <a:avLst/>
+          </a:prstGeom>
+          <a:solidFill>
+            <a:schemeClr val="bg1"/>
+          </a:solidFill>
+          <a:ln>
+            <a:solidFill>
+              <a:schemeClr val="bg1"/>
+            </a:solidFill>
+          </a:ln>
+        </p:spPr>
+        <p:style>
+          <a:lnRef idx="2">
+            <a:schemeClr val="accent1">
+              <a:shade val="50000"/>
+            </a:schemeClr>
+          </a:lnRef>
+          <a:fillRef idx="1">
+            <a:schemeClr val="accent1"/>
+          </a:fillRef>
+          <a:effectRef idx="0">
+            <a:schemeClr val="accent1"/>
+          </a:effectRef>
+          <a:fontRef idx="minor">
+            <a:schemeClr val="lt1"/>
+          </a:fontRef>
+        </p:style>
+        <p:txBody>
+          <a:bodyPr rtlCol="0" anchor="ctr"/>
+          <a:lstStyle/>
+          <a:p>
+            <a:pPr algn="ctr"/>
+            <a:endParaRPr lang="en-US"/>
+          </a:p>
+        </p:txBody>
+      </p:sp>
+      <p:sp>
+        <p:nvSpPr>
+          <p:cNvPr id="3" name="Rechteck 2">
+            <a:extLst>
+              <a:ext uri="{FF2B5EF4-FFF2-40B4-BE49-F238E27FC236}">
+                <a16:creationId xmlns:a16="http://schemas.microsoft.com/office/drawing/2014/main" id="{05FDB1CC-A185-C902-A978-B5A32BF4CF26}"/>
+              </a:ext>
+            </a:extLst>
+          </p:cNvPr>
+          <p:cNvSpPr/>
+          <p:nvPr/>
+        </p:nvSpPr>
+        <p:spPr>
+          <a:xfrm rot="16200000">
+            <a:off x="-814337" y="6444068"/>
+            <a:ext cx="1899474" cy="270800"/>
+          </a:xfrm>
+          <a:prstGeom prst="rect">
+            <a:avLst/>
+          </a:prstGeom>
+          <a:ln w="25400">
+            <a:solidFill>
+              <a:schemeClr val="bg1"/>
+            </a:solidFill>
+          </a:ln>
+        </p:spPr>
+        <p:style>
+          <a:lnRef idx="2">
+            <a:schemeClr val="dk1">
+              <a:shade val="50000"/>
+            </a:schemeClr>
+          </a:lnRef>
+          <a:fillRef idx="1">
+            <a:schemeClr val="dk1"/>
+          </a:fillRef>
+          <a:effectRef idx="0">
+            <a:schemeClr val="dk1"/>
+          </a:effectRef>
+          <a:fontRef idx="minor">
+            <a:schemeClr val="lt1"/>
+          </a:fontRef>
+        </p:style>
+        <p:txBody>
+          <a:bodyPr rtlCol="0" anchor="ctr"/>
+          <a:lstStyle/>
+          <a:p>
+            <a:pPr algn="ctr"/>
+            <a:r>
+              <a:rPr lang="en-US" sz="1000" b="1" dirty="0"/>
+              <a:t>categories</a:t>
+            </a:r>
+            <a:endParaRPr lang="en-US" sz="1100" b="1" dirty="0"/>
+          </a:p>
+        </p:txBody>
+      </p:sp>
+      <p:sp>
+        <p:nvSpPr>
+          <p:cNvPr id="27" name="Pfeil: nach unten 26">
+            <a:extLst>
+              <a:ext uri="{FF2B5EF4-FFF2-40B4-BE49-F238E27FC236}">
+                <a16:creationId xmlns:a16="http://schemas.microsoft.com/office/drawing/2014/main" id="{E0184B42-A205-6691-BF7F-6D8A56242D73}"/>
+              </a:ext>
+            </a:extLst>
+          </p:cNvPr>
+          <p:cNvSpPr/>
+          <p:nvPr/>
+        </p:nvSpPr>
+        <p:spPr>
+          <a:xfrm flipV="1">
+            <a:off x="-57030" y="7326711"/>
+            <a:ext cx="384860" cy="548640"/>
+          </a:xfrm>
+          <a:prstGeom prst="downArrow">
+            <a:avLst/>
+          </a:prstGeom>
+          <a:solidFill>
+            <a:schemeClr val="bg1"/>
+          </a:solidFill>
+          <a:ln>
+            <a:solidFill>
+              <a:schemeClr val="bg1"/>
+            </a:solidFill>
+          </a:ln>
+        </p:spPr>
+        <p:style>
+          <a:lnRef idx="2">
+            <a:schemeClr val="accent1">
+              <a:shade val="50000"/>
+            </a:schemeClr>
+          </a:lnRef>
+          <a:fillRef idx="1">
+            <a:schemeClr val="accent1"/>
+          </a:fillRef>
+          <a:effectRef idx="0">
+            <a:schemeClr val="accent1"/>
+          </a:effectRef>
+          <a:fontRef idx="minor">
+            <a:schemeClr val="lt1"/>
+          </a:fontRef>
+        </p:style>
+        <p:txBody>
+          <a:bodyPr rtlCol="0" anchor="ctr"/>
+          <a:lstStyle/>
+          <a:p>
+            <a:pPr algn="ctr"/>
+            <a:endParaRPr lang="en-US"/>
+          </a:p>
+        </p:txBody>
+      </p:sp>
+      <p:sp>
+        <p:nvSpPr>
+          <p:cNvPr id="29" name="Pfeil: nach unten 28">
+            <a:extLst>
+              <a:ext uri="{FF2B5EF4-FFF2-40B4-BE49-F238E27FC236}">
+                <a16:creationId xmlns:a16="http://schemas.microsoft.com/office/drawing/2014/main" id="{37D670FB-7CA8-ABCF-ACB7-B1EA7505F9B0}"/>
+              </a:ext>
+            </a:extLst>
+          </p:cNvPr>
+          <p:cNvSpPr/>
+          <p:nvPr/>
+        </p:nvSpPr>
+        <p:spPr>
+          <a:xfrm flipV="1">
+            <a:off x="-41537" y="5501626"/>
+            <a:ext cx="384860" cy="548640"/>
+          </a:xfrm>
+          <a:prstGeom prst="downArrow">
+            <a:avLst/>
+          </a:prstGeom>
+          <a:solidFill>
+            <a:schemeClr val="tx1"/>
+          </a:solidFill>
+          <a:ln>
+            <a:solidFill>
+              <a:schemeClr val="tx1"/>
+            </a:solidFill>
+          </a:ln>
+        </p:spPr>
+        <p:style>
+          <a:lnRef idx="2">
+            <a:schemeClr val="accent1">
+              <a:shade val="50000"/>
+            </a:schemeClr>
+          </a:lnRef>
+          <a:fillRef idx="1">
+            <a:schemeClr val="accent1"/>
+          </a:fillRef>
+          <a:effectRef idx="0">
+            <a:schemeClr val="accent1"/>
+          </a:effectRef>
+          <a:fontRef idx="minor">
+            <a:schemeClr val="lt1"/>
+          </a:fontRef>
+        </p:style>
+        <p:txBody>
+          <a:bodyPr rtlCol="0" anchor="ctr"/>
+          <a:lstStyle/>
+          <a:p>
+            <a:pPr algn="ctr"/>
+            <a:endParaRPr lang="en-US"/>
+          </a:p>
+        </p:txBody>
+      </p:sp>
+      <p:sp>
+        <p:nvSpPr>
+          <p:cNvPr id="31" name="Pfeil: nach unten 30">
+            <a:extLst>
+              <a:ext uri="{FF2B5EF4-FFF2-40B4-BE49-F238E27FC236}">
+                <a16:creationId xmlns:a16="http://schemas.microsoft.com/office/drawing/2014/main" id="{9B516876-9ABB-D7C7-FCF1-331CD2FC0A9B}"/>
+              </a:ext>
+            </a:extLst>
+          </p:cNvPr>
+          <p:cNvSpPr/>
+          <p:nvPr/>
+        </p:nvSpPr>
+        <p:spPr>
+          <a:xfrm flipV="1">
+            <a:off x="-76058" y="7424542"/>
+            <a:ext cx="384860" cy="548640"/>
+          </a:xfrm>
+          <a:prstGeom prst="downArrow">
+            <a:avLst/>
+          </a:prstGeom>
+          <a:solidFill>
+            <a:schemeClr val="tx1"/>
+          </a:solidFill>
+          <a:ln>
+            <a:solidFill>
+              <a:schemeClr val="tx1"/>
+            </a:solidFill>
+          </a:ln>
+        </p:spPr>
+        <p:style>
+          <a:lnRef idx="2">
+            <a:schemeClr val="accent1">
+              <a:shade val="50000"/>
+            </a:schemeClr>
+          </a:lnRef>
+          <a:fillRef idx="1">
+            <a:schemeClr val="accent1"/>
+          </a:fillRef>
+          <a:effectRef idx="0">
+            <a:schemeClr val="accent1"/>
+          </a:effectRef>
+          <a:fontRef idx="minor">
+            <a:schemeClr val="lt1"/>
+          </a:fontRef>
+        </p:style>
+        <p:txBody>
+          <a:bodyPr rtlCol="0" anchor="ctr"/>
+          <a:lstStyle/>
+          <a:p>
+            <a:pPr algn="ctr"/>
+            <a:endParaRPr lang="en-US"/>
+          </a:p>
+        </p:txBody>
+      </p:sp>
+      <p:sp>
+        <p:nvSpPr>
+          <p:cNvPr id="4" name="Rechteck 3">
+            <a:extLst>
+              <a:ext uri="{FF2B5EF4-FFF2-40B4-BE49-F238E27FC236}">
+                <a16:creationId xmlns:a16="http://schemas.microsoft.com/office/drawing/2014/main" id="{53EC0932-5720-D399-1A60-C33383D51397}"/>
+              </a:ext>
+            </a:extLst>
+          </p:cNvPr>
+          <p:cNvSpPr/>
+          <p:nvPr/>
+        </p:nvSpPr>
+        <p:spPr>
+          <a:xfrm rot="16200000">
+            <a:off x="-237744" y="7831391"/>
+            <a:ext cx="731520" cy="270800"/>
+          </a:xfrm>
+          <a:prstGeom prst="rect">
+            <a:avLst/>
+          </a:prstGeom>
+          <a:ln w="25400">
+            <a:solidFill>
+              <a:schemeClr val="bg1"/>
+            </a:solidFill>
+          </a:ln>
+        </p:spPr>
+        <p:style>
+          <a:lnRef idx="2">
+            <a:schemeClr val="dk1">
+              <a:shade val="50000"/>
+            </a:schemeClr>
+          </a:lnRef>
+          <a:fillRef idx="1">
+            <a:schemeClr val="dk1"/>
+          </a:fillRef>
+          <a:effectRef idx="0">
+            <a:schemeClr val="dk1"/>
+          </a:effectRef>
+          <a:fontRef idx="minor">
+            <a:schemeClr val="lt1"/>
+          </a:fontRef>
+        </p:style>
+        <p:txBody>
+          <a:bodyPr lIns="0" rIns="0" rtlCol="0" anchor="ctr"/>
+          <a:lstStyle/>
+          <a:p>
+            <a:pPr algn="ctr"/>
+            <a:r>
+              <a:rPr lang="en-US" sz="1000" b="1" dirty="0"/>
+              <a:t>dimensions</a:t>
+            </a:r>
+          </a:p>
+        </p:txBody>
+      </p:sp>
+      <p:sp>
+        <p:nvSpPr>
+          <p:cNvPr id="32" name="Rechteck 31">
+            <a:extLst>
+              <a:ext uri="{FF2B5EF4-FFF2-40B4-BE49-F238E27FC236}">
+                <a16:creationId xmlns:a16="http://schemas.microsoft.com/office/drawing/2014/main" id="{EC23B9B5-AADD-9653-07A3-C569358124A6}"/>
+              </a:ext>
+            </a:extLst>
+          </p:cNvPr>
+          <p:cNvSpPr/>
+          <p:nvPr/>
+        </p:nvSpPr>
+        <p:spPr>
+          <a:xfrm>
+            <a:off x="235738" y="4307867"/>
+            <a:ext cx="6216759" cy="4206240"/>
+          </a:xfrm>
+          <a:prstGeom prst="rect">
+            <a:avLst/>
+          </a:prstGeom>
+          <a:solidFill>
+            <a:schemeClr val="bg1"/>
+          </a:solidFill>
+          <a:ln>
+            <a:solidFill>
+              <a:schemeClr val="bg1"/>
+            </a:solidFill>
+          </a:ln>
+        </p:spPr>
+        <p:style>
+          <a:lnRef idx="2">
+            <a:schemeClr val="accent1">
+              <a:shade val="50000"/>
+            </a:schemeClr>
+          </a:lnRef>
+          <a:fillRef idx="1">
+            <a:schemeClr val="accent1"/>
+          </a:fillRef>
+          <a:effectRef idx="0">
+            <a:schemeClr val="accent1"/>
+          </a:effectRef>
+          <a:fontRef idx="minor">
+            <a:schemeClr val="lt1"/>
+          </a:fontRef>
+        </p:style>
+        <p:txBody>
+          <a:bodyPr rtlCol="0" anchor="ctr"/>
+          <a:lstStyle/>
+          <a:p>
+            <a:pPr algn="ctr"/>
+            <a:endParaRPr lang="en-US"/>
+          </a:p>
+        </p:txBody>
+      </p:sp>
+      <p:sp>
+        <p:nvSpPr>
           <p:cNvPr id="124" name="Rechteck 123"/>
           <p:cNvSpPr/>
           <p:nvPr/>
@@ -5420,7 +5853,7 @@
         <p:spPr>
           <a:xfrm>
             <a:off x="-21685" y="3304481"/>
-            <a:ext cx="4315968" cy="495031"/>
+            <a:ext cx="6483096" cy="495031"/>
           </a:xfrm>
           <a:prstGeom prst="rect">
             <a:avLst/>
@@ -5795,6 +6228,5809 @@
           </a:solidFill>
           <a:ln>
             <a:noFill/>
+          </a:ln>
+        </p:spPr>
+        <p:style>
+          <a:lnRef idx="2">
+            <a:schemeClr val="accent1">
+              <a:shade val="50000"/>
+            </a:schemeClr>
+          </a:lnRef>
+          <a:fillRef idx="1">
+            <a:schemeClr val="accent1"/>
+          </a:fillRef>
+          <a:effectRef idx="0">
+            <a:schemeClr val="accent1"/>
+          </a:effectRef>
+          <a:fontRef idx="minor">
+            <a:schemeClr val="lt1"/>
+          </a:fontRef>
+        </p:style>
+        <p:txBody>
+          <a:bodyPr rtlCol="0" anchor="ctr"/>
+          <a:lstStyle/>
+          <a:p>
+            <a:pPr algn="ctr"/>
+            <a:endParaRPr lang="en-US"/>
+          </a:p>
+        </p:txBody>
+      </p:sp>
+      <p:pic>
+        <p:nvPicPr>
+          <p:cNvPr id="5" name="Grafik 4">
+            <a:extLst>
+              <a:ext uri="{FF2B5EF4-FFF2-40B4-BE49-F238E27FC236}">
+                <a16:creationId xmlns:a16="http://schemas.microsoft.com/office/drawing/2014/main" id="{12F1427F-0A0A-C0A2-A06A-891B932EE4A1}"/>
+              </a:ext>
+            </a:extLst>
+          </p:cNvPr>
+          <p:cNvPicPr>
+            <a:picLocks noChangeAspect="1"/>
+          </p:cNvPicPr>
+          <p:nvPr/>
+        </p:nvPicPr>
+        <p:blipFill>
+          <a:blip r:embed="rId9">
+            <a:extLst>
+              <a:ext uri="{28A0092B-C50C-407E-A947-70E740481C1C}">
+                <a14:useLocalDpi xmlns:a14="http://schemas.microsoft.com/office/drawing/2010/main" val="0"/>
+              </a:ext>
+            </a:extLst>
+          </a:blip>
+          <a:stretch>
+            <a:fillRect/>
+          </a:stretch>
+        </p:blipFill>
+        <p:spPr>
+          <a:xfrm>
+            <a:off x="443089" y="4765082"/>
+            <a:ext cx="457200" cy="457200"/>
+          </a:xfrm>
+          <a:prstGeom prst="rect">
+            <a:avLst/>
+          </a:prstGeom>
+        </p:spPr>
+      </p:pic>
+      <p:sp>
+        <p:nvSpPr>
+          <p:cNvPr id="6" name="Rechteck 5">
+            <a:extLst>
+              <a:ext uri="{FF2B5EF4-FFF2-40B4-BE49-F238E27FC236}">
+                <a16:creationId xmlns:a16="http://schemas.microsoft.com/office/drawing/2014/main" id="{7879B11F-FDA3-3605-1EBD-8A318ECB1225}"/>
+              </a:ext>
+            </a:extLst>
+          </p:cNvPr>
+          <p:cNvSpPr/>
+          <p:nvPr/>
+        </p:nvSpPr>
+        <p:spPr>
+          <a:xfrm flipH="1">
+            <a:off x="298124" y="5305078"/>
+            <a:ext cx="731520" cy="270800"/>
+          </a:xfrm>
+          <a:prstGeom prst="rect">
+            <a:avLst/>
+          </a:prstGeom>
+          <a:noFill/>
+          <a:ln>
+            <a:noFill/>
+          </a:ln>
+        </p:spPr>
+        <p:style>
+          <a:lnRef idx="2">
+            <a:schemeClr val="dk1"/>
+          </a:lnRef>
+          <a:fillRef idx="1">
+            <a:schemeClr val="lt1"/>
+          </a:fillRef>
+          <a:effectRef idx="0">
+            <a:schemeClr val="dk1"/>
+          </a:effectRef>
+          <a:fontRef idx="minor">
+            <a:schemeClr val="dk1"/>
+          </a:fontRef>
+        </p:style>
+        <p:txBody>
+          <a:bodyPr rtlCol="0" anchor="ctr"/>
+          <a:lstStyle/>
+          <a:p>
+            <a:pPr algn="ctr"/>
+            <a:r>
+              <a:rPr lang="en-US" sz="700" b="1" dirty="0"/>
+              <a:t>metals</a:t>
+            </a:r>
+            <a:endParaRPr lang="en-US" sz="900" b="1" dirty="0"/>
+          </a:p>
+        </p:txBody>
+      </p:sp>
+      <p:sp>
+        <p:nvSpPr>
+          <p:cNvPr id="7" name="Rechteck 6">
+            <a:extLst>
+              <a:ext uri="{FF2B5EF4-FFF2-40B4-BE49-F238E27FC236}">
+                <a16:creationId xmlns:a16="http://schemas.microsoft.com/office/drawing/2014/main" id="{B4F3320E-29B0-E670-8D53-CC0C20300B4B}"/>
+              </a:ext>
+            </a:extLst>
+          </p:cNvPr>
+          <p:cNvSpPr/>
+          <p:nvPr/>
+        </p:nvSpPr>
+        <p:spPr>
+          <a:xfrm>
+            <a:off x="904866" y="4917677"/>
+            <a:ext cx="1389089" cy="270800"/>
+          </a:xfrm>
+          <a:prstGeom prst="rect">
+            <a:avLst/>
+          </a:prstGeom>
+          <a:noFill/>
+          <a:ln>
+            <a:noFill/>
+          </a:ln>
+        </p:spPr>
+        <p:style>
+          <a:lnRef idx="2">
+            <a:schemeClr val="dk1"/>
+          </a:lnRef>
+          <a:fillRef idx="1">
+            <a:schemeClr val="lt1"/>
+          </a:fillRef>
+          <a:effectRef idx="0">
+            <a:schemeClr val="dk1"/>
+          </a:effectRef>
+          <a:fontRef idx="minor">
+            <a:schemeClr val="dk1"/>
+          </a:fontRef>
+        </p:style>
+        <p:txBody>
+          <a:bodyPr rtlCol="0" anchor="ctr"/>
+          <a:lstStyle/>
+          <a:p>
+            <a:pPr marL="91440" indent="-91440" defTabSz="457200">
+              <a:buFont typeface="Arial" panose="020B0604020202020204" pitchFamily="34" charset="0"/>
+              <a:buChar char="•"/>
+            </a:pPr>
+            <a:r>
+              <a:rPr lang="en-US" sz="700" dirty="0"/>
+              <a:t>iron + steel</a:t>
+            </a:r>
+          </a:p>
+          <a:p>
+            <a:pPr marL="91440" indent="-91440" defTabSz="457200">
+              <a:buFont typeface="Arial" panose="020B0604020202020204" pitchFamily="34" charset="0"/>
+              <a:buChar char="•"/>
+            </a:pPr>
+            <a:r>
+              <a:rPr lang="en-US" sz="700" dirty="0"/>
+              <a:t>copper</a:t>
+            </a:r>
+          </a:p>
+          <a:p>
+            <a:pPr marL="91440" indent="-91440" defTabSz="457200">
+              <a:buFont typeface="Arial" panose="020B0604020202020204" pitchFamily="34" charset="0"/>
+              <a:buChar char="•"/>
+            </a:pPr>
+            <a:r>
+              <a:rPr lang="en-US" sz="700" dirty="0" err="1"/>
+              <a:t>aluminium</a:t>
+            </a:r>
+            <a:endParaRPr lang="en-US" sz="700" dirty="0"/>
+          </a:p>
+          <a:p>
+            <a:pPr marL="91440" indent="-91440" defTabSz="457200">
+              <a:buFont typeface="Arial" panose="020B0604020202020204" pitchFamily="34" charset="0"/>
+              <a:buChar char="•"/>
+            </a:pPr>
+            <a:r>
+              <a:rPr lang="en-US" sz="700" dirty="0"/>
+              <a:t>other</a:t>
+            </a:r>
+          </a:p>
+        </p:txBody>
+      </p:sp>
+      <p:pic>
+        <p:nvPicPr>
+          <p:cNvPr id="8" name="Grafik 7">
+            <a:extLst>
+              <a:ext uri="{FF2B5EF4-FFF2-40B4-BE49-F238E27FC236}">
+                <a16:creationId xmlns:a16="http://schemas.microsoft.com/office/drawing/2014/main" id="{D58C4F44-4C14-6E2D-6117-D0E5ECEC3605}"/>
+              </a:ext>
+            </a:extLst>
+          </p:cNvPr>
+          <p:cNvPicPr>
+            <a:picLocks noChangeAspect="1"/>
+          </p:cNvPicPr>
+          <p:nvPr/>
+        </p:nvPicPr>
+        <p:blipFill>
+          <a:blip r:embed="rId10">
+            <a:extLst>
+              <a:ext uri="{28A0092B-C50C-407E-A947-70E740481C1C}">
+                <a14:useLocalDpi xmlns:a14="http://schemas.microsoft.com/office/drawing/2010/main" val="0"/>
+              </a:ext>
+            </a:extLst>
+          </a:blip>
+          <a:stretch>
+            <a:fillRect/>
+          </a:stretch>
+        </p:blipFill>
+        <p:spPr>
+          <a:xfrm>
+            <a:off x="1871614" y="4795567"/>
+            <a:ext cx="457200" cy="457200"/>
+          </a:xfrm>
+          <a:prstGeom prst="rect">
+            <a:avLst/>
+          </a:prstGeom>
+        </p:spPr>
+      </p:pic>
+      <p:sp>
+        <p:nvSpPr>
+          <p:cNvPr id="9" name="Rechteck 8">
+            <a:extLst>
+              <a:ext uri="{FF2B5EF4-FFF2-40B4-BE49-F238E27FC236}">
+                <a16:creationId xmlns:a16="http://schemas.microsoft.com/office/drawing/2014/main" id="{6D193147-5DF0-9B3F-8DDB-58CA9105EE60}"/>
+              </a:ext>
+            </a:extLst>
+          </p:cNvPr>
+          <p:cNvSpPr/>
+          <p:nvPr/>
+        </p:nvSpPr>
+        <p:spPr>
+          <a:xfrm flipH="1">
+            <a:off x="1707377" y="5305637"/>
+            <a:ext cx="733663" cy="270800"/>
+          </a:xfrm>
+          <a:prstGeom prst="rect">
+            <a:avLst/>
+          </a:prstGeom>
+          <a:noFill/>
+          <a:ln>
+            <a:noFill/>
+          </a:ln>
+        </p:spPr>
+        <p:style>
+          <a:lnRef idx="2">
+            <a:schemeClr val="dk1"/>
+          </a:lnRef>
+          <a:fillRef idx="1">
+            <a:schemeClr val="lt1"/>
+          </a:fillRef>
+          <a:effectRef idx="0">
+            <a:schemeClr val="dk1"/>
+          </a:effectRef>
+          <a:fontRef idx="minor">
+            <a:schemeClr val="dk1"/>
+          </a:fontRef>
+        </p:style>
+        <p:txBody>
+          <a:bodyPr rtlCol="0" anchor="ctr"/>
+          <a:lstStyle/>
+          <a:p>
+            <a:pPr algn="ctr"/>
+            <a:r>
+              <a:rPr lang="en-US" sz="700" b="1" dirty="0"/>
+              <a:t>non-metallic minerals</a:t>
+            </a:r>
+            <a:endParaRPr lang="en-US" sz="900" b="1" dirty="0"/>
+          </a:p>
+        </p:txBody>
+      </p:sp>
+      <p:sp>
+        <p:nvSpPr>
+          <p:cNvPr id="10" name="Rechteck 9">
+            <a:extLst>
+              <a:ext uri="{FF2B5EF4-FFF2-40B4-BE49-F238E27FC236}">
+                <a16:creationId xmlns:a16="http://schemas.microsoft.com/office/drawing/2014/main" id="{F4B2F57B-BDB2-51D2-0386-1B5D69688FFF}"/>
+              </a:ext>
+            </a:extLst>
+          </p:cNvPr>
+          <p:cNvSpPr/>
+          <p:nvPr/>
+        </p:nvSpPr>
+        <p:spPr>
+          <a:xfrm>
+            <a:off x="2383916" y="5029079"/>
+            <a:ext cx="1389089" cy="270800"/>
+          </a:xfrm>
+          <a:prstGeom prst="rect">
+            <a:avLst/>
+          </a:prstGeom>
+          <a:noFill/>
+          <a:ln>
+            <a:noFill/>
+          </a:ln>
+        </p:spPr>
+        <p:style>
+          <a:lnRef idx="2">
+            <a:schemeClr val="dk1"/>
+          </a:lnRef>
+          <a:fillRef idx="1">
+            <a:schemeClr val="lt1"/>
+          </a:fillRef>
+          <a:effectRef idx="0">
+            <a:schemeClr val="dk1"/>
+          </a:effectRef>
+          <a:fontRef idx="minor">
+            <a:schemeClr val="dk1"/>
+          </a:fontRef>
+        </p:style>
+        <p:txBody>
+          <a:bodyPr rtlCol="0" anchor="ctr"/>
+          <a:lstStyle/>
+          <a:p>
+            <a:pPr marL="91440" indent="-91440" defTabSz="457200">
+              <a:buFont typeface="Arial" panose="020B0604020202020204" pitchFamily="34" charset="0"/>
+              <a:buChar char="•"/>
+            </a:pPr>
+            <a:r>
+              <a:rPr lang="en-US" sz="700" dirty="0"/>
+              <a:t>concrete</a:t>
+            </a:r>
+          </a:p>
+          <a:p>
+            <a:pPr marL="91440" indent="-91440" defTabSz="457200">
+              <a:buFont typeface="Arial" panose="020B0604020202020204" pitchFamily="34" charset="0"/>
+              <a:buChar char="•"/>
+            </a:pPr>
+            <a:r>
+              <a:rPr lang="en-US" sz="700" dirty="0"/>
+              <a:t>bricks</a:t>
+            </a:r>
+          </a:p>
+          <a:p>
+            <a:pPr marL="91440" indent="-91440" defTabSz="457200">
+              <a:buFont typeface="Arial" panose="020B0604020202020204" pitchFamily="34" charset="0"/>
+              <a:buChar char="•"/>
+            </a:pPr>
+            <a:r>
+              <a:rPr lang="en-US" sz="700" dirty="0"/>
+              <a:t>glass</a:t>
+            </a:r>
+          </a:p>
+          <a:p>
+            <a:pPr marL="91440" indent="-91440" defTabSz="457200">
+              <a:buFont typeface="Arial" panose="020B0604020202020204" pitchFamily="34" charset="0"/>
+              <a:buChar char="•"/>
+            </a:pPr>
+            <a:r>
+              <a:rPr lang="en-US" sz="700" dirty="0"/>
+              <a:t>aggregate </a:t>
+            </a:r>
+            <a:br>
+              <a:rPr lang="en-US" sz="700" dirty="0"/>
+            </a:br>
+            <a:r>
+              <a:rPr lang="en-US" sz="700" dirty="0"/>
+              <a:t>(exc. concrete)</a:t>
+            </a:r>
+          </a:p>
+          <a:p>
+            <a:pPr marL="91440" indent="-91440" defTabSz="457200">
+              <a:buFont typeface="Arial" panose="020B0604020202020204" pitchFamily="34" charset="0"/>
+              <a:buChar char="•"/>
+            </a:pPr>
+            <a:r>
+              <a:rPr lang="en-US" sz="700" dirty="0"/>
+              <a:t>other</a:t>
+            </a:r>
+          </a:p>
+        </p:txBody>
+      </p:sp>
+      <p:pic>
+        <p:nvPicPr>
+          <p:cNvPr id="11" name="Grafik 10">
+            <a:extLst>
+              <a:ext uri="{FF2B5EF4-FFF2-40B4-BE49-F238E27FC236}">
+                <a16:creationId xmlns:a16="http://schemas.microsoft.com/office/drawing/2014/main" id="{27FA21A1-A1BC-3FE9-45E2-6C0AA1DE2A7C}"/>
+              </a:ext>
+            </a:extLst>
+          </p:cNvPr>
+          <p:cNvPicPr>
+            <a:picLocks noChangeAspect="1"/>
+          </p:cNvPicPr>
+          <p:nvPr/>
+        </p:nvPicPr>
+        <p:blipFill>
+          <a:blip r:embed="rId11">
+            <a:extLst>
+              <a:ext uri="{28A0092B-C50C-407E-A947-70E740481C1C}">
+                <a14:useLocalDpi xmlns:a14="http://schemas.microsoft.com/office/drawing/2010/main" val="0"/>
+              </a:ext>
+            </a:extLst>
+          </a:blip>
+          <a:stretch>
+            <a:fillRect/>
+          </a:stretch>
+        </p:blipFill>
+        <p:spPr>
+          <a:xfrm>
+            <a:off x="3541668" y="4795567"/>
+            <a:ext cx="457200" cy="457200"/>
+          </a:xfrm>
+          <a:prstGeom prst="rect">
+            <a:avLst/>
+          </a:prstGeom>
+        </p:spPr>
+      </p:pic>
+      <p:sp>
+        <p:nvSpPr>
+          <p:cNvPr id="13" name="Rechteck 12">
+            <a:extLst>
+              <a:ext uri="{FF2B5EF4-FFF2-40B4-BE49-F238E27FC236}">
+                <a16:creationId xmlns:a16="http://schemas.microsoft.com/office/drawing/2014/main" id="{E847DD5D-6BAF-4F66-02D0-5B3E44D720F3}"/>
+              </a:ext>
+            </a:extLst>
+          </p:cNvPr>
+          <p:cNvSpPr/>
+          <p:nvPr/>
+        </p:nvSpPr>
+        <p:spPr>
+          <a:xfrm flipH="1">
+            <a:off x="3412149" y="5317400"/>
+            <a:ext cx="733663" cy="270800"/>
+          </a:xfrm>
+          <a:prstGeom prst="rect">
+            <a:avLst/>
+          </a:prstGeom>
+          <a:noFill/>
+          <a:ln>
+            <a:noFill/>
+          </a:ln>
+        </p:spPr>
+        <p:style>
+          <a:lnRef idx="2">
+            <a:schemeClr val="dk1"/>
+          </a:lnRef>
+          <a:fillRef idx="1">
+            <a:schemeClr val="lt1"/>
+          </a:fillRef>
+          <a:effectRef idx="0">
+            <a:schemeClr val="dk1"/>
+          </a:effectRef>
+          <a:fontRef idx="minor">
+            <a:schemeClr val="dk1"/>
+          </a:fontRef>
+        </p:style>
+        <p:txBody>
+          <a:bodyPr rtlCol="0" anchor="ctr"/>
+          <a:lstStyle/>
+          <a:p>
+            <a:pPr algn="ctr"/>
+            <a:r>
+              <a:rPr lang="en-US" sz="700" b="1" dirty="0"/>
+              <a:t>biomass</a:t>
+            </a:r>
+            <a:endParaRPr lang="en-US" sz="900" b="1" dirty="0"/>
+          </a:p>
+        </p:txBody>
+      </p:sp>
+      <p:sp>
+        <p:nvSpPr>
+          <p:cNvPr id="14" name="Rechteck 13">
+            <a:extLst>
+              <a:ext uri="{FF2B5EF4-FFF2-40B4-BE49-F238E27FC236}">
+                <a16:creationId xmlns:a16="http://schemas.microsoft.com/office/drawing/2014/main" id="{833FC5E4-3794-FEC4-D983-E7FF138BB7A1}"/>
+              </a:ext>
+            </a:extLst>
+          </p:cNvPr>
+          <p:cNvSpPr/>
+          <p:nvPr/>
+        </p:nvSpPr>
+        <p:spPr>
+          <a:xfrm>
+            <a:off x="3998868" y="4921677"/>
+            <a:ext cx="1389089" cy="270800"/>
+          </a:xfrm>
+          <a:prstGeom prst="rect">
+            <a:avLst/>
+          </a:prstGeom>
+          <a:noFill/>
+          <a:ln>
+            <a:noFill/>
+          </a:ln>
+        </p:spPr>
+        <p:style>
+          <a:lnRef idx="2">
+            <a:schemeClr val="dk1"/>
+          </a:lnRef>
+          <a:fillRef idx="1">
+            <a:schemeClr val="lt1"/>
+          </a:fillRef>
+          <a:effectRef idx="0">
+            <a:schemeClr val="dk1"/>
+          </a:effectRef>
+          <a:fontRef idx="minor">
+            <a:schemeClr val="dk1"/>
+          </a:fontRef>
+        </p:style>
+        <p:txBody>
+          <a:bodyPr rtlCol="0" anchor="ctr"/>
+          <a:lstStyle/>
+          <a:p>
+            <a:pPr marL="91440" indent="-91440" defTabSz="457200">
+              <a:buFont typeface="Arial" panose="020B0604020202020204" pitchFamily="34" charset="0"/>
+              <a:buChar char="•"/>
+            </a:pPr>
+            <a:r>
+              <a:rPr lang="en-US" sz="700" dirty="0"/>
+              <a:t>timber</a:t>
+            </a:r>
+          </a:p>
+          <a:p>
+            <a:pPr marL="91440" indent="-91440" defTabSz="457200">
+              <a:buFont typeface="Arial" panose="020B0604020202020204" pitchFamily="34" charset="0"/>
+              <a:buChar char="•"/>
+            </a:pPr>
+            <a:r>
+              <a:rPr lang="en-US" sz="700" dirty="0"/>
+              <a:t>other</a:t>
+            </a:r>
+          </a:p>
+        </p:txBody>
+      </p:sp>
+      <p:pic>
+        <p:nvPicPr>
+          <p:cNvPr id="15" name="Grafik 14">
+            <a:extLst>
+              <a:ext uri="{FF2B5EF4-FFF2-40B4-BE49-F238E27FC236}">
+                <a16:creationId xmlns:a16="http://schemas.microsoft.com/office/drawing/2014/main" id="{7D483FB8-4682-8874-5E44-79F133004CFF}"/>
+              </a:ext>
+            </a:extLst>
+          </p:cNvPr>
+          <p:cNvPicPr>
+            <a:picLocks noChangeAspect="1"/>
+          </p:cNvPicPr>
+          <p:nvPr/>
+        </p:nvPicPr>
+        <p:blipFill>
+          <a:blip r:embed="rId12">
+            <a:extLst>
+              <a:ext uri="{28A0092B-C50C-407E-A947-70E740481C1C}">
+                <a14:useLocalDpi xmlns:a14="http://schemas.microsoft.com/office/drawing/2010/main" val="0"/>
+              </a:ext>
+            </a:extLst>
+          </a:blip>
+          <a:stretch>
+            <a:fillRect/>
+          </a:stretch>
+        </p:blipFill>
+        <p:spPr>
+          <a:xfrm>
+            <a:off x="4868619" y="4900537"/>
+            <a:ext cx="457200" cy="457200"/>
+          </a:xfrm>
+          <a:prstGeom prst="rect">
+            <a:avLst/>
+          </a:prstGeom>
+        </p:spPr>
+      </p:pic>
+      <p:sp>
+        <p:nvSpPr>
+          <p:cNvPr id="21" name="Rechteck 20">
+            <a:extLst>
+              <a:ext uri="{FF2B5EF4-FFF2-40B4-BE49-F238E27FC236}">
+                <a16:creationId xmlns:a16="http://schemas.microsoft.com/office/drawing/2014/main" id="{7DEFE0BF-2EF2-B9C1-7045-2C9AE83B29DE}"/>
+              </a:ext>
+            </a:extLst>
+          </p:cNvPr>
+          <p:cNvSpPr/>
+          <p:nvPr/>
+        </p:nvSpPr>
+        <p:spPr>
+          <a:xfrm flipH="1">
+            <a:off x="4733991" y="5406872"/>
+            <a:ext cx="733663" cy="270800"/>
+          </a:xfrm>
+          <a:prstGeom prst="rect">
+            <a:avLst/>
+          </a:prstGeom>
+          <a:noFill/>
+          <a:ln>
+            <a:noFill/>
+          </a:ln>
+        </p:spPr>
+        <p:style>
+          <a:lnRef idx="2">
+            <a:schemeClr val="dk1"/>
+          </a:lnRef>
+          <a:fillRef idx="1">
+            <a:schemeClr val="lt1"/>
+          </a:fillRef>
+          <a:effectRef idx="0">
+            <a:schemeClr val="dk1"/>
+          </a:effectRef>
+          <a:fontRef idx="minor">
+            <a:schemeClr val="dk1"/>
+          </a:fontRef>
+        </p:style>
+        <p:txBody>
+          <a:bodyPr rtlCol="0" anchor="ctr"/>
+          <a:lstStyle/>
+          <a:p>
+            <a:pPr algn="ctr"/>
+            <a:r>
+              <a:rPr lang="en-US" sz="700" b="1" dirty="0"/>
+              <a:t>petroleum products</a:t>
+            </a:r>
+            <a:endParaRPr lang="en-US" sz="900" b="1" dirty="0"/>
+          </a:p>
+        </p:txBody>
+      </p:sp>
+      <p:sp>
+        <p:nvSpPr>
+          <p:cNvPr id="22" name="Rechteck 21">
+            <a:extLst>
+              <a:ext uri="{FF2B5EF4-FFF2-40B4-BE49-F238E27FC236}">
+                <a16:creationId xmlns:a16="http://schemas.microsoft.com/office/drawing/2014/main" id="{223C676F-58F1-C780-0718-21384F61F764}"/>
+              </a:ext>
+            </a:extLst>
+          </p:cNvPr>
+          <p:cNvSpPr/>
+          <p:nvPr/>
+        </p:nvSpPr>
+        <p:spPr>
+          <a:xfrm>
+            <a:off x="5291664" y="5029079"/>
+            <a:ext cx="1389089" cy="270800"/>
+          </a:xfrm>
+          <a:prstGeom prst="rect">
+            <a:avLst/>
+          </a:prstGeom>
+          <a:noFill/>
+          <a:ln>
+            <a:noFill/>
+          </a:ln>
+        </p:spPr>
+        <p:style>
+          <a:lnRef idx="2">
+            <a:schemeClr val="dk1"/>
+          </a:lnRef>
+          <a:fillRef idx="1">
+            <a:schemeClr val="lt1"/>
+          </a:fillRef>
+          <a:effectRef idx="0">
+            <a:schemeClr val="dk1"/>
+          </a:effectRef>
+          <a:fontRef idx="minor">
+            <a:schemeClr val="dk1"/>
+          </a:fontRef>
+        </p:style>
+        <p:txBody>
+          <a:bodyPr rtlCol="0" anchor="ctr"/>
+          <a:lstStyle/>
+          <a:p>
+            <a:pPr marL="91440" indent="-91440" defTabSz="457200">
+              <a:buFont typeface="Arial" panose="020B0604020202020204" pitchFamily="34" charset="0"/>
+              <a:buChar char="•"/>
+            </a:pPr>
+            <a:r>
+              <a:rPr lang="en-US" sz="700" dirty="0"/>
+              <a:t>bitumen</a:t>
+            </a:r>
+          </a:p>
+          <a:p>
+            <a:pPr marL="91440" indent="-91440" defTabSz="457200">
+              <a:buFont typeface="Arial" panose="020B0604020202020204" pitchFamily="34" charset="0"/>
+              <a:buChar char="•"/>
+            </a:pPr>
+            <a:r>
+              <a:rPr lang="en-US" sz="700" dirty="0"/>
+              <a:t>other</a:t>
+            </a:r>
+          </a:p>
+        </p:txBody>
+      </p:sp>
+      <p:pic>
+        <p:nvPicPr>
+          <p:cNvPr id="23" name="Grafik 22">
+            <a:extLst>
+              <a:ext uri="{FF2B5EF4-FFF2-40B4-BE49-F238E27FC236}">
+                <a16:creationId xmlns:a16="http://schemas.microsoft.com/office/drawing/2014/main" id="{6B61C7F5-BB72-606A-616E-C7FB7690DD06}"/>
+              </a:ext>
+            </a:extLst>
+          </p:cNvPr>
+          <p:cNvPicPr>
+            <a:picLocks noChangeAspect="1"/>
+          </p:cNvPicPr>
+          <p:nvPr/>
+        </p:nvPicPr>
+        <p:blipFill>
+          <a:blip r:embed="rId13">
+            <a:clrChange>
+              <a:clrFrom>
+                <a:srgbClr val="F8FAFB"/>
+              </a:clrFrom>
+              <a:clrTo>
+                <a:srgbClr val="F8FAFB">
+                  <a:alpha val="0"/>
+                </a:srgbClr>
+              </a:clrTo>
+            </a:clrChange>
+          </a:blip>
+          <a:stretch>
+            <a:fillRect/>
+          </a:stretch>
+        </p:blipFill>
+        <p:spPr>
+          <a:xfrm flipV="1">
+            <a:off x="6021864" y="5024167"/>
+            <a:ext cx="291850" cy="151796"/>
+          </a:xfrm>
+          <a:prstGeom prst="rect">
+            <a:avLst/>
+          </a:prstGeom>
+        </p:spPr>
+      </p:pic>
+      <p:sp>
+        <p:nvSpPr>
+          <p:cNvPr id="24" name="Rechteck 23">
+            <a:extLst>
+              <a:ext uri="{FF2B5EF4-FFF2-40B4-BE49-F238E27FC236}">
+                <a16:creationId xmlns:a16="http://schemas.microsoft.com/office/drawing/2014/main" id="{760E4A4B-4D24-1D80-C3D8-34BA36FA037A}"/>
+              </a:ext>
+            </a:extLst>
+          </p:cNvPr>
+          <p:cNvSpPr/>
+          <p:nvPr/>
+        </p:nvSpPr>
+        <p:spPr>
+          <a:xfrm flipH="1">
+            <a:off x="5762116" y="5357737"/>
+            <a:ext cx="733663" cy="270800"/>
+          </a:xfrm>
+          <a:prstGeom prst="rect">
+            <a:avLst/>
+          </a:prstGeom>
+          <a:noFill/>
+          <a:ln>
+            <a:noFill/>
+          </a:ln>
+        </p:spPr>
+        <p:style>
+          <a:lnRef idx="2">
+            <a:schemeClr val="dk1"/>
+          </a:lnRef>
+          <a:fillRef idx="1">
+            <a:schemeClr val="lt1"/>
+          </a:fillRef>
+          <a:effectRef idx="0">
+            <a:schemeClr val="dk1"/>
+          </a:effectRef>
+          <a:fontRef idx="minor">
+            <a:schemeClr val="dk1"/>
+          </a:fontRef>
+        </p:style>
+        <p:txBody>
+          <a:bodyPr rtlCol="0" anchor="ctr"/>
+          <a:lstStyle/>
+          <a:p>
+            <a:pPr algn="ctr"/>
+            <a:r>
+              <a:rPr lang="en-US" sz="700" b="1" dirty="0"/>
+              <a:t>all other </a:t>
+            </a:r>
+          </a:p>
+          <a:p>
+            <a:pPr algn="ctr"/>
+            <a:r>
+              <a:rPr lang="en-US" sz="700" b="1" dirty="0"/>
+              <a:t>materials</a:t>
+            </a:r>
+            <a:endParaRPr lang="en-US" sz="900" b="1" dirty="0"/>
+          </a:p>
+        </p:txBody>
+      </p:sp>
+      <p:sp>
+        <p:nvSpPr>
+          <p:cNvPr id="26" name="Rechteck 25">
+            <a:extLst>
+              <a:ext uri="{FF2B5EF4-FFF2-40B4-BE49-F238E27FC236}">
+                <a16:creationId xmlns:a16="http://schemas.microsoft.com/office/drawing/2014/main" id="{12148EB3-5FEC-EC32-738C-8DE590CB8BFA}"/>
+              </a:ext>
+            </a:extLst>
+          </p:cNvPr>
+          <p:cNvSpPr/>
+          <p:nvPr/>
+        </p:nvSpPr>
+        <p:spPr>
+          <a:xfrm>
+            <a:off x="307037" y="4423426"/>
+            <a:ext cx="6373716" cy="1156304"/>
+          </a:xfrm>
+          <a:prstGeom prst="rect">
+            <a:avLst/>
+          </a:prstGeom>
+          <a:solidFill>
+            <a:schemeClr val="dk1">
+              <a:alpha val="18000"/>
+            </a:schemeClr>
+          </a:solidFill>
+          <a:ln w="25400">
+            <a:solidFill>
+              <a:schemeClr val="bg1"/>
+            </a:solidFill>
+          </a:ln>
+        </p:spPr>
+        <p:style>
+          <a:lnRef idx="2">
+            <a:schemeClr val="dk1">
+              <a:shade val="50000"/>
+            </a:schemeClr>
+          </a:lnRef>
+          <a:fillRef idx="1">
+            <a:schemeClr val="dk1"/>
+          </a:fillRef>
+          <a:effectRef idx="0">
+            <a:schemeClr val="dk1"/>
+          </a:effectRef>
+          <a:fontRef idx="minor">
+            <a:schemeClr val="lt1"/>
+          </a:fontRef>
+        </p:style>
+        <p:txBody>
+          <a:bodyPr rtlCol="0" anchor="ctr"/>
+          <a:lstStyle/>
+          <a:p>
+            <a:pPr algn="ctr"/>
+            <a:endParaRPr lang="en-US" sz="1000" b="1" dirty="0"/>
+          </a:p>
+        </p:txBody>
+      </p:sp>
+      <p:sp>
+        <p:nvSpPr>
+          <p:cNvPr id="33" name="Rechteck 32">
+            <a:extLst>
+              <a:ext uri="{FF2B5EF4-FFF2-40B4-BE49-F238E27FC236}">
+                <a16:creationId xmlns:a16="http://schemas.microsoft.com/office/drawing/2014/main" id="{BD663DD0-6F4B-0A7B-8720-6C82B65C4FFE}"/>
+              </a:ext>
+            </a:extLst>
+          </p:cNvPr>
+          <p:cNvSpPr/>
+          <p:nvPr/>
+        </p:nvSpPr>
+        <p:spPr>
+          <a:xfrm>
+            <a:off x="-297345" y="4357822"/>
+            <a:ext cx="292768" cy="4206240"/>
+          </a:xfrm>
+          <a:prstGeom prst="rect">
+            <a:avLst/>
+          </a:prstGeom>
+          <a:solidFill>
+            <a:schemeClr val="bg1"/>
+          </a:solidFill>
+          <a:ln>
+            <a:solidFill>
+              <a:schemeClr val="bg1"/>
+            </a:solidFill>
+          </a:ln>
+        </p:spPr>
+        <p:style>
+          <a:lnRef idx="2">
+            <a:schemeClr val="accent1">
+              <a:shade val="50000"/>
+            </a:schemeClr>
+          </a:lnRef>
+          <a:fillRef idx="1">
+            <a:schemeClr val="accent1"/>
+          </a:fillRef>
+          <a:effectRef idx="0">
+            <a:schemeClr val="accent1"/>
+          </a:effectRef>
+          <a:fontRef idx="minor">
+            <a:schemeClr val="lt1"/>
+          </a:fontRef>
+        </p:style>
+        <p:txBody>
+          <a:bodyPr rtlCol="0" anchor="ctr"/>
+          <a:lstStyle/>
+          <a:p>
+            <a:pPr algn="ctr"/>
+            <a:endParaRPr lang="en-US"/>
+          </a:p>
+        </p:txBody>
+      </p:sp>
+      <p:sp>
+        <p:nvSpPr>
+          <p:cNvPr id="34" name="Rechteck 33">
+            <a:extLst>
+              <a:ext uri="{FF2B5EF4-FFF2-40B4-BE49-F238E27FC236}">
+                <a16:creationId xmlns:a16="http://schemas.microsoft.com/office/drawing/2014/main" id="{B36B3E68-77A1-1B3C-6829-86AD8F9C7EF5}"/>
+              </a:ext>
+            </a:extLst>
+          </p:cNvPr>
+          <p:cNvSpPr/>
+          <p:nvPr/>
+        </p:nvSpPr>
+        <p:spPr>
+          <a:xfrm>
+            <a:off x="380549" y="5775946"/>
+            <a:ext cx="2645074" cy="1550765"/>
+          </a:xfrm>
+          <a:prstGeom prst="rect">
+            <a:avLst/>
+          </a:prstGeom>
+          <a:solidFill>
+            <a:schemeClr val="dk1">
+              <a:alpha val="10000"/>
+            </a:schemeClr>
+          </a:solidFill>
+          <a:ln w="25400">
+            <a:solidFill>
+              <a:schemeClr val="bg1"/>
+            </a:solidFill>
+          </a:ln>
+        </p:spPr>
+        <p:style>
+          <a:lnRef idx="2">
+            <a:schemeClr val="dk1">
+              <a:shade val="50000"/>
+            </a:schemeClr>
+          </a:lnRef>
+          <a:fillRef idx="1">
+            <a:schemeClr val="dk1"/>
+          </a:fillRef>
+          <a:effectRef idx="0">
+            <a:schemeClr val="dk1"/>
+          </a:effectRef>
+          <a:fontRef idx="minor">
+            <a:schemeClr val="lt1"/>
+          </a:fontRef>
+        </p:style>
+        <p:txBody>
+          <a:bodyPr rtlCol="0" anchor="ctr"/>
+          <a:lstStyle/>
+          <a:p>
+            <a:pPr algn="ctr"/>
+            <a:endParaRPr lang="en-US" sz="1100" b="1" dirty="0"/>
+          </a:p>
+        </p:txBody>
+      </p:sp>
+      <p:sp>
+        <p:nvSpPr>
+          <p:cNvPr id="35" name="Rechteck 34">
+            <a:extLst>
+              <a:ext uri="{FF2B5EF4-FFF2-40B4-BE49-F238E27FC236}">
+                <a16:creationId xmlns:a16="http://schemas.microsoft.com/office/drawing/2014/main" id="{CEB132A9-2752-0D01-3AD4-7A45ECF9D317}"/>
+              </a:ext>
+            </a:extLst>
+          </p:cNvPr>
+          <p:cNvSpPr/>
+          <p:nvPr/>
+        </p:nvSpPr>
+        <p:spPr>
+          <a:xfrm>
+            <a:off x="3084238" y="5829211"/>
+            <a:ext cx="1895491" cy="1503060"/>
+          </a:xfrm>
+          <a:prstGeom prst="rect">
+            <a:avLst/>
+          </a:prstGeom>
+          <a:solidFill>
+            <a:schemeClr val="dk1">
+              <a:alpha val="25000"/>
+            </a:schemeClr>
+          </a:solidFill>
+          <a:ln w="25400">
+            <a:solidFill>
+              <a:schemeClr val="bg1"/>
+            </a:solidFill>
+          </a:ln>
+        </p:spPr>
+        <p:style>
+          <a:lnRef idx="2">
+            <a:schemeClr val="dk1">
+              <a:shade val="50000"/>
+            </a:schemeClr>
+          </a:lnRef>
+          <a:fillRef idx="1">
+            <a:schemeClr val="dk1"/>
+          </a:fillRef>
+          <a:effectRef idx="0">
+            <a:schemeClr val="dk1"/>
+          </a:effectRef>
+          <a:fontRef idx="minor">
+            <a:schemeClr val="lt1"/>
+          </a:fontRef>
+        </p:style>
+        <p:txBody>
+          <a:bodyPr rtlCol="0" anchor="ctr"/>
+          <a:lstStyle/>
+          <a:p>
+            <a:pPr algn="ctr"/>
+            <a:endParaRPr lang="en-US" sz="1100" b="1" dirty="0"/>
+          </a:p>
+        </p:txBody>
+      </p:sp>
+      <p:sp>
+        <p:nvSpPr>
+          <p:cNvPr id="37" name="Rechteck 36">
+            <a:extLst>
+              <a:ext uri="{FF2B5EF4-FFF2-40B4-BE49-F238E27FC236}">
+                <a16:creationId xmlns:a16="http://schemas.microsoft.com/office/drawing/2014/main" id="{F36DAF51-7972-1442-53A6-0438F7A00851}"/>
+              </a:ext>
+            </a:extLst>
+          </p:cNvPr>
+          <p:cNvSpPr/>
+          <p:nvPr/>
+        </p:nvSpPr>
+        <p:spPr>
+          <a:xfrm flipH="1">
+            <a:off x="934139" y="8310343"/>
+            <a:ext cx="1341901" cy="160193"/>
+          </a:xfrm>
+          <a:prstGeom prst="rect">
+            <a:avLst/>
+          </a:prstGeom>
+          <a:ln>
+            <a:noFill/>
+          </a:ln>
+        </p:spPr>
+        <p:style>
+          <a:lnRef idx="2">
+            <a:schemeClr val="dk1"/>
+          </a:lnRef>
+          <a:fillRef idx="1">
+            <a:schemeClr val="lt1"/>
+          </a:fillRef>
+          <a:effectRef idx="0">
+            <a:schemeClr val="dk1"/>
+          </a:effectRef>
+          <a:fontRef idx="minor">
+            <a:schemeClr val="dk1"/>
+          </a:fontRef>
+        </p:style>
+        <p:txBody>
+          <a:bodyPr rtlCol="0" anchor="ctr"/>
+          <a:lstStyle/>
+          <a:p>
+            <a:pPr algn="ctr"/>
+            <a:r>
+              <a:rPr lang="en-US" sz="1000" b="1" dirty="0"/>
+              <a:t>buildings</a:t>
+            </a:r>
+            <a:endParaRPr lang="en-US" sz="1100" b="1" dirty="0"/>
+          </a:p>
+        </p:txBody>
+      </p:sp>
+      <p:pic>
+        <p:nvPicPr>
+          <p:cNvPr id="38" name="Grafik 37">
+            <a:extLst>
+              <a:ext uri="{FF2B5EF4-FFF2-40B4-BE49-F238E27FC236}">
+                <a16:creationId xmlns:a16="http://schemas.microsoft.com/office/drawing/2014/main" id="{89982410-70A9-EDD2-B41A-FF2F3A745930}"/>
+              </a:ext>
+            </a:extLst>
+          </p:cNvPr>
+          <p:cNvPicPr>
+            <a:picLocks noChangeAspect="1"/>
+          </p:cNvPicPr>
+          <p:nvPr/>
+        </p:nvPicPr>
+        <p:blipFill>
+          <a:blip r:embed="rId2">
+            <a:clrChange>
+              <a:clrFrom>
+                <a:srgbClr val="F8FAFB"/>
+              </a:clrFrom>
+              <a:clrTo>
+                <a:srgbClr val="F8FAFB">
+                  <a:alpha val="0"/>
+                </a:srgbClr>
+              </a:clrTo>
+            </a:clrChange>
+          </a:blip>
+          <a:stretch>
+            <a:fillRect/>
+          </a:stretch>
+        </p:blipFill>
+        <p:spPr>
+          <a:xfrm flipH="1">
+            <a:off x="712949" y="5872052"/>
+            <a:ext cx="365760" cy="402848"/>
+          </a:xfrm>
+          <a:prstGeom prst="rect">
+            <a:avLst/>
+          </a:prstGeom>
+        </p:spPr>
+      </p:pic>
+      <p:pic>
+        <p:nvPicPr>
+          <p:cNvPr id="39" name="Grafik 38">
+            <a:extLst>
+              <a:ext uri="{FF2B5EF4-FFF2-40B4-BE49-F238E27FC236}">
+                <a16:creationId xmlns:a16="http://schemas.microsoft.com/office/drawing/2014/main" id="{4D81F614-D69C-08EA-D8DC-DCC3D426EA37}"/>
+              </a:ext>
+            </a:extLst>
+          </p:cNvPr>
+          <p:cNvPicPr>
+            <a:picLocks noChangeAspect="1"/>
+          </p:cNvPicPr>
+          <p:nvPr/>
+        </p:nvPicPr>
+        <p:blipFill>
+          <a:blip r:embed="rId3">
+            <a:clrChange>
+              <a:clrFrom>
+                <a:srgbClr val="F8FAFB"/>
+              </a:clrFrom>
+              <a:clrTo>
+                <a:srgbClr val="F8FAFB">
+                  <a:alpha val="0"/>
+                </a:srgbClr>
+              </a:clrTo>
+            </a:clrChange>
+          </a:blip>
+          <a:stretch>
+            <a:fillRect/>
+          </a:stretch>
+        </p:blipFill>
+        <p:spPr>
+          <a:xfrm>
+            <a:off x="2267306" y="5843168"/>
+            <a:ext cx="457200" cy="397683"/>
+          </a:xfrm>
+          <a:prstGeom prst="rect">
+            <a:avLst/>
+          </a:prstGeom>
+        </p:spPr>
+      </p:pic>
+      <p:pic>
+        <p:nvPicPr>
+          <p:cNvPr id="40" name="Grafik 39">
+            <a:extLst>
+              <a:ext uri="{FF2B5EF4-FFF2-40B4-BE49-F238E27FC236}">
+                <a16:creationId xmlns:a16="http://schemas.microsoft.com/office/drawing/2014/main" id="{6957FF3C-D835-F3B9-F3C3-D54810A47495}"/>
+              </a:ext>
+            </a:extLst>
+          </p:cNvPr>
+          <p:cNvPicPr>
+            <a:picLocks noChangeAspect="1"/>
+          </p:cNvPicPr>
+          <p:nvPr/>
+        </p:nvPicPr>
+        <p:blipFill rotWithShape="1">
+          <a:blip r:embed="rId4">
+            <a:clrChange>
+              <a:clrFrom>
+                <a:srgbClr val="F8FAFB"/>
+              </a:clrFrom>
+              <a:clrTo>
+                <a:srgbClr val="F8FAFB">
+                  <a:alpha val="0"/>
+                </a:srgbClr>
+              </a:clrTo>
+            </a:clrChange>
+          </a:blip>
+          <a:srcRect r="28533"/>
+          <a:stretch/>
+        </p:blipFill>
+        <p:spPr>
+          <a:xfrm>
+            <a:off x="676600" y="6479263"/>
+            <a:ext cx="411480" cy="521949"/>
+          </a:xfrm>
+          <a:prstGeom prst="rect">
+            <a:avLst/>
+          </a:prstGeom>
+        </p:spPr>
+      </p:pic>
+      <p:sp>
+        <p:nvSpPr>
+          <p:cNvPr id="41" name="Rechteck 40">
+            <a:extLst>
+              <a:ext uri="{FF2B5EF4-FFF2-40B4-BE49-F238E27FC236}">
+                <a16:creationId xmlns:a16="http://schemas.microsoft.com/office/drawing/2014/main" id="{18310754-6421-BE2F-3686-EB0A2A970E85}"/>
+              </a:ext>
+            </a:extLst>
+          </p:cNvPr>
+          <p:cNvSpPr/>
+          <p:nvPr/>
+        </p:nvSpPr>
+        <p:spPr>
+          <a:xfrm flipH="1">
+            <a:off x="586586" y="6216110"/>
+            <a:ext cx="622407" cy="270800"/>
+          </a:xfrm>
+          <a:prstGeom prst="rect">
+            <a:avLst/>
+          </a:prstGeom>
+          <a:noFill/>
+          <a:ln>
+            <a:noFill/>
+          </a:ln>
+        </p:spPr>
+        <p:style>
+          <a:lnRef idx="2">
+            <a:schemeClr val="dk1"/>
+          </a:lnRef>
+          <a:fillRef idx="1">
+            <a:schemeClr val="lt1"/>
+          </a:fillRef>
+          <a:effectRef idx="0">
+            <a:schemeClr val="dk1"/>
+          </a:effectRef>
+          <a:fontRef idx="minor">
+            <a:schemeClr val="dk1"/>
+          </a:fontRef>
+        </p:style>
+        <p:txBody>
+          <a:bodyPr rtlCol="0" anchor="ctr"/>
+          <a:lstStyle/>
+          <a:p>
+            <a:pPr algn="ctr"/>
+            <a:r>
+              <a:rPr lang="en-US" sz="700" b="1" dirty="0"/>
+              <a:t>residential</a:t>
+            </a:r>
+            <a:endParaRPr lang="en-US" sz="900" b="1" dirty="0"/>
+          </a:p>
+        </p:txBody>
+      </p:sp>
+      <p:sp>
+        <p:nvSpPr>
+          <p:cNvPr id="42" name="Rechteck 41">
+            <a:extLst>
+              <a:ext uri="{FF2B5EF4-FFF2-40B4-BE49-F238E27FC236}">
+                <a16:creationId xmlns:a16="http://schemas.microsoft.com/office/drawing/2014/main" id="{5C3009AA-FAA1-A087-08C2-F211F69368EC}"/>
+              </a:ext>
+            </a:extLst>
+          </p:cNvPr>
+          <p:cNvSpPr/>
+          <p:nvPr/>
+        </p:nvSpPr>
+        <p:spPr>
+          <a:xfrm flipH="1">
+            <a:off x="600159" y="6865602"/>
+            <a:ext cx="622407" cy="270800"/>
+          </a:xfrm>
+          <a:prstGeom prst="rect">
+            <a:avLst/>
+          </a:prstGeom>
+          <a:noFill/>
+          <a:ln>
+            <a:noFill/>
+          </a:ln>
+        </p:spPr>
+        <p:style>
+          <a:lnRef idx="2">
+            <a:schemeClr val="dk1"/>
+          </a:lnRef>
+          <a:fillRef idx="1">
+            <a:schemeClr val="lt1"/>
+          </a:fillRef>
+          <a:effectRef idx="0">
+            <a:schemeClr val="dk1"/>
+          </a:effectRef>
+          <a:fontRef idx="minor">
+            <a:schemeClr val="dk1"/>
+          </a:fontRef>
+        </p:style>
+        <p:txBody>
+          <a:bodyPr lIns="0" rIns="0" rtlCol="0" anchor="ctr"/>
+          <a:lstStyle/>
+          <a:p>
+            <a:pPr algn="ctr"/>
+            <a:r>
+              <a:rPr lang="en-US" sz="700" b="1" dirty="0"/>
+              <a:t>residential / commercial mixed use</a:t>
+            </a:r>
+            <a:endParaRPr lang="en-US" sz="900" b="1" dirty="0"/>
+          </a:p>
+        </p:txBody>
+      </p:sp>
+      <p:sp>
+        <p:nvSpPr>
+          <p:cNvPr id="43" name="Rechteck 42">
+            <a:extLst>
+              <a:ext uri="{FF2B5EF4-FFF2-40B4-BE49-F238E27FC236}">
+                <a16:creationId xmlns:a16="http://schemas.microsoft.com/office/drawing/2014/main" id="{BBED1926-347F-AC75-8E54-875029F4B755}"/>
+              </a:ext>
+            </a:extLst>
+          </p:cNvPr>
+          <p:cNvSpPr/>
+          <p:nvPr/>
+        </p:nvSpPr>
+        <p:spPr>
+          <a:xfrm flipH="1">
+            <a:off x="2153376" y="6178453"/>
+            <a:ext cx="697605" cy="270800"/>
+          </a:xfrm>
+          <a:prstGeom prst="rect">
+            <a:avLst/>
+          </a:prstGeom>
+          <a:noFill/>
+          <a:ln>
+            <a:noFill/>
+          </a:ln>
+        </p:spPr>
+        <p:style>
+          <a:lnRef idx="2">
+            <a:schemeClr val="dk1"/>
+          </a:lnRef>
+          <a:fillRef idx="1">
+            <a:schemeClr val="lt1"/>
+          </a:fillRef>
+          <a:effectRef idx="0">
+            <a:schemeClr val="dk1"/>
+          </a:effectRef>
+          <a:fontRef idx="minor">
+            <a:schemeClr val="dk1"/>
+          </a:fontRef>
+        </p:style>
+        <p:txBody>
+          <a:bodyPr rtlCol="0" anchor="ctr"/>
+          <a:lstStyle/>
+          <a:p>
+            <a:pPr algn="ctr"/>
+            <a:r>
+              <a:rPr lang="en-US" sz="700" b="1" dirty="0"/>
+              <a:t>commercial</a:t>
+            </a:r>
+          </a:p>
+          <a:p>
+            <a:pPr algn="ctr"/>
+            <a:r>
+              <a:rPr lang="en-US" sz="700" b="1" dirty="0"/>
+              <a:t> + industrial</a:t>
+            </a:r>
+            <a:endParaRPr lang="en-US" sz="900" b="1" dirty="0"/>
+          </a:p>
+        </p:txBody>
+      </p:sp>
+      <p:sp>
+        <p:nvSpPr>
+          <p:cNvPr id="44" name="Rechteck 43">
+            <a:extLst>
+              <a:ext uri="{FF2B5EF4-FFF2-40B4-BE49-F238E27FC236}">
+                <a16:creationId xmlns:a16="http://schemas.microsoft.com/office/drawing/2014/main" id="{FA3CF331-F623-DBE0-F4DD-DABB8B91CCF7}"/>
+              </a:ext>
+            </a:extLst>
+          </p:cNvPr>
+          <p:cNvSpPr/>
+          <p:nvPr/>
+        </p:nvSpPr>
+        <p:spPr>
+          <a:xfrm>
+            <a:off x="1165067" y="5985755"/>
+            <a:ext cx="1389089" cy="270800"/>
+          </a:xfrm>
+          <a:prstGeom prst="rect">
+            <a:avLst/>
+          </a:prstGeom>
+          <a:noFill/>
+          <a:ln>
+            <a:noFill/>
+          </a:ln>
+        </p:spPr>
+        <p:style>
+          <a:lnRef idx="2">
+            <a:schemeClr val="dk1"/>
+          </a:lnRef>
+          <a:fillRef idx="1">
+            <a:schemeClr val="lt1"/>
+          </a:fillRef>
+          <a:effectRef idx="0">
+            <a:schemeClr val="dk1"/>
+          </a:effectRef>
+          <a:fontRef idx="minor">
+            <a:schemeClr val="dk1"/>
+          </a:fontRef>
+        </p:style>
+        <p:txBody>
+          <a:bodyPr rtlCol="0" anchor="ctr"/>
+          <a:lstStyle/>
+          <a:p>
+            <a:pPr marL="91440" indent="-91440" defTabSz="457200">
+              <a:buFont typeface="Arial" panose="020B0604020202020204" pitchFamily="34" charset="0"/>
+              <a:buChar char="•"/>
+            </a:pPr>
+            <a:r>
+              <a:rPr lang="en-US" sz="700" dirty="0"/>
+              <a:t>low-rise</a:t>
+            </a:r>
+          </a:p>
+          <a:p>
+            <a:pPr marL="91440" indent="-91440" defTabSz="457200">
+              <a:buFont typeface="Arial" panose="020B0604020202020204" pitchFamily="34" charset="0"/>
+              <a:buChar char="•"/>
+            </a:pPr>
+            <a:r>
+              <a:rPr lang="en-US" sz="700" dirty="0"/>
+              <a:t>mid-rise</a:t>
+            </a:r>
+          </a:p>
+          <a:p>
+            <a:pPr marL="91440" indent="-91440" defTabSz="457200">
+              <a:buFont typeface="Arial" panose="020B0604020202020204" pitchFamily="34" charset="0"/>
+              <a:buChar char="•"/>
+            </a:pPr>
+            <a:r>
+              <a:rPr lang="en-US" sz="700" dirty="0"/>
+              <a:t>mobile homes + </a:t>
+            </a:r>
+            <a:br>
+              <a:rPr lang="en-US" sz="700" dirty="0"/>
+            </a:br>
+            <a:r>
+              <a:rPr lang="en-US" sz="700" dirty="0"/>
+              <a:t>lightweight</a:t>
+            </a:r>
+          </a:p>
+        </p:txBody>
+      </p:sp>
+      <p:sp>
+        <p:nvSpPr>
+          <p:cNvPr id="45" name="Rechteck 44">
+            <a:extLst>
+              <a:ext uri="{FF2B5EF4-FFF2-40B4-BE49-F238E27FC236}">
+                <a16:creationId xmlns:a16="http://schemas.microsoft.com/office/drawing/2014/main" id="{8333074C-4010-C99B-D1DE-069B599A014A}"/>
+              </a:ext>
+            </a:extLst>
+          </p:cNvPr>
+          <p:cNvSpPr/>
+          <p:nvPr/>
+        </p:nvSpPr>
+        <p:spPr>
+          <a:xfrm>
+            <a:off x="1177069" y="6629510"/>
+            <a:ext cx="1389089" cy="270800"/>
+          </a:xfrm>
+          <a:prstGeom prst="rect">
+            <a:avLst/>
+          </a:prstGeom>
+          <a:noFill/>
+          <a:ln>
+            <a:noFill/>
+          </a:ln>
+        </p:spPr>
+        <p:style>
+          <a:lnRef idx="2">
+            <a:schemeClr val="dk1"/>
+          </a:lnRef>
+          <a:fillRef idx="1">
+            <a:schemeClr val="lt1"/>
+          </a:fillRef>
+          <a:effectRef idx="0">
+            <a:schemeClr val="dk1"/>
+          </a:effectRef>
+          <a:fontRef idx="minor">
+            <a:schemeClr val="dk1"/>
+          </a:fontRef>
+        </p:style>
+        <p:txBody>
+          <a:bodyPr rtlCol="0" anchor="ctr"/>
+          <a:lstStyle/>
+          <a:p>
+            <a:pPr marL="91440" indent="-91440" defTabSz="457200">
+              <a:buFont typeface="Arial" panose="020B0604020202020204" pitchFamily="34" charset="0"/>
+              <a:buChar char="•"/>
+            </a:pPr>
+            <a:r>
+              <a:rPr lang="en-US" sz="700" dirty="0"/>
+              <a:t>low/mid-rise</a:t>
+            </a:r>
+          </a:p>
+          <a:p>
+            <a:pPr marL="91440" indent="-91440" defTabSz="457200">
+              <a:buFont typeface="Arial" panose="020B0604020202020204" pitchFamily="34" charset="0"/>
+              <a:buChar char="•"/>
+            </a:pPr>
+            <a:r>
+              <a:rPr lang="en-US" sz="700" dirty="0"/>
+              <a:t>high-rise</a:t>
+            </a:r>
+          </a:p>
+          <a:p>
+            <a:pPr marL="91440" indent="-91440" defTabSz="457200">
+              <a:buFont typeface="Arial" panose="020B0604020202020204" pitchFamily="34" charset="0"/>
+              <a:buChar char="•"/>
+            </a:pPr>
+            <a:r>
+              <a:rPr lang="en-US" sz="700" dirty="0"/>
+              <a:t>skyscraper</a:t>
+            </a:r>
+          </a:p>
+        </p:txBody>
+      </p:sp>
+      <p:pic>
+        <p:nvPicPr>
+          <p:cNvPr id="46" name="Grafik 45">
+            <a:extLst>
+              <a:ext uri="{FF2B5EF4-FFF2-40B4-BE49-F238E27FC236}">
+                <a16:creationId xmlns:a16="http://schemas.microsoft.com/office/drawing/2014/main" id="{AC5B7EA9-B974-BD86-C5BF-7C3E4A5B6237}"/>
+              </a:ext>
+            </a:extLst>
+          </p:cNvPr>
+          <p:cNvPicPr>
+            <a:picLocks noChangeAspect="1"/>
+          </p:cNvPicPr>
+          <p:nvPr/>
+        </p:nvPicPr>
+        <p:blipFill>
+          <a:blip r:embed="rId5">
+            <a:clrChange>
+              <a:clrFrom>
+                <a:srgbClr val="F8FAFB"/>
+              </a:clrFrom>
+              <a:clrTo>
+                <a:srgbClr val="F8FAFB">
+                  <a:alpha val="0"/>
+                </a:srgbClr>
+              </a:clrTo>
+            </a:clrChange>
+          </a:blip>
+          <a:stretch>
+            <a:fillRect/>
+          </a:stretch>
+        </p:blipFill>
+        <p:spPr>
+          <a:xfrm>
+            <a:off x="3704755" y="5986033"/>
+            <a:ext cx="457200" cy="404121"/>
+          </a:xfrm>
+          <a:prstGeom prst="rect">
+            <a:avLst/>
+          </a:prstGeom>
+        </p:spPr>
+      </p:pic>
+      <p:pic>
+        <p:nvPicPr>
+          <p:cNvPr id="47" name="Grafik 46">
+            <a:extLst>
+              <a:ext uri="{FF2B5EF4-FFF2-40B4-BE49-F238E27FC236}">
+                <a16:creationId xmlns:a16="http://schemas.microsoft.com/office/drawing/2014/main" id="{F2C34963-B79C-CC8B-92A1-518BACA4A2DD}"/>
+              </a:ext>
+            </a:extLst>
+          </p:cNvPr>
+          <p:cNvPicPr>
+            <a:picLocks noChangeAspect="1"/>
+          </p:cNvPicPr>
+          <p:nvPr/>
+        </p:nvPicPr>
+        <p:blipFill>
+          <a:blip r:embed="rId6">
+            <a:clrChange>
+              <a:clrFrom>
+                <a:srgbClr val="F8FAFB"/>
+              </a:clrFrom>
+              <a:clrTo>
+                <a:srgbClr val="F8FAFB">
+                  <a:alpha val="0"/>
+                </a:srgbClr>
+              </a:clrTo>
+            </a:clrChange>
+          </a:blip>
+          <a:stretch>
+            <a:fillRect/>
+          </a:stretch>
+        </p:blipFill>
+        <p:spPr>
+          <a:xfrm>
+            <a:off x="3680794" y="6437797"/>
+            <a:ext cx="548640" cy="375892"/>
+          </a:xfrm>
+          <a:prstGeom prst="rect">
+            <a:avLst/>
+          </a:prstGeom>
+        </p:spPr>
+      </p:pic>
+      <p:pic>
+        <p:nvPicPr>
+          <p:cNvPr id="48" name="Grafik 47">
+            <a:extLst>
+              <a:ext uri="{FF2B5EF4-FFF2-40B4-BE49-F238E27FC236}">
+                <a16:creationId xmlns:a16="http://schemas.microsoft.com/office/drawing/2014/main" id="{E4B7B042-4AB1-4D19-E92B-3B9920A2B07B}"/>
+              </a:ext>
+            </a:extLst>
+          </p:cNvPr>
+          <p:cNvPicPr>
+            <a:picLocks noChangeAspect="1"/>
+          </p:cNvPicPr>
+          <p:nvPr/>
+        </p:nvPicPr>
+        <p:blipFill>
+          <a:blip r:embed="rId7">
+            <a:clrChange>
+              <a:clrFrom>
+                <a:srgbClr val="F8FAFB"/>
+              </a:clrFrom>
+              <a:clrTo>
+                <a:srgbClr val="F8FAFB">
+                  <a:alpha val="0"/>
+                </a:srgbClr>
+              </a:clrTo>
+            </a:clrChange>
+          </a:blip>
+          <a:stretch>
+            <a:fillRect/>
+          </a:stretch>
+        </p:blipFill>
+        <p:spPr>
+          <a:xfrm>
+            <a:off x="5630271" y="6512912"/>
+            <a:ext cx="457200" cy="387398"/>
+          </a:xfrm>
+          <a:prstGeom prst="rect">
+            <a:avLst/>
+          </a:prstGeom>
+        </p:spPr>
+      </p:pic>
+      <p:pic>
+        <p:nvPicPr>
+          <p:cNvPr id="49" name="Grafik 48">
+            <a:extLst>
+              <a:ext uri="{FF2B5EF4-FFF2-40B4-BE49-F238E27FC236}">
+                <a16:creationId xmlns:a16="http://schemas.microsoft.com/office/drawing/2014/main" id="{80605F45-7E37-B6A5-FE49-2C60930B149F}"/>
+              </a:ext>
+            </a:extLst>
+          </p:cNvPr>
+          <p:cNvPicPr>
+            <a:picLocks noChangeAspect="1"/>
+          </p:cNvPicPr>
+          <p:nvPr/>
+        </p:nvPicPr>
+        <p:blipFill>
+          <a:blip r:embed="rId8">
+            <a:clrChange>
+              <a:clrFrom>
+                <a:srgbClr val="F8FAFB"/>
+              </a:clrFrom>
+              <a:clrTo>
+                <a:srgbClr val="F8FAFB">
+                  <a:alpha val="0"/>
+                </a:srgbClr>
+              </a:clrTo>
+            </a:clrChange>
+          </a:blip>
+          <a:stretch>
+            <a:fillRect/>
+          </a:stretch>
+        </p:blipFill>
+        <p:spPr>
+          <a:xfrm>
+            <a:off x="5589077" y="5819114"/>
+            <a:ext cx="457200" cy="395418"/>
+          </a:xfrm>
+          <a:prstGeom prst="rect">
+            <a:avLst/>
+          </a:prstGeom>
+        </p:spPr>
+      </p:pic>
+      <p:sp>
+        <p:nvSpPr>
+          <p:cNvPr id="50" name="Rechteck 49">
+            <a:extLst>
+              <a:ext uri="{FF2B5EF4-FFF2-40B4-BE49-F238E27FC236}">
+                <a16:creationId xmlns:a16="http://schemas.microsoft.com/office/drawing/2014/main" id="{7D6371F7-00A7-3A8C-DB09-3E378A7D85A9}"/>
+              </a:ext>
+            </a:extLst>
+          </p:cNvPr>
+          <p:cNvSpPr/>
+          <p:nvPr/>
+        </p:nvSpPr>
+        <p:spPr>
+          <a:xfrm flipH="1">
+            <a:off x="3609910" y="6316462"/>
+            <a:ext cx="622407" cy="270800"/>
+          </a:xfrm>
+          <a:prstGeom prst="rect">
+            <a:avLst/>
+          </a:prstGeom>
+          <a:noFill/>
+          <a:ln>
+            <a:noFill/>
+          </a:ln>
+        </p:spPr>
+        <p:style>
+          <a:lnRef idx="2">
+            <a:schemeClr val="dk1"/>
+          </a:lnRef>
+          <a:fillRef idx="1">
+            <a:schemeClr val="lt1"/>
+          </a:fillRef>
+          <a:effectRef idx="0">
+            <a:schemeClr val="dk1"/>
+          </a:effectRef>
+          <a:fontRef idx="minor">
+            <a:schemeClr val="dk1"/>
+          </a:fontRef>
+        </p:style>
+        <p:txBody>
+          <a:bodyPr rtlCol="0" anchor="ctr"/>
+          <a:lstStyle/>
+          <a:p>
+            <a:pPr algn="ctr"/>
+            <a:r>
+              <a:rPr lang="en-US" sz="700" b="1" dirty="0"/>
+              <a:t>roads</a:t>
+            </a:r>
+            <a:endParaRPr lang="en-US" sz="900" b="1" dirty="0"/>
+          </a:p>
+        </p:txBody>
+      </p:sp>
+      <p:sp>
+        <p:nvSpPr>
+          <p:cNvPr id="51" name="Rechteck 50">
+            <a:extLst>
+              <a:ext uri="{FF2B5EF4-FFF2-40B4-BE49-F238E27FC236}">
+                <a16:creationId xmlns:a16="http://schemas.microsoft.com/office/drawing/2014/main" id="{E81705B2-4D27-F48A-AC44-F6E5DA2DDBB4}"/>
+              </a:ext>
+            </a:extLst>
+          </p:cNvPr>
+          <p:cNvSpPr/>
+          <p:nvPr/>
+        </p:nvSpPr>
+        <p:spPr>
+          <a:xfrm>
+            <a:off x="4318095" y="5922420"/>
+            <a:ext cx="1228563" cy="499931"/>
+          </a:xfrm>
+          <a:prstGeom prst="rect">
+            <a:avLst/>
+          </a:prstGeom>
+          <a:noFill/>
+          <a:ln>
+            <a:noFill/>
+          </a:ln>
+        </p:spPr>
+        <p:style>
+          <a:lnRef idx="2">
+            <a:schemeClr val="dk1"/>
+          </a:lnRef>
+          <a:fillRef idx="1">
+            <a:schemeClr val="lt1"/>
+          </a:fillRef>
+          <a:effectRef idx="0">
+            <a:schemeClr val="dk1"/>
+          </a:effectRef>
+          <a:fontRef idx="minor">
+            <a:schemeClr val="dk1"/>
+          </a:fontRef>
+        </p:style>
+        <p:txBody>
+          <a:bodyPr numCol="2" rtlCol="0" anchor="ctr"/>
+          <a:lstStyle/>
+          <a:p>
+            <a:pPr marL="91440" indent="-91440" defTabSz="457200">
+              <a:buFont typeface="Arial" panose="020B0604020202020204" pitchFamily="34" charset="0"/>
+              <a:buChar char="•"/>
+            </a:pPr>
+            <a:r>
+              <a:rPr lang="en-US" sz="700" dirty="0"/>
+              <a:t>motorway</a:t>
+            </a:r>
+          </a:p>
+          <a:p>
+            <a:pPr marL="91440" indent="-91440" defTabSz="457200">
+              <a:buFont typeface="Arial" panose="020B0604020202020204" pitchFamily="34" charset="0"/>
+              <a:buChar char="•"/>
+            </a:pPr>
+            <a:r>
+              <a:rPr lang="en-US" sz="700" dirty="0"/>
+              <a:t>primary</a:t>
+            </a:r>
+          </a:p>
+          <a:p>
+            <a:pPr marL="91440" indent="-91440" defTabSz="457200">
+              <a:buFont typeface="Arial" panose="020B0604020202020204" pitchFamily="34" charset="0"/>
+              <a:buChar char="•"/>
+            </a:pPr>
+            <a:r>
+              <a:rPr lang="en-US" sz="700" dirty="0"/>
+              <a:t>secondary</a:t>
+            </a:r>
+          </a:p>
+          <a:p>
+            <a:pPr marL="91440" indent="-91440" defTabSz="457200">
+              <a:buFont typeface="Arial" panose="020B0604020202020204" pitchFamily="34" charset="0"/>
+              <a:buChar char="•"/>
+            </a:pPr>
+            <a:r>
+              <a:rPr lang="en-US" sz="700" dirty="0"/>
+              <a:t>tertiary</a:t>
+            </a:r>
+          </a:p>
+          <a:p>
+            <a:pPr marL="91440" indent="-91440" defTabSz="457200">
+              <a:buFont typeface="Arial" panose="020B0604020202020204" pitchFamily="34" charset="0"/>
+              <a:buChar char="•"/>
+            </a:pPr>
+            <a:r>
+              <a:rPr lang="en-US" sz="700" dirty="0"/>
+              <a:t>local</a:t>
+            </a:r>
+          </a:p>
+          <a:p>
+            <a:pPr marL="91440" indent="-91440" defTabSz="457200">
+              <a:buFont typeface="Arial" panose="020B0604020202020204" pitchFamily="34" charset="0"/>
+              <a:buChar char="•"/>
+            </a:pPr>
+            <a:r>
+              <a:rPr lang="en-US" sz="700" dirty="0"/>
+              <a:t>rural</a:t>
+            </a:r>
+          </a:p>
+          <a:p>
+            <a:pPr marL="91440" indent="-91440" defTabSz="457200">
+              <a:buFont typeface="Arial" panose="020B0604020202020204" pitchFamily="34" charset="0"/>
+              <a:buChar char="•"/>
+            </a:pPr>
+            <a:r>
+              <a:rPr lang="en-US" sz="700" dirty="0"/>
+              <a:t>bridge</a:t>
+            </a:r>
+          </a:p>
+          <a:p>
+            <a:pPr marL="91440" indent="-91440" defTabSz="457200">
+              <a:buFont typeface="Arial" panose="020B0604020202020204" pitchFamily="34" charset="0"/>
+              <a:buChar char="•"/>
+            </a:pPr>
+            <a:r>
+              <a:rPr lang="en-US" sz="700" dirty="0"/>
+              <a:t>tunnel</a:t>
+            </a:r>
+          </a:p>
+        </p:txBody>
+      </p:sp>
+      <p:sp>
+        <p:nvSpPr>
+          <p:cNvPr id="52" name="Rechteck 51">
+            <a:extLst>
+              <a:ext uri="{FF2B5EF4-FFF2-40B4-BE49-F238E27FC236}">
+                <a16:creationId xmlns:a16="http://schemas.microsoft.com/office/drawing/2014/main" id="{4618D085-FAC3-9EA4-B2CC-8D203E52EF41}"/>
+              </a:ext>
+            </a:extLst>
+          </p:cNvPr>
+          <p:cNvSpPr/>
+          <p:nvPr/>
+        </p:nvSpPr>
+        <p:spPr>
+          <a:xfrm flipH="1">
+            <a:off x="3609910" y="6763310"/>
+            <a:ext cx="622407" cy="270800"/>
+          </a:xfrm>
+          <a:prstGeom prst="rect">
+            <a:avLst/>
+          </a:prstGeom>
+          <a:noFill/>
+          <a:ln>
+            <a:noFill/>
+          </a:ln>
+        </p:spPr>
+        <p:style>
+          <a:lnRef idx="2">
+            <a:schemeClr val="dk1"/>
+          </a:lnRef>
+          <a:fillRef idx="1">
+            <a:schemeClr val="lt1"/>
+          </a:fillRef>
+          <a:effectRef idx="0">
+            <a:schemeClr val="dk1"/>
+          </a:effectRef>
+          <a:fontRef idx="minor">
+            <a:schemeClr val="dk1"/>
+          </a:fontRef>
+        </p:style>
+        <p:txBody>
+          <a:bodyPr rtlCol="0" anchor="ctr"/>
+          <a:lstStyle/>
+          <a:p>
+            <a:pPr algn="ctr"/>
+            <a:r>
+              <a:rPr lang="en-US" sz="700" b="1" dirty="0"/>
+              <a:t>rails</a:t>
+            </a:r>
+            <a:endParaRPr lang="en-US" sz="900" b="1" dirty="0"/>
+          </a:p>
+        </p:txBody>
+      </p:sp>
+      <p:sp>
+        <p:nvSpPr>
+          <p:cNvPr id="53" name="Rechteck 52">
+            <a:extLst>
+              <a:ext uri="{FF2B5EF4-FFF2-40B4-BE49-F238E27FC236}">
+                <a16:creationId xmlns:a16="http://schemas.microsoft.com/office/drawing/2014/main" id="{3639A74F-5268-64EB-8850-5B8A405B4812}"/>
+              </a:ext>
+            </a:extLst>
+          </p:cNvPr>
+          <p:cNvSpPr/>
+          <p:nvPr/>
+        </p:nvSpPr>
+        <p:spPr>
+          <a:xfrm>
+            <a:off x="4320348" y="6364156"/>
+            <a:ext cx="1225296" cy="499931"/>
+          </a:xfrm>
+          <a:prstGeom prst="rect">
+            <a:avLst/>
+          </a:prstGeom>
+          <a:noFill/>
+          <a:ln>
+            <a:noFill/>
+          </a:ln>
+        </p:spPr>
+        <p:style>
+          <a:lnRef idx="2">
+            <a:schemeClr val="dk1"/>
+          </a:lnRef>
+          <a:fillRef idx="1">
+            <a:schemeClr val="lt1"/>
+          </a:fillRef>
+          <a:effectRef idx="0">
+            <a:schemeClr val="dk1"/>
+          </a:effectRef>
+          <a:fontRef idx="minor">
+            <a:schemeClr val="dk1"/>
+          </a:fontRef>
+        </p:style>
+        <p:txBody>
+          <a:bodyPr numCol="2" rtlCol="0" anchor="ctr"/>
+          <a:lstStyle/>
+          <a:p>
+            <a:pPr marL="91440" indent="-91440" defTabSz="457200">
+              <a:buFont typeface="Arial" panose="020B0604020202020204" pitchFamily="34" charset="0"/>
+              <a:buChar char="•"/>
+            </a:pPr>
+            <a:r>
+              <a:rPr lang="en-US" sz="700" dirty="0"/>
+              <a:t>railway</a:t>
+            </a:r>
+          </a:p>
+          <a:p>
+            <a:pPr marL="91440" indent="-91440" defTabSz="457200">
+              <a:buFont typeface="Arial" panose="020B0604020202020204" pitchFamily="34" charset="0"/>
+              <a:buChar char="•"/>
+            </a:pPr>
+            <a:r>
+              <a:rPr lang="en-US" sz="700" dirty="0"/>
+              <a:t>tram</a:t>
+            </a:r>
+          </a:p>
+          <a:p>
+            <a:pPr marL="91440" indent="-91440" defTabSz="457200">
+              <a:buFont typeface="Arial" panose="020B0604020202020204" pitchFamily="34" charset="0"/>
+              <a:buChar char="•"/>
+            </a:pPr>
+            <a:r>
+              <a:rPr lang="en-US" sz="700" dirty="0"/>
+              <a:t>other</a:t>
+            </a:r>
+          </a:p>
+          <a:p>
+            <a:pPr marL="91440" indent="-91440" defTabSz="457200">
+              <a:buFont typeface="Arial" panose="020B0604020202020204" pitchFamily="34" charset="0"/>
+              <a:buChar char="•"/>
+            </a:pPr>
+            <a:r>
+              <a:rPr lang="en-US" sz="700" dirty="0"/>
+              <a:t>subway</a:t>
+            </a:r>
+          </a:p>
+          <a:p>
+            <a:pPr marL="91440" indent="-91440" defTabSz="457200">
+              <a:buFont typeface="Arial" panose="020B0604020202020204" pitchFamily="34" charset="0"/>
+              <a:buChar char="•"/>
+            </a:pPr>
+            <a:r>
+              <a:rPr lang="en-US" sz="700" dirty="0"/>
+              <a:t>bridge</a:t>
+            </a:r>
+          </a:p>
+          <a:p>
+            <a:pPr marL="91440" indent="-91440" defTabSz="457200">
+              <a:buFont typeface="Arial" panose="020B0604020202020204" pitchFamily="34" charset="0"/>
+              <a:buChar char="•"/>
+            </a:pPr>
+            <a:r>
+              <a:rPr lang="en-US" sz="700" dirty="0"/>
+              <a:t>tunnel</a:t>
+            </a:r>
+          </a:p>
+        </p:txBody>
+      </p:sp>
+      <p:sp>
+        <p:nvSpPr>
+          <p:cNvPr id="54" name="Rechteck 53">
+            <a:extLst>
+              <a:ext uri="{FF2B5EF4-FFF2-40B4-BE49-F238E27FC236}">
+                <a16:creationId xmlns:a16="http://schemas.microsoft.com/office/drawing/2014/main" id="{DC7FF268-5E1F-7A68-BD40-86F930D45EB6}"/>
+              </a:ext>
+            </a:extLst>
+          </p:cNvPr>
+          <p:cNvSpPr/>
+          <p:nvPr/>
+        </p:nvSpPr>
+        <p:spPr>
+          <a:xfrm flipH="1">
+            <a:off x="5503328" y="6858672"/>
+            <a:ext cx="697605" cy="270800"/>
+          </a:xfrm>
+          <a:prstGeom prst="rect">
+            <a:avLst/>
+          </a:prstGeom>
+          <a:noFill/>
+          <a:ln>
+            <a:noFill/>
+          </a:ln>
+        </p:spPr>
+        <p:style>
+          <a:lnRef idx="2">
+            <a:schemeClr val="dk1"/>
+          </a:lnRef>
+          <a:fillRef idx="1">
+            <a:schemeClr val="lt1"/>
+          </a:fillRef>
+          <a:effectRef idx="0">
+            <a:schemeClr val="dk1"/>
+          </a:effectRef>
+          <a:fontRef idx="minor">
+            <a:schemeClr val="dk1"/>
+          </a:fontRef>
+        </p:style>
+        <p:txBody>
+          <a:bodyPr rtlCol="0" anchor="ctr"/>
+          <a:lstStyle/>
+          <a:p>
+            <a:pPr algn="ctr"/>
+            <a:r>
+              <a:rPr lang="en-US" sz="700" b="1" dirty="0"/>
+              <a:t>airport runways</a:t>
+            </a:r>
+            <a:endParaRPr lang="en-US" sz="900" b="1" dirty="0"/>
+          </a:p>
+        </p:txBody>
+      </p:sp>
+      <p:sp>
+        <p:nvSpPr>
+          <p:cNvPr id="55" name="Rechteck 54">
+            <a:extLst>
+              <a:ext uri="{FF2B5EF4-FFF2-40B4-BE49-F238E27FC236}">
+                <a16:creationId xmlns:a16="http://schemas.microsoft.com/office/drawing/2014/main" id="{958572FE-FB4B-AE82-E102-490511B05015}"/>
+              </a:ext>
+            </a:extLst>
+          </p:cNvPr>
+          <p:cNvSpPr/>
+          <p:nvPr/>
+        </p:nvSpPr>
+        <p:spPr>
+          <a:xfrm flipH="1">
+            <a:off x="5463910" y="6208549"/>
+            <a:ext cx="697605" cy="270800"/>
+          </a:xfrm>
+          <a:prstGeom prst="rect">
+            <a:avLst/>
+          </a:prstGeom>
+          <a:noFill/>
+          <a:ln>
+            <a:noFill/>
+          </a:ln>
+        </p:spPr>
+        <p:style>
+          <a:lnRef idx="2">
+            <a:schemeClr val="dk1"/>
+          </a:lnRef>
+          <a:fillRef idx="1">
+            <a:schemeClr val="lt1"/>
+          </a:fillRef>
+          <a:effectRef idx="0">
+            <a:schemeClr val="dk1"/>
+          </a:effectRef>
+          <a:fontRef idx="minor">
+            <a:schemeClr val="dk1"/>
+          </a:fontRef>
+        </p:style>
+        <p:txBody>
+          <a:bodyPr rtlCol="0" anchor="ctr"/>
+          <a:lstStyle/>
+          <a:p>
+            <a:pPr algn="ctr"/>
+            <a:r>
+              <a:rPr lang="en-US" sz="700" b="1" dirty="0"/>
+              <a:t>parking</a:t>
+            </a:r>
+          </a:p>
+          <a:p>
+            <a:pPr algn="ctr"/>
+            <a:r>
+              <a:rPr lang="en-US" sz="700" b="1" dirty="0"/>
+              <a:t> + yards</a:t>
+            </a:r>
+            <a:endParaRPr lang="en-US" sz="900" b="1" dirty="0"/>
+          </a:p>
+        </p:txBody>
+      </p:sp>
+      <p:sp>
+        <p:nvSpPr>
+          <p:cNvPr id="56" name="Rechteck 55">
+            <a:extLst>
+              <a:ext uri="{FF2B5EF4-FFF2-40B4-BE49-F238E27FC236}">
+                <a16:creationId xmlns:a16="http://schemas.microsoft.com/office/drawing/2014/main" id="{F385F844-3A2F-6275-DC4C-2D2FF78AD0F8}"/>
+              </a:ext>
+            </a:extLst>
+          </p:cNvPr>
+          <p:cNvSpPr/>
+          <p:nvPr/>
+        </p:nvSpPr>
+        <p:spPr>
+          <a:xfrm>
+            <a:off x="3055111" y="7498298"/>
+            <a:ext cx="3189325" cy="632147"/>
+          </a:xfrm>
+          <a:prstGeom prst="rect">
+            <a:avLst/>
+          </a:prstGeom>
+          <a:solidFill>
+            <a:schemeClr val="dk1">
+              <a:alpha val="25000"/>
+            </a:schemeClr>
+          </a:solidFill>
+          <a:ln w="25400">
+            <a:solidFill>
+              <a:schemeClr val="bg1"/>
+            </a:solidFill>
+          </a:ln>
+        </p:spPr>
+        <p:style>
+          <a:lnRef idx="2">
+            <a:schemeClr val="dk1">
+              <a:shade val="50000"/>
+            </a:schemeClr>
+          </a:lnRef>
+          <a:fillRef idx="1">
+            <a:schemeClr val="dk1"/>
+          </a:fillRef>
+          <a:effectRef idx="0">
+            <a:schemeClr val="dk1"/>
+          </a:effectRef>
+          <a:fontRef idx="minor">
+            <a:schemeClr val="lt1"/>
+          </a:fontRef>
+        </p:style>
+        <p:txBody>
+          <a:bodyPr rtlCol="0" anchor="ctr"/>
+          <a:lstStyle/>
+          <a:p>
+            <a:pPr algn="ctr"/>
+            <a:endParaRPr lang="en-US" sz="1100" b="1" dirty="0"/>
+          </a:p>
+        </p:txBody>
+      </p:sp>
+      <p:sp>
+        <p:nvSpPr>
+          <p:cNvPr id="57" name="Rechteck 56">
+            <a:extLst>
+              <a:ext uri="{FF2B5EF4-FFF2-40B4-BE49-F238E27FC236}">
+                <a16:creationId xmlns:a16="http://schemas.microsoft.com/office/drawing/2014/main" id="{39C91991-CB9B-B82D-AE3C-C53402CED099}"/>
+              </a:ext>
+            </a:extLst>
+          </p:cNvPr>
+          <p:cNvSpPr/>
+          <p:nvPr/>
+        </p:nvSpPr>
+        <p:spPr>
+          <a:xfrm>
+            <a:off x="479320" y="7535252"/>
+            <a:ext cx="2511377" cy="731521"/>
+          </a:xfrm>
+          <a:prstGeom prst="rect">
+            <a:avLst/>
+          </a:prstGeom>
+          <a:solidFill>
+            <a:schemeClr val="dk1">
+              <a:alpha val="10000"/>
+            </a:schemeClr>
+          </a:solidFill>
+          <a:ln w="25400">
+            <a:solidFill>
+              <a:schemeClr val="bg1"/>
+            </a:solidFill>
+          </a:ln>
+        </p:spPr>
+        <p:style>
+          <a:lnRef idx="2">
+            <a:schemeClr val="dk1">
+              <a:shade val="50000"/>
+            </a:schemeClr>
+          </a:lnRef>
+          <a:fillRef idx="1">
+            <a:schemeClr val="dk1"/>
+          </a:fillRef>
+          <a:effectRef idx="0">
+            <a:schemeClr val="dk1"/>
+          </a:effectRef>
+          <a:fontRef idx="minor">
+            <a:schemeClr val="lt1"/>
+          </a:fontRef>
+        </p:style>
+        <p:txBody>
+          <a:bodyPr rtlCol="0" anchor="ctr"/>
+          <a:lstStyle/>
+          <a:p>
+            <a:pPr algn="ctr"/>
+            <a:endParaRPr lang="en-US" sz="1100" b="1" dirty="0"/>
+          </a:p>
+        </p:txBody>
+      </p:sp>
+      <p:sp>
+        <p:nvSpPr>
+          <p:cNvPr id="58" name="Rechteck 57">
+            <a:extLst>
+              <a:ext uri="{FF2B5EF4-FFF2-40B4-BE49-F238E27FC236}">
+                <a16:creationId xmlns:a16="http://schemas.microsoft.com/office/drawing/2014/main" id="{E23B6AD3-5464-AA1B-C7EE-81CBBF385EFF}"/>
+              </a:ext>
+            </a:extLst>
+          </p:cNvPr>
+          <p:cNvSpPr/>
+          <p:nvPr/>
+        </p:nvSpPr>
+        <p:spPr>
+          <a:xfrm flipH="1">
+            <a:off x="4019338" y="8284845"/>
+            <a:ext cx="1327718" cy="182880"/>
+          </a:xfrm>
+          <a:prstGeom prst="rect">
+            <a:avLst/>
+          </a:prstGeom>
+          <a:ln>
+            <a:noFill/>
+          </a:ln>
+        </p:spPr>
+        <p:style>
+          <a:lnRef idx="2">
+            <a:schemeClr val="dk1"/>
+          </a:lnRef>
+          <a:fillRef idx="1">
+            <a:schemeClr val="lt1"/>
+          </a:fillRef>
+          <a:effectRef idx="0">
+            <a:schemeClr val="dk1"/>
+          </a:effectRef>
+          <a:fontRef idx="minor">
+            <a:schemeClr val="dk1"/>
+          </a:fontRef>
+        </p:style>
+        <p:txBody>
+          <a:bodyPr lIns="0" rIns="0" rtlCol="0" anchor="ctr"/>
+          <a:lstStyle/>
+          <a:p>
+            <a:pPr algn="ctr"/>
+            <a:r>
+              <a:rPr lang="en-US" sz="1000" b="1" dirty="0"/>
+              <a:t>mobility infrastructure</a:t>
+            </a:r>
+            <a:endParaRPr lang="en-US" sz="1100" b="1" dirty="0"/>
+          </a:p>
+        </p:txBody>
+      </p:sp>
+      <p:grpSp>
+        <p:nvGrpSpPr>
+          <p:cNvPr id="60" name="Gruppieren 59">
+            <a:extLst>
+              <a:ext uri="{FF2B5EF4-FFF2-40B4-BE49-F238E27FC236}">
+                <a16:creationId xmlns:a16="http://schemas.microsoft.com/office/drawing/2014/main" id="{B254B6BE-EB82-9EB6-0AC1-DD83ED89B040}"/>
+              </a:ext>
+            </a:extLst>
+          </p:cNvPr>
+          <p:cNvGrpSpPr/>
+          <p:nvPr/>
+        </p:nvGrpSpPr>
+        <p:grpSpPr>
+          <a:xfrm>
+            <a:off x="4152354" y="7639923"/>
+            <a:ext cx="731520" cy="595490"/>
+            <a:chOff x="2984114" y="1925627"/>
+            <a:chExt cx="731520" cy="595490"/>
+          </a:xfrm>
+        </p:grpSpPr>
+        <p:grpSp>
+          <p:nvGrpSpPr>
+            <p:cNvPr id="61" name="Gruppieren 60">
+              <a:extLst>
+                <a:ext uri="{FF2B5EF4-FFF2-40B4-BE49-F238E27FC236}">
+                  <a16:creationId xmlns:a16="http://schemas.microsoft.com/office/drawing/2014/main" id="{BDC06070-48BF-7F11-18B8-9B6F3F00F9DF}"/>
+                </a:ext>
+              </a:extLst>
+            </p:cNvPr>
+            <p:cNvGrpSpPr>
+              <a:grpSpLocks noChangeAspect="1"/>
+            </p:cNvGrpSpPr>
+            <p:nvPr/>
+          </p:nvGrpSpPr>
+          <p:grpSpPr>
+            <a:xfrm>
+              <a:off x="2984114" y="1925627"/>
+              <a:ext cx="731520" cy="482974"/>
+              <a:chOff x="2150856" y="1284813"/>
+              <a:chExt cx="1142934" cy="754604"/>
+            </a:xfrm>
+          </p:grpSpPr>
+          <p:pic>
+            <p:nvPicPr>
+              <p:cNvPr id="63" name="Grafik 62">
+                <a:extLst>
+                  <a:ext uri="{FF2B5EF4-FFF2-40B4-BE49-F238E27FC236}">
+                    <a16:creationId xmlns:a16="http://schemas.microsoft.com/office/drawing/2014/main" id="{265E3E4D-A621-0C42-AB9B-5509409E7F4F}"/>
+                  </a:ext>
+                </a:extLst>
+              </p:cNvPr>
+              <p:cNvPicPr>
+                <a:picLocks noChangeAspect="1"/>
+              </p:cNvPicPr>
+              <p:nvPr/>
+            </p:nvPicPr>
+            <p:blipFill>
+              <a:blip r:embed="rId14">
+                <a:extLst>
+                  <a:ext uri="{28A0092B-C50C-407E-A947-70E740481C1C}">
+                    <a14:useLocalDpi xmlns:a14="http://schemas.microsoft.com/office/drawing/2010/main" val="0"/>
+                  </a:ext>
+                </a:extLst>
+              </a:blip>
+              <a:stretch>
+                <a:fillRect/>
+              </a:stretch>
+            </p:blipFill>
+            <p:spPr>
+              <a:xfrm rot="21425970">
+                <a:off x="2328852" y="1284813"/>
+                <a:ext cx="754604" cy="754604"/>
+              </a:xfrm>
+              <a:prstGeom prst="rect">
+                <a:avLst/>
+              </a:prstGeom>
+            </p:spPr>
+          </p:pic>
+          <p:sp>
+            <p:nvSpPr>
+              <p:cNvPr id="64" name="Rechteck 63">
+                <a:extLst>
+                  <a:ext uri="{FF2B5EF4-FFF2-40B4-BE49-F238E27FC236}">
+                    <a16:creationId xmlns:a16="http://schemas.microsoft.com/office/drawing/2014/main" id="{F6F4D6A0-045E-BB6F-64E0-0016A7F83624}"/>
+                  </a:ext>
+                </a:extLst>
+              </p:cNvPr>
+              <p:cNvSpPr/>
+              <p:nvPr/>
+            </p:nvSpPr>
+            <p:spPr>
+              <a:xfrm rot="1883188">
+                <a:off x="2150856" y="1720598"/>
+                <a:ext cx="736600" cy="221216"/>
+              </a:xfrm>
+              <a:prstGeom prst="rect">
+                <a:avLst/>
+              </a:prstGeom>
+              <a:solidFill>
+                <a:srgbClr val="BFBFBF"/>
+              </a:solidFill>
+              <a:ln>
+                <a:noFill/>
+              </a:ln>
+            </p:spPr>
+            <p:style>
+              <a:lnRef idx="2">
+                <a:schemeClr val="accent1">
+                  <a:shade val="50000"/>
+                </a:schemeClr>
+              </a:lnRef>
+              <a:fillRef idx="1">
+                <a:schemeClr val="accent1"/>
+              </a:fillRef>
+              <a:effectRef idx="0">
+                <a:schemeClr val="accent1"/>
+              </a:effectRef>
+              <a:fontRef idx="minor">
+                <a:schemeClr val="lt1"/>
+              </a:fontRef>
+            </p:style>
+            <p:txBody>
+              <a:bodyPr rtlCol="0" anchor="ctr"/>
+              <a:lstStyle/>
+              <a:p>
+                <a:pPr algn="ctr"/>
+                <a:endParaRPr lang="en-US"/>
+              </a:p>
+            </p:txBody>
+          </p:sp>
+          <p:sp>
+            <p:nvSpPr>
+              <p:cNvPr id="65" name="Rechteck 64">
+                <a:extLst>
+                  <a:ext uri="{FF2B5EF4-FFF2-40B4-BE49-F238E27FC236}">
+                    <a16:creationId xmlns:a16="http://schemas.microsoft.com/office/drawing/2014/main" id="{D806741D-537A-F665-4D69-24D100B0D400}"/>
+                  </a:ext>
+                </a:extLst>
+              </p:cNvPr>
+              <p:cNvSpPr/>
+              <p:nvPr/>
+            </p:nvSpPr>
+            <p:spPr>
+              <a:xfrm rot="19247931">
+                <a:off x="2557190" y="1684995"/>
+                <a:ext cx="736600" cy="221216"/>
+              </a:xfrm>
+              <a:prstGeom prst="rect">
+                <a:avLst/>
+              </a:prstGeom>
+              <a:solidFill>
+                <a:srgbClr val="BFBFBF"/>
+              </a:solidFill>
+              <a:ln>
+                <a:noFill/>
+              </a:ln>
+            </p:spPr>
+            <p:style>
+              <a:lnRef idx="2">
+                <a:schemeClr val="accent1">
+                  <a:shade val="50000"/>
+                </a:schemeClr>
+              </a:lnRef>
+              <a:fillRef idx="1">
+                <a:schemeClr val="accent1"/>
+              </a:fillRef>
+              <a:effectRef idx="0">
+                <a:schemeClr val="accent1"/>
+              </a:effectRef>
+              <a:fontRef idx="minor">
+                <a:schemeClr val="lt1"/>
+              </a:fontRef>
+            </p:style>
+            <p:txBody>
+              <a:bodyPr rtlCol="0" anchor="ctr"/>
+              <a:lstStyle/>
+              <a:p>
+                <a:pPr algn="ctr"/>
+                <a:endParaRPr lang="en-US"/>
+              </a:p>
+            </p:txBody>
+          </p:sp>
+        </p:grpSp>
+        <p:sp>
+          <p:nvSpPr>
+            <p:cNvPr id="62" name="Rechteck 61">
+              <a:extLst>
+                <a:ext uri="{FF2B5EF4-FFF2-40B4-BE49-F238E27FC236}">
+                  <a16:creationId xmlns:a16="http://schemas.microsoft.com/office/drawing/2014/main" id="{5BD4222C-2971-4E97-4157-49F575E3AAF0}"/>
+                </a:ext>
+              </a:extLst>
+            </p:cNvPr>
+            <p:cNvSpPr/>
+            <p:nvPr/>
+          </p:nvSpPr>
+          <p:spPr>
+            <a:xfrm>
+              <a:off x="3090732" y="2250317"/>
+              <a:ext cx="564332" cy="270800"/>
+            </a:xfrm>
+            <a:prstGeom prst="rect">
+              <a:avLst/>
+            </a:prstGeom>
+            <a:noFill/>
+            <a:ln>
+              <a:noFill/>
+            </a:ln>
+          </p:spPr>
+          <p:style>
+            <a:lnRef idx="2">
+              <a:schemeClr val="dk1"/>
+            </a:lnRef>
+            <a:fillRef idx="1">
+              <a:schemeClr val="lt1"/>
+            </a:fillRef>
+            <a:effectRef idx="0">
+              <a:schemeClr val="dk1"/>
+            </a:effectRef>
+            <a:fontRef idx="minor">
+              <a:schemeClr val="dk1"/>
+            </a:fontRef>
+          </p:style>
+          <p:txBody>
+            <a:bodyPr rtlCol="0" anchor="ctr"/>
+            <a:lstStyle/>
+            <a:p>
+              <a:pPr defTabSz="457200"/>
+              <a:r>
+                <a:rPr lang="en-US" sz="700" dirty="0"/>
+                <a:t>area (m²)</a:t>
+              </a:r>
+            </a:p>
+          </p:txBody>
+        </p:sp>
+      </p:grpSp>
+      <p:sp>
+        <p:nvSpPr>
+          <p:cNvPr id="161" name="Rechteck 160">
+            <a:extLst>
+              <a:ext uri="{FF2B5EF4-FFF2-40B4-BE49-F238E27FC236}">
+                <a16:creationId xmlns:a16="http://schemas.microsoft.com/office/drawing/2014/main" id="{259AAB73-860A-CFCF-6312-B4186E22D836}"/>
+              </a:ext>
+            </a:extLst>
+          </p:cNvPr>
+          <p:cNvSpPr/>
+          <p:nvPr/>
+        </p:nvSpPr>
+        <p:spPr>
+          <a:xfrm>
+            <a:off x="0" y="9834075"/>
+            <a:ext cx="3578577" cy="1043772"/>
+          </a:xfrm>
+          <a:prstGeom prst="rect">
+            <a:avLst/>
+          </a:prstGeom>
+          <a:solidFill>
+            <a:schemeClr val="dk1">
+              <a:alpha val="10000"/>
+            </a:schemeClr>
+          </a:solidFill>
+          <a:ln w="25400">
+            <a:noFill/>
+          </a:ln>
+        </p:spPr>
+        <p:style>
+          <a:lnRef idx="2">
+            <a:schemeClr val="dk1">
+              <a:shade val="50000"/>
+            </a:schemeClr>
+          </a:lnRef>
+          <a:fillRef idx="1">
+            <a:schemeClr val="dk1"/>
+          </a:fillRef>
+          <a:effectRef idx="0">
+            <a:schemeClr val="dk1"/>
+          </a:effectRef>
+          <a:fontRef idx="minor">
+            <a:schemeClr val="lt1"/>
+          </a:fontRef>
+        </p:style>
+        <p:txBody>
+          <a:bodyPr rtlCol="0" anchor="ctr"/>
+          <a:lstStyle/>
+          <a:p>
+            <a:pPr algn="ctr"/>
+            <a:endParaRPr lang="en-US" sz="1100" b="1" dirty="0"/>
+          </a:p>
+        </p:txBody>
+      </p:sp>
+      <p:sp>
+        <p:nvSpPr>
+          <p:cNvPr id="162" name="Rechteck 161">
+            <a:extLst>
+              <a:ext uri="{FF2B5EF4-FFF2-40B4-BE49-F238E27FC236}">
+                <a16:creationId xmlns:a16="http://schemas.microsoft.com/office/drawing/2014/main" id="{E71ADF2B-CE7D-D3A9-2C84-B91DD62B0A81}"/>
+              </a:ext>
+            </a:extLst>
+          </p:cNvPr>
+          <p:cNvSpPr/>
+          <p:nvPr/>
+        </p:nvSpPr>
+        <p:spPr>
+          <a:xfrm>
+            <a:off x="0" y="10912088"/>
+            <a:ext cx="3578577" cy="1042416"/>
+          </a:xfrm>
+          <a:prstGeom prst="rect">
+            <a:avLst/>
+          </a:prstGeom>
+          <a:solidFill>
+            <a:schemeClr val="dk1">
+              <a:alpha val="25000"/>
+            </a:schemeClr>
+          </a:solidFill>
+          <a:ln w="25400">
+            <a:noFill/>
+          </a:ln>
+        </p:spPr>
+        <p:style>
+          <a:lnRef idx="2">
+            <a:schemeClr val="dk1">
+              <a:shade val="50000"/>
+            </a:schemeClr>
+          </a:lnRef>
+          <a:fillRef idx="1">
+            <a:schemeClr val="dk1"/>
+          </a:fillRef>
+          <a:effectRef idx="0">
+            <a:schemeClr val="dk1"/>
+          </a:effectRef>
+          <a:fontRef idx="minor">
+            <a:schemeClr val="lt1"/>
+          </a:fontRef>
+        </p:style>
+        <p:txBody>
+          <a:bodyPr rtlCol="0" anchor="ctr"/>
+          <a:lstStyle/>
+          <a:p>
+            <a:pPr algn="ctr"/>
+            <a:endParaRPr lang="en-US" sz="1100" b="1" dirty="0"/>
+          </a:p>
+        </p:txBody>
+      </p:sp>
+      <p:sp>
+        <p:nvSpPr>
+          <p:cNvPr id="163" name="Rechteck 162">
+            <a:extLst>
+              <a:ext uri="{FF2B5EF4-FFF2-40B4-BE49-F238E27FC236}">
+                <a16:creationId xmlns:a16="http://schemas.microsoft.com/office/drawing/2014/main" id="{393D8EED-B34C-FB84-D236-99ED22AA7E89}"/>
+              </a:ext>
+            </a:extLst>
+          </p:cNvPr>
+          <p:cNvSpPr/>
+          <p:nvPr/>
+        </p:nvSpPr>
+        <p:spPr>
+          <a:xfrm>
+            <a:off x="3601949" y="9837558"/>
+            <a:ext cx="2878226" cy="2120430"/>
+          </a:xfrm>
+          <a:prstGeom prst="rect">
+            <a:avLst/>
+          </a:prstGeom>
+          <a:solidFill>
+            <a:schemeClr val="dk1">
+              <a:alpha val="18000"/>
+            </a:schemeClr>
+          </a:solidFill>
+          <a:ln w="25400">
+            <a:noFill/>
+          </a:ln>
+        </p:spPr>
+        <p:style>
+          <a:lnRef idx="2">
+            <a:schemeClr val="dk1">
+              <a:shade val="50000"/>
+            </a:schemeClr>
+          </a:lnRef>
+          <a:fillRef idx="1">
+            <a:schemeClr val="dk1"/>
+          </a:fillRef>
+          <a:effectRef idx="0">
+            <a:schemeClr val="dk1"/>
+          </a:effectRef>
+          <a:fontRef idx="minor">
+            <a:schemeClr val="lt1"/>
+          </a:fontRef>
+        </p:style>
+        <p:txBody>
+          <a:bodyPr rtlCol="0" anchor="ctr"/>
+          <a:lstStyle/>
+          <a:p>
+            <a:pPr algn="ctr"/>
+            <a:endParaRPr lang="en-US" sz="1000" b="1" dirty="0"/>
+          </a:p>
+        </p:txBody>
+      </p:sp>
+      <p:pic>
+        <p:nvPicPr>
+          <p:cNvPr id="166" name="Grafik 165">
+            <a:extLst>
+              <a:ext uri="{FF2B5EF4-FFF2-40B4-BE49-F238E27FC236}">
+                <a16:creationId xmlns:a16="http://schemas.microsoft.com/office/drawing/2014/main" id="{1DBC8E9D-58CB-F5A6-CE7D-BF59BD38CF93}"/>
+              </a:ext>
+            </a:extLst>
+          </p:cNvPr>
+          <p:cNvPicPr>
+            <a:picLocks noChangeAspect="1"/>
+          </p:cNvPicPr>
+          <p:nvPr/>
+        </p:nvPicPr>
+        <p:blipFill>
+          <a:blip r:embed="rId2">
+            <a:clrChange>
+              <a:clrFrom>
+                <a:srgbClr val="F8FAFB"/>
+              </a:clrFrom>
+              <a:clrTo>
+                <a:srgbClr val="F8FAFB">
+                  <a:alpha val="0"/>
+                </a:srgbClr>
+              </a:clrTo>
+            </a:clrChange>
+          </a:blip>
+          <a:stretch>
+            <a:fillRect/>
+          </a:stretch>
+        </p:blipFill>
+        <p:spPr>
+          <a:xfrm flipH="1">
+            <a:off x="1081402" y="9879715"/>
+            <a:ext cx="365760" cy="402848"/>
+          </a:xfrm>
+          <a:prstGeom prst="rect">
+            <a:avLst/>
+          </a:prstGeom>
+        </p:spPr>
+      </p:pic>
+      <p:pic>
+        <p:nvPicPr>
+          <p:cNvPr id="167" name="Grafik 166">
+            <a:extLst>
+              <a:ext uri="{FF2B5EF4-FFF2-40B4-BE49-F238E27FC236}">
+                <a16:creationId xmlns:a16="http://schemas.microsoft.com/office/drawing/2014/main" id="{ED6DEB00-FBF2-EA4F-503A-EA8103B36FE5}"/>
+              </a:ext>
+            </a:extLst>
+          </p:cNvPr>
+          <p:cNvPicPr>
+            <a:picLocks noChangeAspect="1"/>
+          </p:cNvPicPr>
+          <p:nvPr/>
+        </p:nvPicPr>
+        <p:blipFill>
+          <a:blip r:embed="rId3">
+            <a:clrChange>
+              <a:clrFrom>
+                <a:srgbClr val="F8FAFB"/>
+              </a:clrFrom>
+              <a:clrTo>
+                <a:srgbClr val="F8FAFB">
+                  <a:alpha val="0"/>
+                </a:srgbClr>
+              </a:clrTo>
+            </a:clrChange>
+          </a:blip>
+          <a:stretch>
+            <a:fillRect/>
+          </a:stretch>
+        </p:blipFill>
+        <p:spPr>
+          <a:xfrm>
+            <a:off x="2721686" y="10418963"/>
+            <a:ext cx="457200" cy="397683"/>
+          </a:xfrm>
+          <a:prstGeom prst="rect">
+            <a:avLst/>
+          </a:prstGeom>
+        </p:spPr>
+      </p:pic>
+      <p:pic>
+        <p:nvPicPr>
+          <p:cNvPr id="168" name="Grafik 167">
+            <a:extLst>
+              <a:ext uri="{FF2B5EF4-FFF2-40B4-BE49-F238E27FC236}">
+                <a16:creationId xmlns:a16="http://schemas.microsoft.com/office/drawing/2014/main" id="{A3EB1F54-4C88-ED93-7750-CC34B57D4C2C}"/>
+              </a:ext>
+            </a:extLst>
+          </p:cNvPr>
+          <p:cNvPicPr>
+            <a:picLocks noChangeAspect="1"/>
+          </p:cNvPicPr>
+          <p:nvPr/>
+        </p:nvPicPr>
+        <p:blipFill rotWithShape="1">
+          <a:blip r:embed="rId4">
+            <a:clrChange>
+              <a:clrFrom>
+                <a:srgbClr val="F8FAFB"/>
+              </a:clrFrom>
+              <a:clrTo>
+                <a:srgbClr val="F8FAFB">
+                  <a:alpha val="0"/>
+                </a:srgbClr>
+              </a:clrTo>
+            </a:clrChange>
+          </a:blip>
+          <a:srcRect r="28533"/>
+          <a:stretch/>
+        </p:blipFill>
+        <p:spPr>
+          <a:xfrm>
+            <a:off x="1033051" y="10348267"/>
+            <a:ext cx="411480" cy="521949"/>
+          </a:xfrm>
+          <a:prstGeom prst="rect">
+            <a:avLst/>
+          </a:prstGeom>
+        </p:spPr>
+      </p:pic>
+      <p:pic>
+        <p:nvPicPr>
+          <p:cNvPr id="169" name="Grafik 168">
+            <a:extLst>
+              <a:ext uri="{FF2B5EF4-FFF2-40B4-BE49-F238E27FC236}">
+                <a16:creationId xmlns:a16="http://schemas.microsoft.com/office/drawing/2014/main" id="{65C723AC-58F8-1D6B-D719-AC747210EA89}"/>
+              </a:ext>
+            </a:extLst>
+          </p:cNvPr>
+          <p:cNvPicPr>
+            <a:picLocks noChangeAspect="1"/>
+          </p:cNvPicPr>
+          <p:nvPr/>
+        </p:nvPicPr>
+        <p:blipFill>
+          <a:blip r:embed="rId5">
+            <a:clrChange>
+              <a:clrFrom>
+                <a:srgbClr val="F8FAFB"/>
+              </a:clrFrom>
+              <a:clrTo>
+                <a:srgbClr val="F8FAFB">
+                  <a:alpha val="0"/>
+                </a:srgbClr>
+              </a:clrTo>
+            </a:clrChange>
+          </a:blip>
+          <a:stretch>
+            <a:fillRect/>
+          </a:stretch>
+        </p:blipFill>
+        <p:spPr>
+          <a:xfrm>
+            <a:off x="1044880" y="11039657"/>
+            <a:ext cx="457200" cy="404121"/>
+          </a:xfrm>
+          <a:prstGeom prst="rect">
+            <a:avLst/>
+          </a:prstGeom>
+        </p:spPr>
+      </p:pic>
+      <p:pic>
+        <p:nvPicPr>
+          <p:cNvPr id="170" name="Grafik 169">
+            <a:extLst>
+              <a:ext uri="{FF2B5EF4-FFF2-40B4-BE49-F238E27FC236}">
+                <a16:creationId xmlns:a16="http://schemas.microsoft.com/office/drawing/2014/main" id="{283DDD5D-07C0-FC34-7E21-2816B69F4D29}"/>
+              </a:ext>
+            </a:extLst>
+          </p:cNvPr>
+          <p:cNvPicPr>
+            <a:picLocks noChangeAspect="1"/>
+          </p:cNvPicPr>
+          <p:nvPr/>
+        </p:nvPicPr>
+        <p:blipFill>
+          <a:blip r:embed="rId6">
+            <a:clrChange>
+              <a:clrFrom>
+                <a:srgbClr val="F8FAFB"/>
+              </a:clrFrom>
+              <a:clrTo>
+                <a:srgbClr val="F8FAFB">
+                  <a:alpha val="0"/>
+                </a:srgbClr>
+              </a:clrTo>
+            </a:clrChange>
+          </a:blip>
+          <a:stretch>
+            <a:fillRect/>
+          </a:stretch>
+        </p:blipFill>
+        <p:spPr>
+          <a:xfrm>
+            <a:off x="1020919" y="11491421"/>
+            <a:ext cx="548640" cy="375892"/>
+          </a:xfrm>
+          <a:prstGeom prst="rect">
+            <a:avLst/>
+          </a:prstGeom>
+        </p:spPr>
+      </p:pic>
+      <p:pic>
+        <p:nvPicPr>
+          <p:cNvPr id="171" name="Grafik 170">
+            <a:extLst>
+              <a:ext uri="{FF2B5EF4-FFF2-40B4-BE49-F238E27FC236}">
+                <a16:creationId xmlns:a16="http://schemas.microsoft.com/office/drawing/2014/main" id="{5472AD51-A32C-A647-20F3-94651B460976}"/>
+              </a:ext>
+            </a:extLst>
+          </p:cNvPr>
+          <p:cNvPicPr>
+            <a:picLocks noChangeAspect="1"/>
+          </p:cNvPicPr>
+          <p:nvPr/>
+        </p:nvPicPr>
+        <p:blipFill>
+          <a:blip r:embed="rId7">
+            <a:clrChange>
+              <a:clrFrom>
+                <a:srgbClr val="F8FAFB"/>
+              </a:clrFrom>
+              <a:clrTo>
+                <a:srgbClr val="F8FAFB">
+                  <a:alpha val="0"/>
+                </a:srgbClr>
+              </a:clrTo>
+            </a:clrChange>
+          </a:blip>
+          <a:stretch>
+            <a:fillRect/>
+          </a:stretch>
+        </p:blipFill>
+        <p:spPr>
+          <a:xfrm>
+            <a:off x="2720764" y="11488278"/>
+            <a:ext cx="457200" cy="387398"/>
+          </a:xfrm>
+          <a:prstGeom prst="rect">
+            <a:avLst/>
+          </a:prstGeom>
+        </p:spPr>
+      </p:pic>
+      <p:pic>
+        <p:nvPicPr>
+          <p:cNvPr id="172" name="Grafik 171">
+            <a:extLst>
+              <a:ext uri="{FF2B5EF4-FFF2-40B4-BE49-F238E27FC236}">
+                <a16:creationId xmlns:a16="http://schemas.microsoft.com/office/drawing/2014/main" id="{EA090EDF-3756-E575-C1C4-32A1FDB8D1BD}"/>
+              </a:ext>
+            </a:extLst>
+          </p:cNvPr>
+          <p:cNvPicPr>
+            <a:picLocks noChangeAspect="1"/>
+          </p:cNvPicPr>
+          <p:nvPr/>
+        </p:nvPicPr>
+        <p:blipFill>
+          <a:blip r:embed="rId8">
+            <a:clrChange>
+              <a:clrFrom>
+                <a:srgbClr val="F8FAFB"/>
+              </a:clrFrom>
+              <a:clrTo>
+                <a:srgbClr val="F8FAFB">
+                  <a:alpha val="0"/>
+                </a:srgbClr>
+              </a:clrTo>
+            </a:clrChange>
+          </a:blip>
+          <a:stretch>
+            <a:fillRect/>
+          </a:stretch>
+        </p:blipFill>
+        <p:spPr>
+          <a:xfrm>
+            <a:off x="2758142" y="11031024"/>
+            <a:ext cx="457200" cy="395418"/>
+          </a:xfrm>
+          <a:prstGeom prst="rect">
+            <a:avLst/>
+          </a:prstGeom>
+        </p:spPr>
+      </p:pic>
+      <p:pic>
+        <p:nvPicPr>
+          <p:cNvPr id="173" name="Grafik 172">
+            <a:extLst>
+              <a:ext uri="{FF2B5EF4-FFF2-40B4-BE49-F238E27FC236}">
+                <a16:creationId xmlns:a16="http://schemas.microsoft.com/office/drawing/2014/main" id="{A33AC8E6-FCE3-E3BB-D6A2-5D4CAEAECE60}"/>
+              </a:ext>
+            </a:extLst>
+          </p:cNvPr>
+          <p:cNvPicPr>
+            <a:picLocks noChangeAspect="1"/>
+          </p:cNvPicPr>
+          <p:nvPr/>
+        </p:nvPicPr>
+        <p:blipFill>
+          <a:blip r:embed="rId9">
+            <a:extLst>
+              <a:ext uri="{28A0092B-C50C-407E-A947-70E740481C1C}">
+                <a14:useLocalDpi xmlns:a14="http://schemas.microsoft.com/office/drawing/2010/main" val="0"/>
+              </a:ext>
+            </a:extLst>
+          </a:blip>
+          <a:stretch>
+            <a:fillRect/>
+          </a:stretch>
+        </p:blipFill>
+        <p:spPr>
+          <a:xfrm>
+            <a:off x="3713380" y="10095665"/>
+            <a:ext cx="457200" cy="457200"/>
+          </a:xfrm>
+          <a:prstGeom prst="rect">
+            <a:avLst/>
+          </a:prstGeom>
+        </p:spPr>
+      </p:pic>
+      <p:pic>
+        <p:nvPicPr>
+          <p:cNvPr id="174" name="Grafik 173">
+            <a:extLst>
+              <a:ext uri="{FF2B5EF4-FFF2-40B4-BE49-F238E27FC236}">
+                <a16:creationId xmlns:a16="http://schemas.microsoft.com/office/drawing/2014/main" id="{5714C112-A12F-85BA-9A24-852AB9828C4A}"/>
+              </a:ext>
+            </a:extLst>
+          </p:cNvPr>
+          <p:cNvPicPr>
+            <a:picLocks noChangeAspect="1"/>
+          </p:cNvPicPr>
+          <p:nvPr/>
+        </p:nvPicPr>
+        <p:blipFill>
+          <a:blip r:embed="rId10">
+            <a:extLst>
+              <a:ext uri="{28A0092B-C50C-407E-A947-70E740481C1C}">
+                <a14:useLocalDpi xmlns:a14="http://schemas.microsoft.com/office/drawing/2010/main" val="0"/>
+              </a:ext>
+            </a:extLst>
+          </a:blip>
+          <a:stretch>
+            <a:fillRect/>
+          </a:stretch>
+        </p:blipFill>
+        <p:spPr>
+          <a:xfrm>
+            <a:off x="3732652" y="10728300"/>
+            <a:ext cx="457200" cy="457200"/>
+          </a:xfrm>
+          <a:prstGeom prst="rect">
+            <a:avLst/>
+          </a:prstGeom>
+        </p:spPr>
+      </p:pic>
+      <p:pic>
+        <p:nvPicPr>
+          <p:cNvPr id="175" name="Grafik 174">
+            <a:extLst>
+              <a:ext uri="{FF2B5EF4-FFF2-40B4-BE49-F238E27FC236}">
+                <a16:creationId xmlns:a16="http://schemas.microsoft.com/office/drawing/2014/main" id="{0B56D52F-4ED2-B77C-B32B-5DE76637AD27}"/>
+              </a:ext>
+            </a:extLst>
+          </p:cNvPr>
+          <p:cNvPicPr>
+            <a:picLocks noChangeAspect="1"/>
+          </p:cNvPicPr>
+          <p:nvPr/>
+        </p:nvPicPr>
+        <p:blipFill>
+          <a:blip r:embed="rId11">
+            <a:extLst>
+              <a:ext uri="{28A0092B-C50C-407E-A947-70E740481C1C}">
+                <a14:useLocalDpi xmlns:a14="http://schemas.microsoft.com/office/drawing/2010/main" val="0"/>
+              </a:ext>
+            </a:extLst>
+          </a:blip>
+          <a:stretch>
+            <a:fillRect/>
+          </a:stretch>
+        </p:blipFill>
+        <p:spPr>
+          <a:xfrm>
+            <a:off x="3701954" y="11293358"/>
+            <a:ext cx="457200" cy="457200"/>
+          </a:xfrm>
+          <a:prstGeom prst="rect">
+            <a:avLst/>
+          </a:prstGeom>
+        </p:spPr>
+      </p:pic>
+      <p:pic>
+        <p:nvPicPr>
+          <p:cNvPr id="176" name="Grafik 175">
+            <a:extLst>
+              <a:ext uri="{FF2B5EF4-FFF2-40B4-BE49-F238E27FC236}">
+                <a16:creationId xmlns:a16="http://schemas.microsoft.com/office/drawing/2014/main" id="{AB551611-E528-55EF-43D0-794E195C2255}"/>
+              </a:ext>
+            </a:extLst>
+          </p:cNvPr>
+          <p:cNvPicPr>
+            <a:picLocks noChangeAspect="1"/>
+          </p:cNvPicPr>
+          <p:nvPr/>
+        </p:nvPicPr>
+        <p:blipFill>
+          <a:blip r:embed="rId12">
+            <a:extLst>
+              <a:ext uri="{28A0092B-C50C-407E-A947-70E740481C1C}">
+                <a14:useLocalDpi xmlns:a14="http://schemas.microsoft.com/office/drawing/2010/main" val="0"/>
+              </a:ext>
+            </a:extLst>
+          </a:blip>
+          <a:stretch>
+            <a:fillRect/>
+          </a:stretch>
+        </p:blipFill>
+        <p:spPr>
+          <a:xfrm>
+            <a:off x="5218577" y="10444057"/>
+            <a:ext cx="457200" cy="457200"/>
+          </a:xfrm>
+          <a:prstGeom prst="rect">
+            <a:avLst/>
+          </a:prstGeom>
+        </p:spPr>
+      </p:pic>
+      <p:sp>
+        <p:nvSpPr>
+          <p:cNvPr id="177" name="Rechteck 176">
+            <a:extLst>
+              <a:ext uri="{FF2B5EF4-FFF2-40B4-BE49-F238E27FC236}">
+                <a16:creationId xmlns:a16="http://schemas.microsoft.com/office/drawing/2014/main" id="{BC246FB1-2F83-912F-C95E-C4D161C86387}"/>
+              </a:ext>
+            </a:extLst>
+          </p:cNvPr>
+          <p:cNvSpPr/>
+          <p:nvPr/>
+        </p:nvSpPr>
+        <p:spPr>
+          <a:xfrm>
+            <a:off x="3605563" y="11980780"/>
+            <a:ext cx="2874611" cy="270800"/>
+          </a:xfrm>
+          <a:prstGeom prst="rect">
+            <a:avLst/>
+          </a:prstGeom>
+          <a:ln w="25400">
+            <a:noFill/>
+          </a:ln>
+        </p:spPr>
+        <p:style>
+          <a:lnRef idx="2">
+            <a:schemeClr val="dk1">
+              <a:shade val="50000"/>
+            </a:schemeClr>
+          </a:lnRef>
+          <a:fillRef idx="1">
+            <a:schemeClr val="dk1"/>
+          </a:fillRef>
+          <a:effectRef idx="0">
+            <a:schemeClr val="dk1"/>
+          </a:effectRef>
+          <a:fontRef idx="minor">
+            <a:schemeClr val="lt1"/>
+          </a:fontRef>
+        </p:style>
+        <p:txBody>
+          <a:bodyPr rtlCol="0" anchor="ctr"/>
+          <a:lstStyle/>
+          <a:p>
+            <a:pPr algn="ctr"/>
+            <a:r>
+              <a:rPr lang="en-US" sz="1000" b="1" dirty="0"/>
+              <a:t>materials</a:t>
+            </a:r>
+          </a:p>
+        </p:txBody>
+      </p:sp>
+      <p:sp>
+        <p:nvSpPr>
+          <p:cNvPr id="178" name="Rechteck 177">
+            <a:extLst>
+              <a:ext uri="{FF2B5EF4-FFF2-40B4-BE49-F238E27FC236}">
+                <a16:creationId xmlns:a16="http://schemas.microsoft.com/office/drawing/2014/main" id="{E24B2430-E457-1A10-993A-9D9CAABD6515}"/>
+              </a:ext>
+            </a:extLst>
+          </p:cNvPr>
+          <p:cNvSpPr/>
+          <p:nvPr/>
+        </p:nvSpPr>
+        <p:spPr>
+          <a:xfrm>
+            <a:off x="981138" y="11978640"/>
+            <a:ext cx="2601055" cy="270800"/>
+          </a:xfrm>
+          <a:prstGeom prst="rect">
+            <a:avLst/>
+          </a:prstGeom>
+          <a:ln w="25400">
+            <a:noFill/>
+          </a:ln>
+        </p:spPr>
+        <p:style>
+          <a:lnRef idx="2">
+            <a:schemeClr val="dk1">
+              <a:shade val="50000"/>
+            </a:schemeClr>
+          </a:lnRef>
+          <a:fillRef idx="1">
+            <a:schemeClr val="dk1"/>
+          </a:fillRef>
+          <a:effectRef idx="0">
+            <a:schemeClr val="dk1"/>
+          </a:effectRef>
+          <a:fontRef idx="minor">
+            <a:schemeClr val="lt1"/>
+          </a:fontRef>
+        </p:style>
+        <p:txBody>
+          <a:bodyPr rtlCol="0" anchor="ctr"/>
+          <a:lstStyle/>
+          <a:p>
+            <a:pPr algn="ctr"/>
+            <a:r>
+              <a:rPr lang="en-US" sz="1000" b="1" dirty="0"/>
+              <a:t>categories</a:t>
+            </a:r>
+            <a:endParaRPr lang="en-US" sz="1100" b="1" dirty="0"/>
+          </a:p>
+        </p:txBody>
+      </p:sp>
+      <p:sp>
+        <p:nvSpPr>
+          <p:cNvPr id="179" name="Rechteck 178">
+            <a:extLst>
+              <a:ext uri="{FF2B5EF4-FFF2-40B4-BE49-F238E27FC236}">
+                <a16:creationId xmlns:a16="http://schemas.microsoft.com/office/drawing/2014/main" id="{3D223625-6C85-10AF-0223-CD01A143B907}"/>
+              </a:ext>
+            </a:extLst>
+          </p:cNvPr>
+          <p:cNvSpPr/>
+          <p:nvPr/>
+        </p:nvSpPr>
+        <p:spPr>
+          <a:xfrm>
+            <a:off x="179384" y="11978640"/>
+            <a:ext cx="805877" cy="270800"/>
+          </a:xfrm>
+          <a:prstGeom prst="rect">
+            <a:avLst/>
+          </a:prstGeom>
+          <a:ln w="25400">
+            <a:noFill/>
+          </a:ln>
+        </p:spPr>
+        <p:style>
+          <a:lnRef idx="2">
+            <a:schemeClr val="dk1">
+              <a:shade val="50000"/>
+            </a:schemeClr>
+          </a:lnRef>
+          <a:fillRef idx="1">
+            <a:schemeClr val="dk1"/>
+          </a:fillRef>
+          <a:effectRef idx="0">
+            <a:schemeClr val="dk1"/>
+          </a:effectRef>
+          <a:fontRef idx="minor">
+            <a:schemeClr val="lt1"/>
+          </a:fontRef>
+        </p:style>
+        <p:txBody>
+          <a:bodyPr lIns="0" rIns="0" rtlCol="0" anchor="ctr"/>
+          <a:lstStyle/>
+          <a:p>
+            <a:pPr algn="ctr"/>
+            <a:r>
+              <a:rPr lang="en-US" sz="1000" b="1" dirty="0"/>
+              <a:t>dimensions</a:t>
+            </a:r>
+          </a:p>
+        </p:txBody>
+      </p:sp>
+      <p:sp>
+        <p:nvSpPr>
+          <p:cNvPr id="180" name="Rechteck 179">
+            <a:extLst>
+              <a:ext uri="{FF2B5EF4-FFF2-40B4-BE49-F238E27FC236}">
+                <a16:creationId xmlns:a16="http://schemas.microsoft.com/office/drawing/2014/main" id="{F2BE87B6-AF49-A01E-FD92-FEAF5AB751F7}"/>
+              </a:ext>
+            </a:extLst>
+          </p:cNvPr>
+          <p:cNvSpPr/>
+          <p:nvPr/>
+        </p:nvSpPr>
+        <p:spPr>
+          <a:xfrm rot="16200000" flipH="1">
+            <a:off x="-434757" y="10264170"/>
+            <a:ext cx="1052394" cy="182880"/>
+          </a:xfrm>
+          <a:prstGeom prst="rect">
+            <a:avLst/>
+          </a:prstGeom>
+          <a:ln>
+            <a:noFill/>
+          </a:ln>
+        </p:spPr>
+        <p:style>
+          <a:lnRef idx="2">
+            <a:schemeClr val="dk1"/>
+          </a:lnRef>
+          <a:fillRef idx="1">
+            <a:schemeClr val="lt1"/>
+          </a:fillRef>
+          <a:effectRef idx="0">
+            <a:schemeClr val="dk1"/>
+          </a:effectRef>
+          <a:fontRef idx="minor">
+            <a:schemeClr val="dk1"/>
+          </a:fontRef>
+        </p:style>
+        <p:txBody>
+          <a:bodyPr rtlCol="0" anchor="ctr"/>
+          <a:lstStyle/>
+          <a:p>
+            <a:pPr algn="ctr"/>
+            <a:r>
+              <a:rPr lang="en-US" sz="1000" b="1" dirty="0"/>
+              <a:t>buildings</a:t>
+            </a:r>
+            <a:endParaRPr lang="en-US" sz="1100" b="1" dirty="0"/>
+          </a:p>
+        </p:txBody>
+      </p:sp>
+      <p:sp>
+        <p:nvSpPr>
+          <p:cNvPr id="181" name="Rechteck 180">
+            <a:extLst>
+              <a:ext uri="{FF2B5EF4-FFF2-40B4-BE49-F238E27FC236}">
+                <a16:creationId xmlns:a16="http://schemas.microsoft.com/office/drawing/2014/main" id="{07B4EE87-BA52-AD39-D30C-7770D46293A5}"/>
+              </a:ext>
+            </a:extLst>
+          </p:cNvPr>
+          <p:cNvSpPr/>
+          <p:nvPr/>
+        </p:nvSpPr>
+        <p:spPr>
+          <a:xfrm rot="16200000" flipH="1">
+            <a:off x="-430103" y="11345515"/>
+            <a:ext cx="1043773" cy="186769"/>
+          </a:xfrm>
+          <a:prstGeom prst="rect">
+            <a:avLst/>
+          </a:prstGeom>
+          <a:ln>
+            <a:noFill/>
+          </a:ln>
+        </p:spPr>
+        <p:style>
+          <a:lnRef idx="2">
+            <a:schemeClr val="dk1"/>
+          </a:lnRef>
+          <a:fillRef idx="1">
+            <a:schemeClr val="lt1"/>
+          </a:fillRef>
+          <a:effectRef idx="0">
+            <a:schemeClr val="dk1"/>
+          </a:effectRef>
+          <a:fontRef idx="minor">
+            <a:schemeClr val="dk1"/>
+          </a:fontRef>
+        </p:style>
+        <p:txBody>
+          <a:bodyPr lIns="0" rIns="0" rtlCol="0" anchor="ctr"/>
+          <a:lstStyle/>
+          <a:p>
+            <a:pPr algn="ctr"/>
+            <a:r>
+              <a:rPr lang="en-US" sz="1000" b="1" dirty="0"/>
+              <a:t>mobility </a:t>
+            </a:r>
+            <a:r>
+              <a:rPr lang="en-US" sz="1000" b="1" dirty="0" err="1"/>
+              <a:t>infrastr</a:t>
+            </a:r>
+            <a:r>
+              <a:rPr lang="en-US" sz="1000" b="1" dirty="0"/>
+              <a:t>.</a:t>
+            </a:r>
+            <a:endParaRPr lang="en-US" sz="1100" b="1" dirty="0"/>
+          </a:p>
+        </p:txBody>
+      </p:sp>
+      <p:sp>
+        <p:nvSpPr>
+          <p:cNvPr id="182" name="Rechteck 181">
+            <a:extLst>
+              <a:ext uri="{FF2B5EF4-FFF2-40B4-BE49-F238E27FC236}">
+                <a16:creationId xmlns:a16="http://schemas.microsoft.com/office/drawing/2014/main" id="{5E354800-8619-C3F0-5C76-0BCA3DF12179}"/>
+              </a:ext>
+            </a:extLst>
+          </p:cNvPr>
+          <p:cNvSpPr/>
+          <p:nvPr/>
+        </p:nvSpPr>
+        <p:spPr>
+          <a:xfrm rot="16200000" flipH="1">
+            <a:off x="1311030" y="9940336"/>
+            <a:ext cx="622407" cy="270800"/>
+          </a:xfrm>
+          <a:prstGeom prst="rect">
+            <a:avLst/>
+          </a:prstGeom>
+          <a:noFill/>
+          <a:ln>
+            <a:noFill/>
+          </a:ln>
+        </p:spPr>
+        <p:style>
+          <a:lnRef idx="2">
+            <a:schemeClr val="dk1"/>
+          </a:lnRef>
+          <a:fillRef idx="1">
+            <a:schemeClr val="lt1"/>
+          </a:fillRef>
+          <a:effectRef idx="0">
+            <a:schemeClr val="dk1"/>
+          </a:effectRef>
+          <a:fontRef idx="minor">
+            <a:schemeClr val="dk1"/>
+          </a:fontRef>
+        </p:style>
+        <p:txBody>
+          <a:bodyPr rtlCol="0" anchor="ctr"/>
+          <a:lstStyle/>
+          <a:p>
+            <a:pPr algn="ctr"/>
+            <a:r>
+              <a:rPr lang="en-US" sz="700" b="1" dirty="0"/>
+              <a:t>residential</a:t>
+            </a:r>
+            <a:endParaRPr lang="en-US" sz="900" b="1" dirty="0"/>
+          </a:p>
+        </p:txBody>
+      </p:sp>
+      <p:sp>
+        <p:nvSpPr>
+          <p:cNvPr id="183" name="Rechteck 182">
+            <a:extLst>
+              <a:ext uri="{FF2B5EF4-FFF2-40B4-BE49-F238E27FC236}">
+                <a16:creationId xmlns:a16="http://schemas.microsoft.com/office/drawing/2014/main" id="{ACECF5E2-5360-17F1-FBB3-BFF1E92A6787}"/>
+              </a:ext>
+            </a:extLst>
+          </p:cNvPr>
+          <p:cNvSpPr/>
+          <p:nvPr/>
+        </p:nvSpPr>
+        <p:spPr>
+          <a:xfrm rot="16200000" flipH="1">
+            <a:off x="1312601" y="10451169"/>
+            <a:ext cx="622407" cy="270800"/>
+          </a:xfrm>
+          <a:prstGeom prst="rect">
+            <a:avLst/>
+          </a:prstGeom>
+          <a:noFill/>
+          <a:ln>
+            <a:noFill/>
+          </a:ln>
+        </p:spPr>
+        <p:style>
+          <a:lnRef idx="2">
+            <a:schemeClr val="dk1"/>
+          </a:lnRef>
+          <a:fillRef idx="1">
+            <a:schemeClr val="lt1"/>
+          </a:fillRef>
+          <a:effectRef idx="0">
+            <a:schemeClr val="dk1"/>
+          </a:effectRef>
+          <a:fontRef idx="minor">
+            <a:schemeClr val="dk1"/>
+          </a:fontRef>
+        </p:style>
+        <p:txBody>
+          <a:bodyPr lIns="0" rIns="0" rtlCol="0" anchor="ctr"/>
+          <a:lstStyle/>
+          <a:p>
+            <a:pPr algn="ctr"/>
+            <a:r>
+              <a:rPr lang="en-US" sz="700" b="1" dirty="0"/>
+              <a:t>residential / commercial mixed use</a:t>
+            </a:r>
+            <a:endParaRPr lang="en-US" sz="900" b="1" dirty="0"/>
+          </a:p>
+        </p:txBody>
+      </p:sp>
+      <p:sp>
+        <p:nvSpPr>
+          <p:cNvPr id="184" name="Rechteck 183">
+            <a:extLst>
+              <a:ext uri="{FF2B5EF4-FFF2-40B4-BE49-F238E27FC236}">
+                <a16:creationId xmlns:a16="http://schemas.microsoft.com/office/drawing/2014/main" id="{07E1A399-7E37-55C2-1196-AA7C5FEE4C58}"/>
+              </a:ext>
+            </a:extLst>
+          </p:cNvPr>
+          <p:cNvSpPr/>
+          <p:nvPr/>
+        </p:nvSpPr>
+        <p:spPr>
+          <a:xfrm rot="16200000" flipH="1">
+            <a:off x="2963747" y="10462143"/>
+            <a:ext cx="697605" cy="270800"/>
+          </a:xfrm>
+          <a:prstGeom prst="rect">
+            <a:avLst/>
+          </a:prstGeom>
+          <a:noFill/>
+          <a:ln>
+            <a:noFill/>
+          </a:ln>
+        </p:spPr>
+        <p:style>
+          <a:lnRef idx="2">
+            <a:schemeClr val="dk1"/>
+          </a:lnRef>
+          <a:fillRef idx="1">
+            <a:schemeClr val="lt1"/>
+          </a:fillRef>
+          <a:effectRef idx="0">
+            <a:schemeClr val="dk1"/>
+          </a:effectRef>
+          <a:fontRef idx="minor">
+            <a:schemeClr val="dk1"/>
+          </a:fontRef>
+        </p:style>
+        <p:txBody>
+          <a:bodyPr rtlCol="0" anchor="ctr"/>
+          <a:lstStyle/>
+          <a:p>
+            <a:pPr algn="ctr"/>
+            <a:r>
+              <a:rPr lang="en-US" sz="700" b="1" dirty="0"/>
+              <a:t>commercial</a:t>
+            </a:r>
+          </a:p>
+          <a:p>
+            <a:pPr algn="ctr"/>
+            <a:r>
+              <a:rPr lang="en-US" sz="700" b="1" dirty="0"/>
+              <a:t> + industrial</a:t>
+            </a:r>
+            <a:endParaRPr lang="en-US" sz="900" b="1" dirty="0"/>
+          </a:p>
+        </p:txBody>
+      </p:sp>
+      <p:sp>
+        <p:nvSpPr>
+          <p:cNvPr id="185" name="Rechteck 184">
+            <a:extLst>
+              <a:ext uri="{FF2B5EF4-FFF2-40B4-BE49-F238E27FC236}">
+                <a16:creationId xmlns:a16="http://schemas.microsoft.com/office/drawing/2014/main" id="{B4DA026B-D914-0CBE-A0A3-3443F1A0B7BE}"/>
+              </a:ext>
+            </a:extLst>
+          </p:cNvPr>
+          <p:cNvSpPr/>
+          <p:nvPr/>
+        </p:nvSpPr>
+        <p:spPr>
+          <a:xfrm>
+            <a:off x="1751166" y="9950024"/>
+            <a:ext cx="1389089" cy="270800"/>
+          </a:xfrm>
+          <a:prstGeom prst="rect">
+            <a:avLst/>
+          </a:prstGeom>
+          <a:noFill/>
+          <a:ln>
+            <a:noFill/>
+          </a:ln>
+        </p:spPr>
+        <p:style>
+          <a:lnRef idx="2">
+            <a:schemeClr val="dk1"/>
+          </a:lnRef>
+          <a:fillRef idx="1">
+            <a:schemeClr val="lt1"/>
+          </a:fillRef>
+          <a:effectRef idx="0">
+            <a:schemeClr val="dk1"/>
+          </a:effectRef>
+          <a:fontRef idx="minor">
+            <a:schemeClr val="dk1"/>
+          </a:fontRef>
+        </p:style>
+        <p:txBody>
+          <a:bodyPr rtlCol="0" anchor="ctr"/>
+          <a:lstStyle/>
+          <a:p>
+            <a:pPr marL="91440" indent="-91440" defTabSz="457200">
+              <a:buFont typeface="Arial" panose="020B0604020202020204" pitchFamily="34" charset="0"/>
+              <a:buChar char="•"/>
+            </a:pPr>
+            <a:r>
+              <a:rPr lang="en-US" sz="700" dirty="0"/>
+              <a:t>low-rise</a:t>
+            </a:r>
+          </a:p>
+          <a:p>
+            <a:pPr marL="91440" indent="-91440" defTabSz="457200">
+              <a:buFont typeface="Arial" panose="020B0604020202020204" pitchFamily="34" charset="0"/>
+              <a:buChar char="•"/>
+            </a:pPr>
+            <a:r>
+              <a:rPr lang="en-US" sz="700" dirty="0"/>
+              <a:t>mid-rise</a:t>
+            </a:r>
+          </a:p>
+          <a:p>
+            <a:pPr marL="91440" indent="-91440" defTabSz="457200">
+              <a:buFont typeface="Arial" panose="020B0604020202020204" pitchFamily="34" charset="0"/>
+              <a:buChar char="•"/>
+            </a:pPr>
+            <a:r>
+              <a:rPr lang="en-US" sz="700" dirty="0"/>
+              <a:t>mobile homes + </a:t>
+            </a:r>
+            <a:br>
+              <a:rPr lang="en-US" sz="700" dirty="0"/>
+            </a:br>
+            <a:r>
+              <a:rPr lang="en-US" sz="700" dirty="0"/>
+              <a:t>lightweight</a:t>
+            </a:r>
+          </a:p>
+        </p:txBody>
+      </p:sp>
+      <p:sp>
+        <p:nvSpPr>
+          <p:cNvPr id="186" name="Rechteck 185">
+            <a:extLst>
+              <a:ext uri="{FF2B5EF4-FFF2-40B4-BE49-F238E27FC236}">
+                <a16:creationId xmlns:a16="http://schemas.microsoft.com/office/drawing/2014/main" id="{7790FDED-CD4C-66C3-91FE-847AB584DD41}"/>
+              </a:ext>
+            </a:extLst>
+          </p:cNvPr>
+          <p:cNvSpPr/>
+          <p:nvPr/>
+        </p:nvSpPr>
+        <p:spPr>
+          <a:xfrm>
+            <a:off x="1751166" y="10455120"/>
+            <a:ext cx="1389089" cy="270800"/>
+          </a:xfrm>
+          <a:prstGeom prst="rect">
+            <a:avLst/>
+          </a:prstGeom>
+          <a:noFill/>
+          <a:ln>
+            <a:noFill/>
+          </a:ln>
+        </p:spPr>
+        <p:style>
+          <a:lnRef idx="2">
+            <a:schemeClr val="dk1"/>
+          </a:lnRef>
+          <a:fillRef idx="1">
+            <a:schemeClr val="lt1"/>
+          </a:fillRef>
+          <a:effectRef idx="0">
+            <a:schemeClr val="dk1"/>
+          </a:effectRef>
+          <a:fontRef idx="minor">
+            <a:schemeClr val="dk1"/>
+          </a:fontRef>
+        </p:style>
+        <p:txBody>
+          <a:bodyPr rtlCol="0" anchor="ctr"/>
+          <a:lstStyle/>
+          <a:p>
+            <a:pPr marL="91440" indent="-91440" defTabSz="457200">
+              <a:buFont typeface="Arial" panose="020B0604020202020204" pitchFamily="34" charset="0"/>
+              <a:buChar char="•"/>
+            </a:pPr>
+            <a:r>
+              <a:rPr lang="en-US" sz="700" dirty="0"/>
+              <a:t>low/mid-rise</a:t>
+            </a:r>
+          </a:p>
+          <a:p>
+            <a:pPr marL="91440" indent="-91440" defTabSz="457200">
+              <a:buFont typeface="Arial" panose="020B0604020202020204" pitchFamily="34" charset="0"/>
+              <a:buChar char="•"/>
+            </a:pPr>
+            <a:r>
+              <a:rPr lang="en-US" sz="700" dirty="0"/>
+              <a:t>high-rise</a:t>
+            </a:r>
+          </a:p>
+          <a:p>
+            <a:pPr marL="91440" indent="-91440" defTabSz="457200">
+              <a:buFont typeface="Arial" panose="020B0604020202020204" pitchFamily="34" charset="0"/>
+              <a:buChar char="•"/>
+            </a:pPr>
+            <a:r>
+              <a:rPr lang="en-US" sz="700" dirty="0"/>
+              <a:t>skyscraper</a:t>
+            </a:r>
+          </a:p>
+        </p:txBody>
+      </p:sp>
+      <p:sp>
+        <p:nvSpPr>
+          <p:cNvPr id="187" name="Rechteck 186">
+            <a:extLst>
+              <a:ext uri="{FF2B5EF4-FFF2-40B4-BE49-F238E27FC236}">
+                <a16:creationId xmlns:a16="http://schemas.microsoft.com/office/drawing/2014/main" id="{303F57CF-23E2-5631-5A6C-EF28A1F74ACD}"/>
+              </a:ext>
+            </a:extLst>
+          </p:cNvPr>
+          <p:cNvSpPr/>
+          <p:nvPr/>
+        </p:nvSpPr>
+        <p:spPr>
+          <a:xfrm rot="16200000" flipH="1">
+            <a:off x="1306026" y="11086649"/>
+            <a:ext cx="622407" cy="270800"/>
+          </a:xfrm>
+          <a:prstGeom prst="rect">
+            <a:avLst/>
+          </a:prstGeom>
+          <a:noFill/>
+          <a:ln>
+            <a:noFill/>
+          </a:ln>
+        </p:spPr>
+        <p:style>
+          <a:lnRef idx="2">
+            <a:schemeClr val="dk1"/>
+          </a:lnRef>
+          <a:fillRef idx="1">
+            <a:schemeClr val="lt1"/>
+          </a:fillRef>
+          <a:effectRef idx="0">
+            <a:schemeClr val="dk1"/>
+          </a:effectRef>
+          <a:fontRef idx="minor">
+            <a:schemeClr val="dk1"/>
+          </a:fontRef>
+        </p:style>
+        <p:txBody>
+          <a:bodyPr rtlCol="0" anchor="ctr"/>
+          <a:lstStyle/>
+          <a:p>
+            <a:pPr algn="ctr"/>
+            <a:r>
+              <a:rPr lang="en-US" sz="700" b="1" dirty="0"/>
+              <a:t>roads</a:t>
+            </a:r>
+            <a:endParaRPr lang="en-US" sz="900" b="1" dirty="0"/>
+          </a:p>
+        </p:txBody>
+      </p:sp>
+      <p:sp>
+        <p:nvSpPr>
+          <p:cNvPr id="188" name="Rechteck 187">
+            <a:extLst>
+              <a:ext uri="{FF2B5EF4-FFF2-40B4-BE49-F238E27FC236}">
+                <a16:creationId xmlns:a16="http://schemas.microsoft.com/office/drawing/2014/main" id="{A56F14B2-09D0-52FE-FB87-28C89FFFC82F}"/>
+              </a:ext>
+            </a:extLst>
+          </p:cNvPr>
+          <p:cNvSpPr/>
+          <p:nvPr/>
+        </p:nvSpPr>
+        <p:spPr>
+          <a:xfrm>
+            <a:off x="1658220" y="10976044"/>
+            <a:ext cx="1228563" cy="499931"/>
+          </a:xfrm>
+          <a:prstGeom prst="rect">
+            <a:avLst/>
+          </a:prstGeom>
+          <a:noFill/>
+          <a:ln>
+            <a:noFill/>
+          </a:ln>
+        </p:spPr>
+        <p:style>
+          <a:lnRef idx="2">
+            <a:schemeClr val="dk1"/>
+          </a:lnRef>
+          <a:fillRef idx="1">
+            <a:schemeClr val="lt1"/>
+          </a:fillRef>
+          <a:effectRef idx="0">
+            <a:schemeClr val="dk1"/>
+          </a:effectRef>
+          <a:fontRef idx="minor">
+            <a:schemeClr val="dk1"/>
+          </a:fontRef>
+        </p:style>
+        <p:txBody>
+          <a:bodyPr numCol="2" rtlCol="0" anchor="ctr"/>
+          <a:lstStyle/>
+          <a:p>
+            <a:pPr marL="91440" indent="-91440" defTabSz="457200">
+              <a:buFont typeface="Arial" panose="020B0604020202020204" pitchFamily="34" charset="0"/>
+              <a:buChar char="•"/>
+            </a:pPr>
+            <a:r>
+              <a:rPr lang="en-US" sz="700" dirty="0"/>
+              <a:t>motorway</a:t>
+            </a:r>
+          </a:p>
+          <a:p>
+            <a:pPr marL="91440" indent="-91440" defTabSz="457200">
+              <a:buFont typeface="Arial" panose="020B0604020202020204" pitchFamily="34" charset="0"/>
+              <a:buChar char="•"/>
+            </a:pPr>
+            <a:r>
+              <a:rPr lang="en-US" sz="700" dirty="0"/>
+              <a:t>primary</a:t>
+            </a:r>
+          </a:p>
+          <a:p>
+            <a:pPr marL="91440" indent="-91440" defTabSz="457200">
+              <a:buFont typeface="Arial" panose="020B0604020202020204" pitchFamily="34" charset="0"/>
+              <a:buChar char="•"/>
+            </a:pPr>
+            <a:r>
+              <a:rPr lang="en-US" sz="700" dirty="0"/>
+              <a:t>secondary</a:t>
+            </a:r>
+          </a:p>
+          <a:p>
+            <a:pPr marL="91440" indent="-91440" defTabSz="457200">
+              <a:buFont typeface="Arial" panose="020B0604020202020204" pitchFamily="34" charset="0"/>
+              <a:buChar char="•"/>
+            </a:pPr>
+            <a:r>
+              <a:rPr lang="en-US" sz="700" dirty="0"/>
+              <a:t>tertiary</a:t>
+            </a:r>
+          </a:p>
+          <a:p>
+            <a:pPr marL="91440" indent="-91440" defTabSz="457200">
+              <a:buFont typeface="Arial" panose="020B0604020202020204" pitchFamily="34" charset="0"/>
+              <a:buChar char="•"/>
+            </a:pPr>
+            <a:r>
+              <a:rPr lang="en-US" sz="700" dirty="0"/>
+              <a:t>local</a:t>
+            </a:r>
+          </a:p>
+          <a:p>
+            <a:pPr marL="91440" indent="-91440" defTabSz="457200">
+              <a:buFont typeface="Arial" panose="020B0604020202020204" pitchFamily="34" charset="0"/>
+              <a:buChar char="•"/>
+            </a:pPr>
+            <a:r>
+              <a:rPr lang="en-US" sz="700" dirty="0"/>
+              <a:t>rural</a:t>
+            </a:r>
+          </a:p>
+          <a:p>
+            <a:pPr marL="91440" indent="-91440" defTabSz="457200">
+              <a:buFont typeface="Arial" panose="020B0604020202020204" pitchFamily="34" charset="0"/>
+              <a:buChar char="•"/>
+            </a:pPr>
+            <a:r>
+              <a:rPr lang="en-US" sz="700" dirty="0"/>
+              <a:t>bridge</a:t>
+            </a:r>
+          </a:p>
+          <a:p>
+            <a:pPr marL="91440" indent="-91440" defTabSz="457200">
+              <a:buFont typeface="Arial" panose="020B0604020202020204" pitchFamily="34" charset="0"/>
+              <a:buChar char="•"/>
+            </a:pPr>
+            <a:r>
+              <a:rPr lang="en-US" sz="700" dirty="0"/>
+              <a:t>tunnel</a:t>
+            </a:r>
+          </a:p>
+        </p:txBody>
+      </p:sp>
+      <p:sp>
+        <p:nvSpPr>
+          <p:cNvPr id="189" name="Rechteck 188">
+            <a:extLst>
+              <a:ext uri="{FF2B5EF4-FFF2-40B4-BE49-F238E27FC236}">
+                <a16:creationId xmlns:a16="http://schemas.microsoft.com/office/drawing/2014/main" id="{B4E012CF-F497-A443-58B6-EE2CEBA833B3}"/>
+              </a:ext>
+            </a:extLst>
+          </p:cNvPr>
+          <p:cNvSpPr/>
+          <p:nvPr/>
+        </p:nvSpPr>
+        <p:spPr>
+          <a:xfrm rot="16200000" flipH="1">
+            <a:off x="1306026" y="11459825"/>
+            <a:ext cx="622407" cy="270800"/>
+          </a:xfrm>
+          <a:prstGeom prst="rect">
+            <a:avLst/>
+          </a:prstGeom>
+          <a:noFill/>
+          <a:ln>
+            <a:noFill/>
+          </a:ln>
+        </p:spPr>
+        <p:style>
+          <a:lnRef idx="2">
+            <a:schemeClr val="dk1"/>
+          </a:lnRef>
+          <a:fillRef idx="1">
+            <a:schemeClr val="lt1"/>
+          </a:fillRef>
+          <a:effectRef idx="0">
+            <a:schemeClr val="dk1"/>
+          </a:effectRef>
+          <a:fontRef idx="minor">
+            <a:schemeClr val="dk1"/>
+          </a:fontRef>
+        </p:style>
+        <p:txBody>
+          <a:bodyPr rtlCol="0" anchor="ctr"/>
+          <a:lstStyle/>
+          <a:p>
+            <a:pPr algn="ctr"/>
+            <a:r>
+              <a:rPr lang="en-US" sz="700" b="1" dirty="0"/>
+              <a:t>rails</a:t>
+            </a:r>
+            <a:endParaRPr lang="en-US" sz="900" b="1" dirty="0"/>
+          </a:p>
+        </p:txBody>
+      </p:sp>
+      <p:sp>
+        <p:nvSpPr>
+          <p:cNvPr id="190" name="Rechteck 189">
+            <a:extLst>
+              <a:ext uri="{FF2B5EF4-FFF2-40B4-BE49-F238E27FC236}">
+                <a16:creationId xmlns:a16="http://schemas.microsoft.com/office/drawing/2014/main" id="{1D9131E7-4B77-C33B-AE5E-FBDDAEC3934F}"/>
+              </a:ext>
+            </a:extLst>
+          </p:cNvPr>
+          <p:cNvSpPr/>
+          <p:nvPr/>
+        </p:nvSpPr>
+        <p:spPr>
+          <a:xfrm>
+            <a:off x="1660473" y="11417780"/>
+            <a:ext cx="1225296" cy="499931"/>
+          </a:xfrm>
+          <a:prstGeom prst="rect">
+            <a:avLst/>
+          </a:prstGeom>
+          <a:noFill/>
+          <a:ln>
+            <a:noFill/>
+          </a:ln>
+        </p:spPr>
+        <p:style>
+          <a:lnRef idx="2">
+            <a:schemeClr val="dk1"/>
+          </a:lnRef>
+          <a:fillRef idx="1">
+            <a:schemeClr val="lt1"/>
+          </a:fillRef>
+          <a:effectRef idx="0">
+            <a:schemeClr val="dk1"/>
+          </a:effectRef>
+          <a:fontRef idx="minor">
+            <a:schemeClr val="dk1"/>
+          </a:fontRef>
+        </p:style>
+        <p:txBody>
+          <a:bodyPr numCol="2" rtlCol="0" anchor="ctr"/>
+          <a:lstStyle/>
+          <a:p>
+            <a:pPr marL="91440" indent="-91440" defTabSz="457200">
+              <a:buFont typeface="Arial" panose="020B0604020202020204" pitchFamily="34" charset="0"/>
+              <a:buChar char="•"/>
+            </a:pPr>
+            <a:r>
+              <a:rPr lang="en-US" sz="700" dirty="0"/>
+              <a:t>railway</a:t>
+            </a:r>
+          </a:p>
+          <a:p>
+            <a:pPr marL="91440" indent="-91440" defTabSz="457200">
+              <a:buFont typeface="Arial" panose="020B0604020202020204" pitchFamily="34" charset="0"/>
+              <a:buChar char="•"/>
+            </a:pPr>
+            <a:r>
+              <a:rPr lang="en-US" sz="700" dirty="0"/>
+              <a:t>tram</a:t>
+            </a:r>
+          </a:p>
+          <a:p>
+            <a:pPr marL="91440" indent="-91440" defTabSz="457200">
+              <a:buFont typeface="Arial" panose="020B0604020202020204" pitchFamily="34" charset="0"/>
+              <a:buChar char="•"/>
+            </a:pPr>
+            <a:r>
+              <a:rPr lang="en-US" sz="700" dirty="0"/>
+              <a:t>other</a:t>
+            </a:r>
+          </a:p>
+          <a:p>
+            <a:pPr marL="91440" indent="-91440" defTabSz="457200">
+              <a:buFont typeface="Arial" panose="020B0604020202020204" pitchFamily="34" charset="0"/>
+              <a:buChar char="•"/>
+            </a:pPr>
+            <a:r>
+              <a:rPr lang="en-US" sz="700" dirty="0"/>
+              <a:t>subway</a:t>
+            </a:r>
+          </a:p>
+          <a:p>
+            <a:pPr marL="91440" indent="-91440" defTabSz="457200">
+              <a:buFont typeface="Arial" panose="020B0604020202020204" pitchFamily="34" charset="0"/>
+              <a:buChar char="•"/>
+            </a:pPr>
+            <a:r>
+              <a:rPr lang="en-US" sz="700" dirty="0"/>
+              <a:t>bridge</a:t>
+            </a:r>
+          </a:p>
+          <a:p>
+            <a:pPr marL="91440" indent="-91440" defTabSz="457200">
+              <a:buFont typeface="Arial" panose="020B0604020202020204" pitchFamily="34" charset="0"/>
+              <a:buChar char="•"/>
+            </a:pPr>
+            <a:r>
+              <a:rPr lang="en-US" sz="700" dirty="0"/>
+              <a:t>tunnel</a:t>
+            </a:r>
+          </a:p>
+        </p:txBody>
+      </p:sp>
+      <p:sp>
+        <p:nvSpPr>
+          <p:cNvPr id="191" name="Rechteck 190">
+            <a:extLst>
+              <a:ext uri="{FF2B5EF4-FFF2-40B4-BE49-F238E27FC236}">
+                <a16:creationId xmlns:a16="http://schemas.microsoft.com/office/drawing/2014/main" id="{BE004218-F21A-BA39-A988-99F1D62E702C}"/>
+              </a:ext>
+            </a:extLst>
+          </p:cNvPr>
+          <p:cNvSpPr/>
+          <p:nvPr/>
+        </p:nvSpPr>
+        <p:spPr>
+          <a:xfrm rot="16200000" flipH="1">
+            <a:off x="2951146" y="11097037"/>
+            <a:ext cx="697605" cy="270800"/>
+          </a:xfrm>
+          <a:prstGeom prst="rect">
+            <a:avLst/>
+          </a:prstGeom>
+          <a:noFill/>
+          <a:ln>
+            <a:noFill/>
+          </a:ln>
+        </p:spPr>
+        <p:style>
+          <a:lnRef idx="2">
+            <a:schemeClr val="dk1"/>
+          </a:lnRef>
+          <a:fillRef idx="1">
+            <a:schemeClr val="lt1"/>
+          </a:fillRef>
+          <a:effectRef idx="0">
+            <a:schemeClr val="dk1"/>
+          </a:effectRef>
+          <a:fontRef idx="minor">
+            <a:schemeClr val="dk1"/>
+          </a:fontRef>
+        </p:style>
+        <p:txBody>
+          <a:bodyPr rtlCol="0" anchor="ctr"/>
+          <a:lstStyle/>
+          <a:p>
+            <a:pPr algn="ctr"/>
+            <a:r>
+              <a:rPr lang="en-US" sz="700" b="1" dirty="0"/>
+              <a:t>parking</a:t>
+            </a:r>
+          </a:p>
+          <a:p>
+            <a:pPr algn="ctr"/>
+            <a:r>
+              <a:rPr lang="en-US" sz="700" b="1" dirty="0"/>
+              <a:t> + yards</a:t>
+            </a:r>
+            <a:endParaRPr lang="en-US" sz="900" b="1" dirty="0"/>
+          </a:p>
+        </p:txBody>
+      </p:sp>
+      <p:sp>
+        <p:nvSpPr>
+          <p:cNvPr id="192" name="Rechteck 191">
+            <a:extLst>
+              <a:ext uri="{FF2B5EF4-FFF2-40B4-BE49-F238E27FC236}">
+                <a16:creationId xmlns:a16="http://schemas.microsoft.com/office/drawing/2014/main" id="{201EB8C9-13C9-28A9-C719-B7B71F504BE0}"/>
+              </a:ext>
+            </a:extLst>
+          </p:cNvPr>
+          <p:cNvSpPr/>
+          <p:nvPr/>
+        </p:nvSpPr>
+        <p:spPr>
+          <a:xfrm rot="16200000" flipH="1">
+            <a:off x="2949812" y="11546267"/>
+            <a:ext cx="697605" cy="270800"/>
+          </a:xfrm>
+          <a:prstGeom prst="rect">
+            <a:avLst/>
+          </a:prstGeom>
+          <a:noFill/>
+          <a:ln>
+            <a:noFill/>
+          </a:ln>
+        </p:spPr>
+        <p:style>
+          <a:lnRef idx="2">
+            <a:schemeClr val="dk1"/>
+          </a:lnRef>
+          <a:fillRef idx="1">
+            <a:schemeClr val="lt1"/>
+          </a:fillRef>
+          <a:effectRef idx="0">
+            <a:schemeClr val="dk1"/>
+          </a:effectRef>
+          <a:fontRef idx="minor">
+            <a:schemeClr val="dk1"/>
+          </a:fontRef>
+        </p:style>
+        <p:txBody>
+          <a:bodyPr rtlCol="0" anchor="ctr"/>
+          <a:lstStyle/>
+          <a:p>
+            <a:pPr algn="ctr"/>
+            <a:r>
+              <a:rPr lang="en-US" sz="700" b="1" dirty="0"/>
+              <a:t>airport runways</a:t>
+            </a:r>
+            <a:endParaRPr lang="en-US" sz="900" b="1" dirty="0"/>
+          </a:p>
+        </p:txBody>
+      </p:sp>
+      <p:sp>
+        <p:nvSpPr>
+          <p:cNvPr id="193" name="Rechteck 192">
+            <a:extLst>
+              <a:ext uri="{FF2B5EF4-FFF2-40B4-BE49-F238E27FC236}">
+                <a16:creationId xmlns:a16="http://schemas.microsoft.com/office/drawing/2014/main" id="{F2361642-4631-118D-C744-93D28CB5BC92}"/>
+              </a:ext>
+            </a:extLst>
+          </p:cNvPr>
+          <p:cNvSpPr/>
+          <p:nvPr/>
+        </p:nvSpPr>
+        <p:spPr>
+          <a:xfrm rot="16200000" flipH="1">
+            <a:off x="3952935" y="10222526"/>
+            <a:ext cx="731520" cy="270800"/>
+          </a:xfrm>
+          <a:prstGeom prst="rect">
+            <a:avLst/>
+          </a:prstGeom>
+          <a:noFill/>
+          <a:ln>
+            <a:noFill/>
+          </a:ln>
+        </p:spPr>
+        <p:style>
+          <a:lnRef idx="2">
+            <a:schemeClr val="dk1"/>
+          </a:lnRef>
+          <a:fillRef idx="1">
+            <a:schemeClr val="lt1"/>
+          </a:fillRef>
+          <a:effectRef idx="0">
+            <a:schemeClr val="dk1"/>
+          </a:effectRef>
+          <a:fontRef idx="minor">
+            <a:schemeClr val="dk1"/>
+          </a:fontRef>
+        </p:style>
+        <p:txBody>
+          <a:bodyPr rtlCol="0" anchor="ctr"/>
+          <a:lstStyle/>
+          <a:p>
+            <a:pPr algn="ctr"/>
+            <a:r>
+              <a:rPr lang="en-US" sz="700" b="1" dirty="0"/>
+              <a:t>metals</a:t>
+            </a:r>
+            <a:endParaRPr lang="en-US" sz="900" b="1" dirty="0"/>
+          </a:p>
+        </p:txBody>
+      </p:sp>
+      <p:sp>
+        <p:nvSpPr>
+          <p:cNvPr id="194" name="Rechteck 193">
+            <a:extLst>
+              <a:ext uri="{FF2B5EF4-FFF2-40B4-BE49-F238E27FC236}">
+                <a16:creationId xmlns:a16="http://schemas.microsoft.com/office/drawing/2014/main" id="{D40D573B-97DF-BC96-B642-580853317B71}"/>
+              </a:ext>
+            </a:extLst>
+          </p:cNvPr>
+          <p:cNvSpPr/>
+          <p:nvPr/>
+        </p:nvSpPr>
+        <p:spPr>
+          <a:xfrm rot="16200000" flipH="1">
+            <a:off x="3952935" y="10825235"/>
+            <a:ext cx="733663" cy="270800"/>
+          </a:xfrm>
+          <a:prstGeom prst="rect">
+            <a:avLst/>
+          </a:prstGeom>
+          <a:noFill/>
+          <a:ln>
+            <a:noFill/>
+          </a:ln>
+        </p:spPr>
+        <p:style>
+          <a:lnRef idx="2">
+            <a:schemeClr val="dk1"/>
+          </a:lnRef>
+          <a:fillRef idx="1">
+            <a:schemeClr val="lt1"/>
+          </a:fillRef>
+          <a:effectRef idx="0">
+            <a:schemeClr val="dk1"/>
+          </a:effectRef>
+          <a:fontRef idx="minor">
+            <a:schemeClr val="dk1"/>
+          </a:fontRef>
+        </p:style>
+        <p:txBody>
+          <a:bodyPr rtlCol="0" anchor="ctr"/>
+          <a:lstStyle/>
+          <a:p>
+            <a:pPr algn="ctr"/>
+            <a:r>
+              <a:rPr lang="en-US" sz="700" b="1" dirty="0"/>
+              <a:t>non-metallic minerals</a:t>
+            </a:r>
+            <a:endParaRPr lang="en-US" sz="900" b="1" dirty="0"/>
+          </a:p>
+        </p:txBody>
+      </p:sp>
+      <p:sp>
+        <p:nvSpPr>
+          <p:cNvPr id="195" name="Rechteck 194">
+            <a:extLst>
+              <a:ext uri="{FF2B5EF4-FFF2-40B4-BE49-F238E27FC236}">
+                <a16:creationId xmlns:a16="http://schemas.microsoft.com/office/drawing/2014/main" id="{69FE28E1-861F-4CC9-2050-8111676F789B}"/>
+              </a:ext>
+            </a:extLst>
+          </p:cNvPr>
+          <p:cNvSpPr/>
+          <p:nvPr/>
+        </p:nvSpPr>
+        <p:spPr>
+          <a:xfrm rot="16200000" flipH="1">
+            <a:off x="3956955" y="11402056"/>
+            <a:ext cx="733663" cy="270800"/>
+          </a:xfrm>
+          <a:prstGeom prst="rect">
+            <a:avLst/>
+          </a:prstGeom>
+          <a:noFill/>
+          <a:ln>
+            <a:noFill/>
+          </a:ln>
+        </p:spPr>
+        <p:style>
+          <a:lnRef idx="2">
+            <a:schemeClr val="dk1"/>
+          </a:lnRef>
+          <a:fillRef idx="1">
+            <a:schemeClr val="lt1"/>
+          </a:fillRef>
+          <a:effectRef idx="0">
+            <a:schemeClr val="dk1"/>
+          </a:effectRef>
+          <a:fontRef idx="minor">
+            <a:schemeClr val="dk1"/>
+          </a:fontRef>
+        </p:style>
+        <p:txBody>
+          <a:bodyPr rtlCol="0" anchor="ctr"/>
+          <a:lstStyle/>
+          <a:p>
+            <a:pPr algn="ctr"/>
+            <a:r>
+              <a:rPr lang="en-US" sz="700" b="1" dirty="0"/>
+              <a:t>biomass</a:t>
+            </a:r>
+            <a:endParaRPr lang="en-US" sz="900" b="1" dirty="0"/>
+          </a:p>
+        </p:txBody>
+      </p:sp>
+      <p:sp>
+        <p:nvSpPr>
+          <p:cNvPr id="196" name="Rechteck 195">
+            <a:extLst>
+              <a:ext uri="{FF2B5EF4-FFF2-40B4-BE49-F238E27FC236}">
+                <a16:creationId xmlns:a16="http://schemas.microsoft.com/office/drawing/2014/main" id="{04B469A7-07B5-1ECA-B00B-82532D5D4E2C}"/>
+              </a:ext>
+            </a:extLst>
+          </p:cNvPr>
+          <p:cNvSpPr/>
+          <p:nvPr/>
+        </p:nvSpPr>
+        <p:spPr>
+          <a:xfrm rot="16200000" flipH="1">
+            <a:off x="5468469" y="10537257"/>
+            <a:ext cx="733663" cy="270800"/>
+          </a:xfrm>
+          <a:prstGeom prst="rect">
+            <a:avLst/>
+          </a:prstGeom>
+          <a:noFill/>
+          <a:ln>
+            <a:noFill/>
+          </a:ln>
+        </p:spPr>
+        <p:style>
+          <a:lnRef idx="2">
+            <a:schemeClr val="dk1"/>
+          </a:lnRef>
+          <a:fillRef idx="1">
+            <a:schemeClr val="lt1"/>
+          </a:fillRef>
+          <a:effectRef idx="0">
+            <a:schemeClr val="dk1"/>
+          </a:effectRef>
+          <a:fontRef idx="minor">
+            <a:schemeClr val="dk1"/>
+          </a:fontRef>
+        </p:style>
+        <p:txBody>
+          <a:bodyPr rtlCol="0" anchor="ctr"/>
+          <a:lstStyle/>
+          <a:p>
+            <a:pPr algn="ctr"/>
+            <a:r>
+              <a:rPr lang="en-US" sz="700" b="1" dirty="0"/>
+              <a:t>petroleum products</a:t>
+            </a:r>
+            <a:endParaRPr lang="en-US" sz="900" b="1" dirty="0"/>
+          </a:p>
+        </p:txBody>
+      </p:sp>
+      <p:sp>
+        <p:nvSpPr>
+          <p:cNvPr id="197" name="Rechteck 196">
+            <a:extLst>
+              <a:ext uri="{FF2B5EF4-FFF2-40B4-BE49-F238E27FC236}">
+                <a16:creationId xmlns:a16="http://schemas.microsoft.com/office/drawing/2014/main" id="{573A224F-7F18-CB59-9F19-2097F5D27397}"/>
+              </a:ext>
+            </a:extLst>
+          </p:cNvPr>
+          <p:cNvSpPr/>
+          <p:nvPr/>
+        </p:nvSpPr>
+        <p:spPr>
+          <a:xfrm>
+            <a:off x="4395182" y="10208946"/>
+            <a:ext cx="1389089" cy="270800"/>
+          </a:xfrm>
+          <a:prstGeom prst="rect">
+            <a:avLst/>
+          </a:prstGeom>
+          <a:noFill/>
+          <a:ln>
+            <a:noFill/>
+          </a:ln>
+        </p:spPr>
+        <p:style>
+          <a:lnRef idx="2">
+            <a:schemeClr val="dk1"/>
+          </a:lnRef>
+          <a:fillRef idx="1">
+            <a:schemeClr val="lt1"/>
+          </a:fillRef>
+          <a:effectRef idx="0">
+            <a:schemeClr val="dk1"/>
+          </a:effectRef>
+          <a:fontRef idx="minor">
+            <a:schemeClr val="dk1"/>
+          </a:fontRef>
+        </p:style>
+        <p:txBody>
+          <a:bodyPr rtlCol="0" anchor="ctr"/>
+          <a:lstStyle/>
+          <a:p>
+            <a:pPr marL="91440" indent="-91440" defTabSz="457200">
+              <a:buFont typeface="Arial" panose="020B0604020202020204" pitchFamily="34" charset="0"/>
+              <a:buChar char="•"/>
+            </a:pPr>
+            <a:r>
+              <a:rPr lang="en-US" sz="700" dirty="0"/>
+              <a:t>iron + steel</a:t>
+            </a:r>
+          </a:p>
+          <a:p>
+            <a:pPr marL="91440" indent="-91440" defTabSz="457200">
+              <a:buFont typeface="Arial" panose="020B0604020202020204" pitchFamily="34" charset="0"/>
+              <a:buChar char="•"/>
+            </a:pPr>
+            <a:r>
+              <a:rPr lang="en-US" sz="700" dirty="0"/>
+              <a:t>copper</a:t>
+            </a:r>
+          </a:p>
+          <a:p>
+            <a:pPr marL="91440" indent="-91440" defTabSz="457200">
+              <a:buFont typeface="Arial" panose="020B0604020202020204" pitchFamily="34" charset="0"/>
+              <a:buChar char="•"/>
+            </a:pPr>
+            <a:r>
+              <a:rPr lang="en-US" sz="700" dirty="0" err="1"/>
+              <a:t>aluminium</a:t>
+            </a:r>
+            <a:endParaRPr lang="en-US" sz="700" dirty="0"/>
+          </a:p>
+          <a:p>
+            <a:pPr marL="91440" indent="-91440" defTabSz="457200">
+              <a:buFont typeface="Arial" panose="020B0604020202020204" pitchFamily="34" charset="0"/>
+              <a:buChar char="•"/>
+            </a:pPr>
+            <a:r>
+              <a:rPr lang="en-US" sz="700" dirty="0"/>
+              <a:t>other</a:t>
+            </a:r>
+          </a:p>
+        </p:txBody>
+      </p:sp>
+      <p:sp>
+        <p:nvSpPr>
+          <p:cNvPr id="198" name="Rechteck 197">
+            <a:extLst>
+              <a:ext uri="{FF2B5EF4-FFF2-40B4-BE49-F238E27FC236}">
+                <a16:creationId xmlns:a16="http://schemas.microsoft.com/office/drawing/2014/main" id="{78F7CE0D-F258-A3D6-C2F1-F02B9D43F9A9}"/>
+              </a:ext>
+            </a:extLst>
+          </p:cNvPr>
+          <p:cNvSpPr/>
+          <p:nvPr/>
+        </p:nvSpPr>
+        <p:spPr>
+          <a:xfrm>
+            <a:off x="4392581" y="10816765"/>
+            <a:ext cx="1389089" cy="270800"/>
+          </a:xfrm>
+          <a:prstGeom prst="rect">
+            <a:avLst/>
+          </a:prstGeom>
+          <a:noFill/>
+          <a:ln>
+            <a:noFill/>
+          </a:ln>
+        </p:spPr>
+        <p:style>
+          <a:lnRef idx="2">
+            <a:schemeClr val="dk1"/>
+          </a:lnRef>
+          <a:fillRef idx="1">
+            <a:schemeClr val="lt1"/>
+          </a:fillRef>
+          <a:effectRef idx="0">
+            <a:schemeClr val="dk1"/>
+          </a:effectRef>
+          <a:fontRef idx="minor">
+            <a:schemeClr val="dk1"/>
+          </a:fontRef>
+        </p:style>
+        <p:txBody>
+          <a:bodyPr rtlCol="0" anchor="ctr"/>
+          <a:lstStyle/>
+          <a:p>
+            <a:pPr marL="91440" indent="-91440" defTabSz="457200">
+              <a:buFont typeface="Arial" panose="020B0604020202020204" pitchFamily="34" charset="0"/>
+              <a:buChar char="•"/>
+            </a:pPr>
+            <a:r>
+              <a:rPr lang="en-US" sz="700" dirty="0"/>
+              <a:t>concrete</a:t>
+            </a:r>
+          </a:p>
+          <a:p>
+            <a:pPr marL="91440" indent="-91440" defTabSz="457200">
+              <a:buFont typeface="Arial" panose="020B0604020202020204" pitchFamily="34" charset="0"/>
+              <a:buChar char="•"/>
+            </a:pPr>
+            <a:r>
+              <a:rPr lang="en-US" sz="700" dirty="0"/>
+              <a:t>bricks</a:t>
+            </a:r>
+          </a:p>
+          <a:p>
+            <a:pPr marL="91440" indent="-91440" defTabSz="457200">
+              <a:buFont typeface="Arial" panose="020B0604020202020204" pitchFamily="34" charset="0"/>
+              <a:buChar char="•"/>
+            </a:pPr>
+            <a:r>
+              <a:rPr lang="en-US" sz="700" dirty="0"/>
+              <a:t>glass</a:t>
+            </a:r>
+          </a:p>
+          <a:p>
+            <a:pPr marL="91440" indent="-91440" defTabSz="457200">
+              <a:buFont typeface="Arial" panose="020B0604020202020204" pitchFamily="34" charset="0"/>
+              <a:buChar char="•"/>
+            </a:pPr>
+            <a:r>
+              <a:rPr lang="en-US" sz="700" dirty="0"/>
+              <a:t>aggregate </a:t>
+            </a:r>
+            <a:br>
+              <a:rPr lang="en-US" sz="700" dirty="0"/>
+            </a:br>
+            <a:r>
+              <a:rPr lang="en-US" sz="700" dirty="0"/>
+              <a:t>(exc. concrete)</a:t>
+            </a:r>
+          </a:p>
+          <a:p>
+            <a:pPr marL="91440" indent="-91440" defTabSz="457200">
+              <a:buFont typeface="Arial" panose="020B0604020202020204" pitchFamily="34" charset="0"/>
+              <a:buChar char="•"/>
+            </a:pPr>
+            <a:r>
+              <a:rPr lang="en-US" sz="700" dirty="0"/>
+              <a:t>other</a:t>
+            </a:r>
+          </a:p>
+        </p:txBody>
+      </p:sp>
+      <p:sp>
+        <p:nvSpPr>
+          <p:cNvPr id="199" name="Rechteck 198">
+            <a:extLst>
+              <a:ext uri="{FF2B5EF4-FFF2-40B4-BE49-F238E27FC236}">
+                <a16:creationId xmlns:a16="http://schemas.microsoft.com/office/drawing/2014/main" id="{25781CB2-3C59-DC03-BE00-C024B74A3596}"/>
+              </a:ext>
+            </a:extLst>
+          </p:cNvPr>
+          <p:cNvSpPr/>
+          <p:nvPr/>
+        </p:nvSpPr>
+        <p:spPr>
+          <a:xfrm>
+            <a:off x="4395182" y="11380304"/>
+            <a:ext cx="1389089" cy="270800"/>
+          </a:xfrm>
+          <a:prstGeom prst="rect">
+            <a:avLst/>
+          </a:prstGeom>
+          <a:noFill/>
+          <a:ln>
+            <a:noFill/>
+          </a:ln>
+        </p:spPr>
+        <p:style>
+          <a:lnRef idx="2">
+            <a:schemeClr val="dk1"/>
+          </a:lnRef>
+          <a:fillRef idx="1">
+            <a:schemeClr val="lt1"/>
+          </a:fillRef>
+          <a:effectRef idx="0">
+            <a:schemeClr val="dk1"/>
+          </a:effectRef>
+          <a:fontRef idx="minor">
+            <a:schemeClr val="dk1"/>
+          </a:fontRef>
+        </p:style>
+        <p:txBody>
+          <a:bodyPr rtlCol="0" anchor="ctr"/>
+          <a:lstStyle/>
+          <a:p>
+            <a:pPr marL="91440" indent="-91440" defTabSz="457200">
+              <a:buFont typeface="Arial" panose="020B0604020202020204" pitchFamily="34" charset="0"/>
+              <a:buChar char="•"/>
+            </a:pPr>
+            <a:r>
+              <a:rPr lang="en-US" sz="700" dirty="0"/>
+              <a:t>timber</a:t>
+            </a:r>
+          </a:p>
+          <a:p>
+            <a:pPr marL="91440" indent="-91440" defTabSz="457200">
+              <a:buFont typeface="Arial" panose="020B0604020202020204" pitchFamily="34" charset="0"/>
+              <a:buChar char="•"/>
+            </a:pPr>
+            <a:r>
+              <a:rPr lang="en-US" sz="700" dirty="0"/>
+              <a:t>other</a:t>
+            </a:r>
+          </a:p>
+        </p:txBody>
+      </p:sp>
+      <p:sp>
+        <p:nvSpPr>
+          <p:cNvPr id="200" name="Rechteck 199">
+            <a:extLst>
+              <a:ext uri="{FF2B5EF4-FFF2-40B4-BE49-F238E27FC236}">
+                <a16:creationId xmlns:a16="http://schemas.microsoft.com/office/drawing/2014/main" id="{B1708AF4-A9D5-9E82-AFE3-18C4F384D412}"/>
+              </a:ext>
+            </a:extLst>
+          </p:cNvPr>
+          <p:cNvSpPr/>
+          <p:nvPr/>
+        </p:nvSpPr>
+        <p:spPr>
+          <a:xfrm>
+            <a:off x="5906381" y="10543440"/>
+            <a:ext cx="1389089" cy="270800"/>
+          </a:xfrm>
+          <a:prstGeom prst="rect">
+            <a:avLst/>
+          </a:prstGeom>
+          <a:noFill/>
+          <a:ln>
+            <a:noFill/>
+          </a:ln>
+        </p:spPr>
+        <p:style>
+          <a:lnRef idx="2">
+            <a:schemeClr val="dk1"/>
+          </a:lnRef>
+          <a:fillRef idx="1">
+            <a:schemeClr val="lt1"/>
+          </a:fillRef>
+          <a:effectRef idx="0">
+            <a:schemeClr val="dk1"/>
+          </a:effectRef>
+          <a:fontRef idx="minor">
+            <a:schemeClr val="dk1"/>
+          </a:fontRef>
+        </p:style>
+        <p:txBody>
+          <a:bodyPr rtlCol="0" anchor="ctr"/>
+          <a:lstStyle/>
+          <a:p>
+            <a:pPr marL="91440" indent="-91440" defTabSz="457200">
+              <a:buFont typeface="Arial" panose="020B0604020202020204" pitchFamily="34" charset="0"/>
+              <a:buChar char="•"/>
+            </a:pPr>
+            <a:r>
+              <a:rPr lang="en-US" sz="700" dirty="0"/>
+              <a:t>bitumen</a:t>
+            </a:r>
+          </a:p>
+          <a:p>
+            <a:pPr marL="91440" indent="-91440" defTabSz="457200">
+              <a:buFont typeface="Arial" panose="020B0604020202020204" pitchFamily="34" charset="0"/>
+              <a:buChar char="•"/>
+            </a:pPr>
+            <a:r>
+              <a:rPr lang="en-US" sz="700" dirty="0"/>
+              <a:t>other</a:t>
+            </a:r>
+          </a:p>
+        </p:txBody>
+      </p:sp>
+      <p:pic>
+        <p:nvPicPr>
+          <p:cNvPr id="201" name="Grafik 200">
+            <a:extLst>
+              <a:ext uri="{FF2B5EF4-FFF2-40B4-BE49-F238E27FC236}">
+                <a16:creationId xmlns:a16="http://schemas.microsoft.com/office/drawing/2014/main" id="{8E10356A-3144-A423-C442-8BAFFD2F3D18}"/>
+              </a:ext>
+            </a:extLst>
+          </p:cNvPr>
+          <p:cNvPicPr>
+            <a:picLocks noChangeAspect="1"/>
+          </p:cNvPicPr>
+          <p:nvPr/>
+        </p:nvPicPr>
+        <p:blipFill>
+          <a:blip r:embed="rId13">
+            <a:clrChange>
+              <a:clrFrom>
+                <a:srgbClr val="F8FAFB"/>
+              </a:clrFrom>
+              <a:clrTo>
+                <a:srgbClr val="F8FAFB">
+                  <a:alpha val="0"/>
+                </a:srgbClr>
+              </a:clrTo>
+            </a:clrChange>
+          </a:blip>
+          <a:stretch>
+            <a:fillRect/>
+          </a:stretch>
+        </p:blipFill>
+        <p:spPr>
+          <a:xfrm flipV="1">
+            <a:off x="5301616" y="11120864"/>
+            <a:ext cx="291850" cy="151796"/>
+          </a:xfrm>
+          <a:prstGeom prst="rect">
+            <a:avLst/>
+          </a:prstGeom>
+        </p:spPr>
+      </p:pic>
+      <p:sp>
+        <p:nvSpPr>
+          <p:cNvPr id="202" name="Rechteck 201">
+            <a:extLst>
+              <a:ext uri="{FF2B5EF4-FFF2-40B4-BE49-F238E27FC236}">
+                <a16:creationId xmlns:a16="http://schemas.microsoft.com/office/drawing/2014/main" id="{D875458A-972A-09AB-E420-C5DD6A024EAE}"/>
+              </a:ext>
+            </a:extLst>
+          </p:cNvPr>
+          <p:cNvSpPr/>
+          <p:nvPr/>
+        </p:nvSpPr>
+        <p:spPr>
+          <a:xfrm rot="16200000" flipH="1">
+            <a:off x="5468428" y="11048101"/>
+            <a:ext cx="733663" cy="270800"/>
+          </a:xfrm>
+          <a:prstGeom prst="rect">
+            <a:avLst/>
+          </a:prstGeom>
+          <a:noFill/>
+          <a:ln>
+            <a:noFill/>
+          </a:ln>
+        </p:spPr>
+        <p:style>
+          <a:lnRef idx="2">
+            <a:schemeClr val="dk1"/>
+          </a:lnRef>
+          <a:fillRef idx="1">
+            <a:schemeClr val="lt1"/>
+          </a:fillRef>
+          <a:effectRef idx="0">
+            <a:schemeClr val="dk1"/>
+          </a:effectRef>
+          <a:fontRef idx="minor">
+            <a:schemeClr val="dk1"/>
+          </a:fontRef>
+        </p:style>
+        <p:txBody>
+          <a:bodyPr rtlCol="0" anchor="ctr"/>
+          <a:lstStyle/>
+          <a:p>
+            <a:pPr algn="ctr"/>
+            <a:r>
+              <a:rPr lang="en-US" sz="700" b="1" dirty="0"/>
+              <a:t>all other </a:t>
+            </a:r>
+          </a:p>
+          <a:p>
+            <a:pPr algn="ctr"/>
+            <a:r>
+              <a:rPr lang="en-US" sz="700" b="1" dirty="0"/>
+              <a:t>materials</a:t>
+            </a:r>
+            <a:endParaRPr lang="en-US" sz="900" b="1" dirty="0"/>
+          </a:p>
+        </p:txBody>
+      </p:sp>
+      <p:sp>
+        <p:nvSpPr>
+          <p:cNvPr id="205" name="Rechteck 204">
+            <a:extLst>
+              <a:ext uri="{FF2B5EF4-FFF2-40B4-BE49-F238E27FC236}">
+                <a16:creationId xmlns:a16="http://schemas.microsoft.com/office/drawing/2014/main" id="{E43FC7A9-027B-B99C-E74A-1AEA379B0E5A}"/>
+              </a:ext>
+            </a:extLst>
+          </p:cNvPr>
+          <p:cNvSpPr/>
+          <p:nvPr/>
+        </p:nvSpPr>
+        <p:spPr>
+          <a:xfrm rot="1787013">
+            <a:off x="143342" y="10552465"/>
+            <a:ext cx="564332" cy="270800"/>
+          </a:xfrm>
+          <a:prstGeom prst="rect">
+            <a:avLst/>
+          </a:prstGeom>
+          <a:noFill/>
+          <a:ln>
+            <a:noFill/>
+          </a:ln>
+        </p:spPr>
+        <p:style>
+          <a:lnRef idx="2">
+            <a:schemeClr val="dk1"/>
+          </a:lnRef>
+          <a:fillRef idx="1">
+            <a:schemeClr val="lt1"/>
+          </a:fillRef>
+          <a:effectRef idx="0">
+            <a:schemeClr val="dk1"/>
+          </a:effectRef>
+          <a:fontRef idx="minor">
+            <a:schemeClr val="dk1"/>
+          </a:fontRef>
+        </p:style>
+        <p:txBody>
+          <a:bodyPr rtlCol="0" anchor="ctr"/>
+          <a:lstStyle/>
+          <a:p>
+            <a:pPr defTabSz="457200"/>
+            <a:r>
+              <a:rPr lang="en-US" sz="700" dirty="0"/>
+              <a:t>area (m²)</a:t>
+            </a:r>
+          </a:p>
+        </p:txBody>
+      </p:sp>
+      <p:sp>
+        <p:nvSpPr>
+          <p:cNvPr id="211" name="Rechteck 210">
+            <a:extLst>
+              <a:ext uri="{FF2B5EF4-FFF2-40B4-BE49-F238E27FC236}">
+                <a16:creationId xmlns:a16="http://schemas.microsoft.com/office/drawing/2014/main" id="{B14FEBB2-6B3C-EF27-6CD9-53785E4268BE}"/>
+              </a:ext>
+            </a:extLst>
+          </p:cNvPr>
+          <p:cNvSpPr/>
+          <p:nvPr/>
+        </p:nvSpPr>
+        <p:spPr>
+          <a:xfrm>
+            <a:off x="230430" y="9904116"/>
+            <a:ext cx="678030" cy="270800"/>
+          </a:xfrm>
+          <a:prstGeom prst="rect">
+            <a:avLst/>
+          </a:prstGeom>
+          <a:noFill/>
+          <a:ln>
+            <a:noFill/>
+          </a:ln>
+        </p:spPr>
+        <p:style>
+          <a:lnRef idx="2">
+            <a:schemeClr val="dk1"/>
+          </a:lnRef>
+          <a:fillRef idx="1">
+            <a:schemeClr val="lt1"/>
+          </a:fillRef>
+          <a:effectRef idx="0">
+            <a:schemeClr val="dk1"/>
+          </a:effectRef>
+          <a:fontRef idx="minor">
+            <a:schemeClr val="dk1"/>
+          </a:fontRef>
+        </p:style>
+        <p:txBody>
+          <a:bodyPr rtlCol="0" anchor="ctr"/>
+          <a:lstStyle/>
+          <a:p>
+            <a:pPr defTabSz="457200"/>
+            <a:r>
+              <a:rPr lang="en-US" sz="700" dirty="0"/>
+              <a:t>volume (m³)</a:t>
+            </a:r>
+          </a:p>
+        </p:txBody>
+      </p:sp>
+      <p:sp>
+        <p:nvSpPr>
+          <p:cNvPr id="219" name="Rechteck 218">
+            <a:extLst>
+              <a:ext uri="{FF2B5EF4-FFF2-40B4-BE49-F238E27FC236}">
+                <a16:creationId xmlns:a16="http://schemas.microsoft.com/office/drawing/2014/main" id="{11690C66-7D21-793C-4E62-589C3CA155CC}"/>
+              </a:ext>
+            </a:extLst>
+          </p:cNvPr>
+          <p:cNvSpPr/>
+          <p:nvPr/>
+        </p:nvSpPr>
+        <p:spPr>
+          <a:xfrm rot="16200000">
+            <a:off x="575361" y="10259460"/>
+            <a:ext cx="564332" cy="270800"/>
+          </a:xfrm>
+          <a:prstGeom prst="rect">
+            <a:avLst/>
+          </a:prstGeom>
+          <a:noFill/>
+          <a:ln>
+            <a:noFill/>
+          </a:ln>
+        </p:spPr>
+        <p:style>
+          <a:lnRef idx="2">
+            <a:schemeClr val="dk1"/>
+          </a:lnRef>
+          <a:fillRef idx="1">
+            <a:schemeClr val="lt1"/>
+          </a:fillRef>
+          <a:effectRef idx="0">
+            <a:schemeClr val="dk1"/>
+          </a:effectRef>
+          <a:fontRef idx="minor">
+            <a:schemeClr val="dk1"/>
+          </a:fontRef>
+        </p:style>
+        <p:txBody>
+          <a:bodyPr rtlCol="0" anchor="ctr"/>
+          <a:lstStyle/>
+          <a:p>
+            <a:pPr defTabSz="457200"/>
+            <a:r>
+              <a:rPr lang="en-US" sz="700" dirty="0"/>
+              <a:t>height (m)</a:t>
+            </a:r>
+          </a:p>
+        </p:txBody>
+      </p:sp>
+      <p:sp>
+        <p:nvSpPr>
+          <p:cNvPr id="222" name="Rechteck 221">
+            <a:extLst>
+              <a:ext uri="{FF2B5EF4-FFF2-40B4-BE49-F238E27FC236}">
+                <a16:creationId xmlns:a16="http://schemas.microsoft.com/office/drawing/2014/main" id="{BCAF1BB5-6A6E-7270-D191-D81E28688E3E}"/>
+              </a:ext>
+            </a:extLst>
+          </p:cNvPr>
+          <p:cNvSpPr/>
+          <p:nvPr/>
+        </p:nvSpPr>
+        <p:spPr>
+          <a:xfrm>
+            <a:off x="1304555" y="12622731"/>
+            <a:ext cx="3372283" cy="485437"/>
+          </a:xfrm>
+          <a:prstGeom prst="rect">
+            <a:avLst/>
+          </a:prstGeom>
+          <a:noFill/>
+        </p:spPr>
+        <p:style>
+          <a:lnRef idx="2">
+            <a:schemeClr val="accent1">
+              <a:shade val="50000"/>
+            </a:schemeClr>
+          </a:lnRef>
+          <a:fillRef idx="1">
+            <a:schemeClr val="accent1"/>
+          </a:fillRef>
+          <a:effectRef idx="0">
+            <a:schemeClr val="accent1"/>
+          </a:effectRef>
+          <a:fontRef idx="minor">
+            <a:schemeClr val="lt1"/>
+          </a:fontRef>
+        </p:style>
+        <p:txBody>
+          <a:bodyPr rtlCol="0" anchor="ctr"/>
+          <a:lstStyle/>
+          <a:p>
+            <a:pPr algn="ctr"/>
+            <a:endParaRPr lang="en-US"/>
+          </a:p>
+        </p:txBody>
+      </p:sp>
+      <p:sp>
+        <p:nvSpPr>
+          <p:cNvPr id="223" name="Rechteck 222">
+            <a:extLst>
+              <a:ext uri="{FF2B5EF4-FFF2-40B4-BE49-F238E27FC236}">
+                <a16:creationId xmlns:a16="http://schemas.microsoft.com/office/drawing/2014/main" id="{AF5FBF14-BC83-8BB3-8880-037CBD96AFF0}"/>
+              </a:ext>
+            </a:extLst>
+          </p:cNvPr>
+          <p:cNvSpPr/>
+          <p:nvPr/>
+        </p:nvSpPr>
+        <p:spPr>
+          <a:xfrm>
+            <a:off x="954251" y="9661969"/>
+            <a:ext cx="49880" cy="2851192"/>
+          </a:xfrm>
+          <a:prstGeom prst="rect">
+            <a:avLst/>
+          </a:prstGeom>
+          <a:solidFill>
+            <a:schemeClr val="bg1"/>
+          </a:solidFill>
+          <a:ln>
+            <a:solidFill>
+              <a:schemeClr val="bg1"/>
+            </a:solidFill>
+          </a:ln>
+        </p:spPr>
+        <p:style>
+          <a:lnRef idx="2">
+            <a:schemeClr val="accent1">
+              <a:shade val="50000"/>
+            </a:schemeClr>
+          </a:lnRef>
+          <a:fillRef idx="1">
+            <a:schemeClr val="accent1"/>
+          </a:fillRef>
+          <a:effectRef idx="0">
+            <a:schemeClr val="accent1"/>
+          </a:effectRef>
+          <a:fontRef idx="minor">
+            <a:schemeClr val="lt1"/>
+          </a:fontRef>
+        </p:style>
+        <p:txBody>
+          <a:bodyPr rtlCol="0" anchor="ctr"/>
+          <a:lstStyle/>
+          <a:p>
+            <a:pPr algn="ctr"/>
+            <a:endParaRPr lang="en-US"/>
+          </a:p>
+        </p:txBody>
+      </p:sp>
+      <p:pic>
+        <p:nvPicPr>
+          <p:cNvPr id="244" name="Grafik 243" descr="Würfel mit einfarbiger Füllung">
+            <a:extLst>
+              <a:ext uri="{FF2B5EF4-FFF2-40B4-BE49-F238E27FC236}">
+                <a16:creationId xmlns:a16="http://schemas.microsoft.com/office/drawing/2014/main" id="{40ADDD43-9A52-F8D5-D800-4DBAC3751256}"/>
+              </a:ext>
+            </a:extLst>
+          </p:cNvPr>
+          <p:cNvPicPr>
+            <a:picLocks noChangeAspect="1"/>
+          </p:cNvPicPr>
+          <p:nvPr/>
+        </p:nvPicPr>
+        <p:blipFill>
+          <a:blip r:embed="rId17">
+            <a:extLst>
+              <a:ext uri="{96DAC541-7B7A-43D3-8B79-37D633B846F1}">
+                <asvg:svgBlip xmlns:asvg="http://schemas.microsoft.com/office/drawing/2016/SVG/main" r:embed="rId18"/>
+              </a:ext>
+            </a:extLst>
+          </a:blip>
+          <a:stretch>
+            <a:fillRect/>
+          </a:stretch>
+        </p:blipFill>
+        <p:spPr>
+          <a:xfrm>
+            <a:off x="208964" y="10056649"/>
+            <a:ext cx="648812" cy="648812"/>
+          </a:xfrm>
+          <a:prstGeom prst="rect">
+            <a:avLst/>
+          </a:prstGeom>
+        </p:spPr>
+      </p:pic>
+      <p:sp>
+        <p:nvSpPr>
+          <p:cNvPr id="249" name="Freihandform: Form 248">
+            <a:extLst>
+              <a:ext uri="{FF2B5EF4-FFF2-40B4-BE49-F238E27FC236}">
+                <a16:creationId xmlns:a16="http://schemas.microsoft.com/office/drawing/2014/main" id="{9826C54C-A49F-03DD-5BAB-670A0EF39EFC}"/>
+              </a:ext>
+            </a:extLst>
+          </p:cNvPr>
+          <p:cNvSpPr/>
+          <p:nvPr/>
+        </p:nvSpPr>
+        <p:spPr>
+          <a:xfrm rot="993204">
+            <a:off x="507134" y="11063118"/>
+            <a:ext cx="185629" cy="753576"/>
+          </a:xfrm>
+          <a:custGeom>
+            <a:avLst/>
+            <a:gdLst>
+              <a:gd name="connsiteX0" fmla="*/ 0 w 185629"/>
+              <a:gd name="connsiteY0" fmla="*/ 753576 h 753576"/>
+              <a:gd name="connsiteX1" fmla="*/ 183799 w 185629"/>
+              <a:gd name="connsiteY1" fmla="*/ 404358 h 753576"/>
+              <a:gd name="connsiteX2" fmla="*/ 96495 w 185629"/>
+              <a:gd name="connsiteY2" fmla="*/ 101090 h 753576"/>
+              <a:gd name="connsiteX3" fmla="*/ 133255 w 185629"/>
+              <a:gd name="connsiteY3" fmla="*/ 0 h 753576"/>
+            </a:gdLst>
+            <a:ahLst/>
+            <a:cxnLst>
+              <a:cxn ang="0">
+                <a:pos x="connsiteX0" y="connsiteY0"/>
+              </a:cxn>
+              <a:cxn ang="0">
+                <a:pos x="connsiteX1" y="connsiteY1"/>
+              </a:cxn>
+              <a:cxn ang="0">
+                <a:pos x="connsiteX2" y="connsiteY2"/>
+              </a:cxn>
+              <a:cxn ang="0">
+                <a:pos x="connsiteX3" y="connsiteY3"/>
+              </a:cxn>
+            </a:cxnLst>
+            <a:rect l="l" t="t" r="r" b="b"/>
+            <a:pathLst>
+              <a:path w="185629" h="753576">
+                <a:moveTo>
+                  <a:pt x="0" y="753576"/>
+                </a:moveTo>
+                <a:cubicBezTo>
+                  <a:pt x="83858" y="633341"/>
+                  <a:pt x="167717" y="513106"/>
+                  <a:pt x="183799" y="404358"/>
+                </a:cubicBezTo>
+                <a:cubicBezTo>
+                  <a:pt x="199881" y="295610"/>
+                  <a:pt x="104919" y="168483"/>
+                  <a:pt x="96495" y="101090"/>
+                </a:cubicBezTo>
+                <a:cubicBezTo>
+                  <a:pt x="88071" y="33697"/>
+                  <a:pt x="110663" y="16848"/>
+                  <a:pt x="133255" y="0"/>
+                </a:cubicBezTo>
+              </a:path>
+            </a:pathLst>
+          </a:custGeom>
+          <a:noFill/>
+          <a:ln w="123825">
+            <a:solidFill>
+              <a:schemeClr val="tx1"/>
+            </a:solidFill>
+          </a:ln>
+        </p:spPr>
+        <p:style>
+          <a:lnRef idx="2">
+            <a:schemeClr val="accent1">
+              <a:shade val="50000"/>
+            </a:schemeClr>
+          </a:lnRef>
+          <a:fillRef idx="1">
+            <a:schemeClr val="accent1"/>
+          </a:fillRef>
+          <a:effectRef idx="0">
+            <a:schemeClr val="accent1"/>
+          </a:effectRef>
+          <a:fontRef idx="minor">
+            <a:schemeClr val="lt1"/>
+          </a:fontRef>
+        </p:style>
+        <p:txBody>
+          <a:bodyPr rtlCol="0" anchor="ctr"/>
+          <a:lstStyle/>
+          <a:p>
+            <a:pPr algn="ctr"/>
+            <a:endParaRPr lang="en-US"/>
+          </a:p>
+        </p:txBody>
+      </p:sp>
+      <p:sp>
+        <p:nvSpPr>
+          <p:cNvPr id="254" name="Freihandform: Form 253">
+            <a:extLst>
+              <a:ext uri="{FF2B5EF4-FFF2-40B4-BE49-F238E27FC236}">
+                <a16:creationId xmlns:a16="http://schemas.microsoft.com/office/drawing/2014/main" id="{D6A141E1-A316-43F0-B093-A530920A5EB3}"/>
+              </a:ext>
+            </a:extLst>
+          </p:cNvPr>
+          <p:cNvSpPr/>
+          <p:nvPr/>
+        </p:nvSpPr>
+        <p:spPr>
+          <a:xfrm rot="993204">
+            <a:off x="507801" y="11058251"/>
+            <a:ext cx="185629" cy="753576"/>
+          </a:xfrm>
+          <a:custGeom>
+            <a:avLst/>
+            <a:gdLst>
+              <a:gd name="connsiteX0" fmla="*/ 0 w 185629"/>
+              <a:gd name="connsiteY0" fmla="*/ 753576 h 753576"/>
+              <a:gd name="connsiteX1" fmla="*/ 183799 w 185629"/>
+              <a:gd name="connsiteY1" fmla="*/ 404358 h 753576"/>
+              <a:gd name="connsiteX2" fmla="*/ 96495 w 185629"/>
+              <a:gd name="connsiteY2" fmla="*/ 101090 h 753576"/>
+              <a:gd name="connsiteX3" fmla="*/ 133255 w 185629"/>
+              <a:gd name="connsiteY3" fmla="*/ 0 h 753576"/>
+            </a:gdLst>
+            <a:ahLst/>
+            <a:cxnLst>
+              <a:cxn ang="0">
+                <a:pos x="connsiteX0" y="connsiteY0"/>
+              </a:cxn>
+              <a:cxn ang="0">
+                <a:pos x="connsiteX1" y="connsiteY1"/>
+              </a:cxn>
+              <a:cxn ang="0">
+                <a:pos x="connsiteX2" y="connsiteY2"/>
+              </a:cxn>
+              <a:cxn ang="0">
+                <a:pos x="connsiteX3" y="connsiteY3"/>
+              </a:cxn>
+            </a:cxnLst>
+            <a:rect l="l" t="t" r="r" b="b"/>
+            <a:pathLst>
+              <a:path w="185629" h="753576">
+                <a:moveTo>
+                  <a:pt x="0" y="753576"/>
+                </a:moveTo>
+                <a:cubicBezTo>
+                  <a:pt x="83858" y="633341"/>
+                  <a:pt x="167717" y="513106"/>
+                  <a:pt x="183799" y="404358"/>
+                </a:cubicBezTo>
+                <a:cubicBezTo>
+                  <a:pt x="199881" y="295610"/>
+                  <a:pt x="104919" y="168483"/>
+                  <a:pt x="96495" y="101090"/>
+                </a:cubicBezTo>
+                <a:cubicBezTo>
+                  <a:pt x="88071" y="33697"/>
+                  <a:pt x="110663" y="16848"/>
+                  <a:pt x="133255" y="0"/>
+                </a:cubicBezTo>
+              </a:path>
+            </a:pathLst>
+          </a:custGeom>
+          <a:noFill/>
+          <a:ln w="57150">
+            <a:solidFill>
+              <a:schemeClr val="bg1"/>
+            </a:solidFill>
+          </a:ln>
+        </p:spPr>
+        <p:style>
+          <a:lnRef idx="2">
+            <a:schemeClr val="accent1">
+              <a:shade val="50000"/>
+            </a:schemeClr>
+          </a:lnRef>
+          <a:fillRef idx="1">
+            <a:schemeClr val="accent1"/>
+          </a:fillRef>
+          <a:effectRef idx="0">
+            <a:schemeClr val="accent1"/>
+          </a:effectRef>
+          <a:fontRef idx="minor">
+            <a:schemeClr val="lt1"/>
+          </a:fontRef>
+        </p:style>
+        <p:txBody>
+          <a:bodyPr rtlCol="0" anchor="ctr"/>
+          <a:lstStyle/>
+          <a:p>
+            <a:pPr algn="ctr"/>
+            <a:endParaRPr lang="en-US"/>
+          </a:p>
+        </p:txBody>
+      </p:sp>
+      <p:sp>
+        <p:nvSpPr>
+          <p:cNvPr id="255" name="Rechteck 254">
+            <a:extLst>
+              <a:ext uri="{FF2B5EF4-FFF2-40B4-BE49-F238E27FC236}">
+                <a16:creationId xmlns:a16="http://schemas.microsoft.com/office/drawing/2014/main" id="{2DC0CB90-1FAC-0FB0-B753-26E8F375DB63}"/>
+              </a:ext>
+            </a:extLst>
+          </p:cNvPr>
+          <p:cNvSpPr/>
+          <p:nvPr/>
+        </p:nvSpPr>
+        <p:spPr>
+          <a:xfrm rot="19304436">
+            <a:off x="335799" y="11691906"/>
+            <a:ext cx="80726" cy="224921"/>
+          </a:xfrm>
+          <a:prstGeom prst="rect">
+            <a:avLst/>
+          </a:prstGeom>
+          <a:solidFill>
+            <a:srgbClr val="BFBFBF"/>
+          </a:solidFill>
+          <a:ln>
+            <a:noFill/>
+          </a:ln>
+        </p:spPr>
+        <p:style>
+          <a:lnRef idx="2">
+            <a:schemeClr val="accent1">
+              <a:shade val="50000"/>
+            </a:schemeClr>
+          </a:lnRef>
+          <a:fillRef idx="1">
+            <a:schemeClr val="accent1"/>
+          </a:fillRef>
+          <a:effectRef idx="0">
+            <a:schemeClr val="accent1"/>
+          </a:effectRef>
+          <a:fontRef idx="minor">
+            <a:schemeClr val="lt1"/>
+          </a:fontRef>
+        </p:style>
+        <p:txBody>
+          <a:bodyPr rtlCol="0" anchor="ctr"/>
+          <a:lstStyle/>
+          <a:p>
+            <a:pPr algn="ctr"/>
+            <a:endParaRPr lang="en-US"/>
+          </a:p>
+        </p:txBody>
+      </p:sp>
+      <p:sp>
+        <p:nvSpPr>
+          <p:cNvPr id="256" name="Rechteck 255">
+            <a:extLst>
+              <a:ext uri="{FF2B5EF4-FFF2-40B4-BE49-F238E27FC236}">
+                <a16:creationId xmlns:a16="http://schemas.microsoft.com/office/drawing/2014/main" id="{F97D02D6-96EB-EDFE-339D-35136CE2D259}"/>
+              </a:ext>
+            </a:extLst>
+          </p:cNvPr>
+          <p:cNvSpPr/>
+          <p:nvPr/>
+        </p:nvSpPr>
+        <p:spPr>
+          <a:xfrm rot="18288010">
+            <a:off x="688809" y="10966541"/>
+            <a:ext cx="80726" cy="224921"/>
+          </a:xfrm>
+          <a:prstGeom prst="rect">
+            <a:avLst/>
+          </a:prstGeom>
+          <a:solidFill>
+            <a:srgbClr val="BFBFBF"/>
+          </a:solidFill>
+          <a:ln>
+            <a:noFill/>
+          </a:ln>
+        </p:spPr>
+        <p:style>
+          <a:lnRef idx="2">
+            <a:schemeClr val="accent1">
+              <a:shade val="50000"/>
+            </a:schemeClr>
+          </a:lnRef>
+          <a:fillRef idx="1">
+            <a:schemeClr val="accent1"/>
+          </a:fillRef>
+          <a:effectRef idx="0">
+            <a:schemeClr val="accent1"/>
+          </a:effectRef>
+          <a:fontRef idx="minor">
+            <a:schemeClr val="lt1"/>
+          </a:fontRef>
+        </p:style>
+        <p:txBody>
+          <a:bodyPr rtlCol="0" anchor="ctr"/>
+          <a:lstStyle/>
+          <a:p>
+            <a:pPr algn="ctr"/>
+            <a:endParaRPr lang="en-US"/>
+          </a:p>
+        </p:txBody>
+      </p:sp>
+      <p:sp>
+        <p:nvSpPr>
+          <p:cNvPr id="257" name="Rechteck 256">
+            <a:extLst>
+              <a:ext uri="{FF2B5EF4-FFF2-40B4-BE49-F238E27FC236}">
+                <a16:creationId xmlns:a16="http://schemas.microsoft.com/office/drawing/2014/main" id="{10B207D7-2D80-692C-776A-000864D6F213}"/>
+              </a:ext>
+            </a:extLst>
+          </p:cNvPr>
+          <p:cNvSpPr/>
+          <p:nvPr/>
+        </p:nvSpPr>
+        <p:spPr>
+          <a:xfrm rot="18951532">
+            <a:off x="189355" y="11384101"/>
+            <a:ext cx="564332" cy="270800"/>
+          </a:xfrm>
+          <a:prstGeom prst="rect">
+            <a:avLst/>
+          </a:prstGeom>
+          <a:noFill/>
+          <a:ln>
+            <a:noFill/>
+          </a:ln>
+        </p:spPr>
+        <p:style>
+          <a:lnRef idx="2">
+            <a:schemeClr val="dk1"/>
+          </a:lnRef>
+          <a:fillRef idx="1">
+            <a:schemeClr val="lt1"/>
+          </a:fillRef>
+          <a:effectRef idx="0">
+            <a:schemeClr val="dk1"/>
+          </a:effectRef>
+          <a:fontRef idx="minor">
+            <a:schemeClr val="dk1"/>
+          </a:fontRef>
+        </p:style>
+        <p:txBody>
+          <a:bodyPr rtlCol="0" anchor="ctr"/>
+          <a:lstStyle/>
+          <a:p>
+            <a:pPr defTabSz="457200"/>
+            <a:r>
+              <a:rPr lang="en-US" sz="700" dirty="0"/>
+              <a:t>area (m²)</a:t>
+            </a:r>
+          </a:p>
+        </p:txBody>
+      </p:sp>
+      <p:sp>
+        <p:nvSpPr>
+          <p:cNvPr id="258" name="Rechteck 257">
+            <a:extLst>
+              <a:ext uri="{FF2B5EF4-FFF2-40B4-BE49-F238E27FC236}">
+                <a16:creationId xmlns:a16="http://schemas.microsoft.com/office/drawing/2014/main" id="{7B4DBDB7-0E02-7D17-7D8A-0BF44E5DE82A}"/>
+              </a:ext>
+            </a:extLst>
+          </p:cNvPr>
+          <p:cNvSpPr/>
+          <p:nvPr/>
+        </p:nvSpPr>
+        <p:spPr>
+          <a:xfrm>
+            <a:off x="3554947" y="9670136"/>
+            <a:ext cx="49880" cy="2851192"/>
+          </a:xfrm>
+          <a:prstGeom prst="rect">
+            <a:avLst/>
+          </a:prstGeom>
+          <a:solidFill>
+            <a:schemeClr val="bg1"/>
+          </a:solidFill>
+          <a:ln>
+            <a:solidFill>
+              <a:schemeClr val="bg1"/>
+            </a:solidFill>
+          </a:ln>
+        </p:spPr>
+        <p:style>
+          <a:lnRef idx="2">
+            <a:schemeClr val="accent1">
+              <a:shade val="50000"/>
+            </a:schemeClr>
+          </a:lnRef>
+          <a:fillRef idx="1">
+            <a:schemeClr val="accent1"/>
+          </a:fillRef>
+          <a:effectRef idx="0">
+            <a:schemeClr val="accent1"/>
+          </a:effectRef>
+          <a:fontRef idx="minor">
+            <a:schemeClr val="lt1"/>
+          </a:fontRef>
+        </p:style>
+        <p:txBody>
+          <a:bodyPr rtlCol="0" anchor="ctr"/>
+          <a:lstStyle/>
+          <a:p>
+            <a:pPr algn="ctr"/>
+            <a:endParaRPr lang="en-US"/>
+          </a:p>
+        </p:txBody>
+      </p:sp>
+      <p:sp>
+        <p:nvSpPr>
+          <p:cNvPr id="260" name="Rechteck 259">
+            <a:extLst>
+              <a:ext uri="{FF2B5EF4-FFF2-40B4-BE49-F238E27FC236}">
+                <a16:creationId xmlns:a16="http://schemas.microsoft.com/office/drawing/2014/main" id="{98B6DB8C-DA86-CD7A-F6AC-D4B9489438E1}"/>
+              </a:ext>
+            </a:extLst>
+          </p:cNvPr>
+          <p:cNvSpPr/>
+          <p:nvPr/>
+        </p:nvSpPr>
+        <p:spPr>
+          <a:xfrm rot="16200000">
+            <a:off x="1712423" y="9065443"/>
+            <a:ext cx="49880" cy="3657600"/>
+          </a:xfrm>
+          <a:prstGeom prst="rect">
+            <a:avLst/>
+          </a:prstGeom>
+          <a:solidFill>
+            <a:schemeClr val="bg1"/>
+          </a:solidFill>
+          <a:ln>
+            <a:solidFill>
+              <a:schemeClr val="bg1"/>
+            </a:solidFill>
+          </a:ln>
+        </p:spPr>
+        <p:style>
+          <a:lnRef idx="2">
+            <a:schemeClr val="accent1">
+              <a:shade val="50000"/>
+            </a:schemeClr>
+          </a:lnRef>
+          <a:fillRef idx="1">
+            <a:schemeClr val="accent1"/>
+          </a:fillRef>
+          <a:effectRef idx="0">
+            <a:schemeClr val="accent1"/>
+          </a:effectRef>
+          <a:fontRef idx="minor">
+            <a:schemeClr val="lt1"/>
+          </a:fontRef>
+        </p:style>
+        <p:txBody>
+          <a:bodyPr rtlCol="0" anchor="ctr"/>
+          <a:lstStyle/>
+          <a:p>
+            <a:pPr algn="ctr"/>
+            <a:endParaRPr lang="en-US"/>
+          </a:p>
+        </p:txBody>
+      </p:sp>
+      <p:sp>
+        <p:nvSpPr>
+          <p:cNvPr id="261" name="Gleichschenkliges Dreieck 260">
+            <a:extLst>
+              <a:ext uri="{FF2B5EF4-FFF2-40B4-BE49-F238E27FC236}">
+                <a16:creationId xmlns:a16="http://schemas.microsoft.com/office/drawing/2014/main" id="{350B8B8F-A60A-2597-0FA0-DACBEE45DA1B}"/>
+              </a:ext>
+            </a:extLst>
+          </p:cNvPr>
+          <p:cNvSpPr/>
+          <p:nvPr/>
+        </p:nvSpPr>
+        <p:spPr>
+          <a:xfrm rot="5400000">
+            <a:off x="3574581" y="12025779"/>
+            <a:ext cx="246068" cy="182880"/>
+          </a:xfrm>
+          <a:prstGeom prst="triangle">
+            <a:avLst/>
+          </a:prstGeom>
+          <a:solidFill>
+            <a:schemeClr val="bg1"/>
+          </a:solidFill>
+          <a:ln>
+            <a:solidFill>
+              <a:schemeClr val="bg1"/>
+            </a:solidFill>
+          </a:ln>
+        </p:spPr>
+        <p:style>
+          <a:lnRef idx="2">
+            <a:schemeClr val="accent1">
+              <a:shade val="50000"/>
+            </a:schemeClr>
+          </a:lnRef>
+          <a:fillRef idx="1">
+            <a:schemeClr val="accent1"/>
+          </a:fillRef>
+          <a:effectRef idx="0">
+            <a:schemeClr val="accent1"/>
+          </a:effectRef>
+          <a:fontRef idx="minor">
+            <a:schemeClr val="lt1"/>
+          </a:fontRef>
+        </p:style>
+        <p:txBody>
+          <a:bodyPr rtlCol="0" anchor="ctr"/>
+          <a:lstStyle/>
+          <a:p>
+            <a:pPr algn="ctr"/>
+            <a:endParaRPr lang="en-US"/>
+          </a:p>
+        </p:txBody>
+      </p:sp>
+      <p:sp>
+        <p:nvSpPr>
+          <p:cNvPr id="263" name="Gleichschenkliges Dreieck 262">
+            <a:extLst>
+              <a:ext uri="{FF2B5EF4-FFF2-40B4-BE49-F238E27FC236}">
+                <a16:creationId xmlns:a16="http://schemas.microsoft.com/office/drawing/2014/main" id="{DFB145DC-C645-E4DB-1796-8E3D74A64E76}"/>
+              </a:ext>
+            </a:extLst>
+          </p:cNvPr>
+          <p:cNvSpPr/>
+          <p:nvPr/>
+        </p:nvSpPr>
+        <p:spPr>
+          <a:xfrm rot="5400000">
+            <a:off x="970357" y="12024360"/>
+            <a:ext cx="246068" cy="182880"/>
+          </a:xfrm>
+          <a:prstGeom prst="triangle">
+            <a:avLst/>
+          </a:prstGeom>
+          <a:solidFill>
+            <a:schemeClr val="bg1"/>
+          </a:solidFill>
+          <a:ln>
+            <a:solidFill>
+              <a:schemeClr val="bg1"/>
+            </a:solidFill>
+          </a:ln>
+        </p:spPr>
+        <p:style>
+          <a:lnRef idx="2">
+            <a:schemeClr val="accent1">
+              <a:shade val="50000"/>
+            </a:schemeClr>
+          </a:lnRef>
+          <a:fillRef idx="1">
+            <a:schemeClr val="accent1"/>
+          </a:fillRef>
+          <a:effectRef idx="0">
+            <a:schemeClr val="accent1"/>
+          </a:effectRef>
+          <a:fontRef idx="minor">
+            <a:schemeClr val="lt1"/>
+          </a:fontRef>
+        </p:style>
+        <p:txBody>
+          <a:bodyPr rtlCol="0" anchor="ctr"/>
+          <a:lstStyle/>
+          <a:p>
+            <a:pPr algn="ctr"/>
+            <a:endParaRPr lang="en-US"/>
+          </a:p>
+        </p:txBody>
+      </p:sp>
+      <p:sp>
+        <p:nvSpPr>
+          <p:cNvPr id="264" name="Gleichschenkliges Dreieck 263">
+            <a:extLst>
+              <a:ext uri="{FF2B5EF4-FFF2-40B4-BE49-F238E27FC236}">
+                <a16:creationId xmlns:a16="http://schemas.microsoft.com/office/drawing/2014/main" id="{FBC7C63C-6D53-C774-89F0-BFA00DA3D43D}"/>
+              </a:ext>
+            </a:extLst>
+          </p:cNvPr>
+          <p:cNvSpPr/>
+          <p:nvPr/>
+        </p:nvSpPr>
+        <p:spPr>
+          <a:xfrm rot="5400000">
+            <a:off x="921245" y="12024360"/>
+            <a:ext cx="237744" cy="182880"/>
+          </a:xfrm>
+          <a:prstGeom prst="triangle">
+            <a:avLst/>
+          </a:prstGeom>
+          <a:solidFill>
+            <a:schemeClr val="tx1"/>
+          </a:solidFill>
+          <a:ln>
+            <a:solidFill>
+              <a:schemeClr val="tx1"/>
+            </a:solidFill>
+          </a:ln>
+        </p:spPr>
+        <p:style>
+          <a:lnRef idx="2">
+            <a:schemeClr val="accent1">
+              <a:shade val="50000"/>
+            </a:schemeClr>
+          </a:lnRef>
+          <a:fillRef idx="1">
+            <a:schemeClr val="accent1"/>
+          </a:fillRef>
+          <a:effectRef idx="0">
+            <a:schemeClr val="accent1"/>
+          </a:effectRef>
+          <a:fontRef idx="minor">
+            <a:schemeClr val="lt1"/>
+          </a:fontRef>
+        </p:style>
+        <p:txBody>
+          <a:bodyPr rtlCol="0" anchor="ctr"/>
+          <a:lstStyle/>
+          <a:p>
+            <a:pPr algn="ctr"/>
+            <a:endParaRPr lang="en-US"/>
+          </a:p>
+        </p:txBody>
+      </p:sp>
+      <p:sp>
+        <p:nvSpPr>
+          <p:cNvPr id="265" name="Gleichschenkliges Dreieck 264">
+            <a:extLst>
+              <a:ext uri="{FF2B5EF4-FFF2-40B4-BE49-F238E27FC236}">
+                <a16:creationId xmlns:a16="http://schemas.microsoft.com/office/drawing/2014/main" id="{FF57E5E9-57AF-81F7-44C7-5395ECEA23B4}"/>
+              </a:ext>
+            </a:extLst>
+          </p:cNvPr>
+          <p:cNvSpPr/>
+          <p:nvPr/>
+        </p:nvSpPr>
+        <p:spPr>
+          <a:xfrm rot="5400000">
+            <a:off x="3522340" y="12025416"/>
+            <a:ext cx="237744" cy="182880"/>
+          </a:xfrm>
+          <a:prstGeom prst="triangle">
+            <a:avLst/>
+          </a:prstGeom>
+          <a:solidFill>
+            <a:schemeClr val="tx1"/>
+          </a:solidFill>
+          <a:ln>
+            <a:solidFill>
+              <a:schemeClr val="tx1"/>
+            </a:solidFill>
+          </a:ln>
+        </p:spPr>
+        <p:style>
+          <a:lnRef idx="2">
+            <a:schemeClr val="accent1">
+              <a:shade val="50000"/>
+            </a:schemeClr>
+          </a:lnRef>
+          <a:fillRef idx="1">
+            <a:schemeClr val="accent1"/>
+          </a:fillRef>
+          <a:effectRef idx="0">
+            <a:schemeClr val="accent1"/>
+          </a:effectRef>
+          <a:fontRef idx="minor">
+            <a:schemeClr val="lt1"/>
+          </a:fontRef>
+        </p:style>
+        <p:txBody>
+          <a:bodyPr rtlCol="0" anchor="ctr"/>
+          <a:lstStyle/>
+          <a:p>
+            <a:pPr algn="ctr"/>
+            <a:endParaRPr lang="en-US"/>
+          </a:p>
+        </p:txBody>
+      </p:sp>
+      <p:sp>
+        <p:nvSpPr>
+          <p:cNvPr id="259" name="Rechteck 258">
+            <a:extLst>
+              <a:ext uri="{FF2B5EF4-FFF2-40B4-BE49-F238E27FC236}">
+                <a16:creationId xmlns:a16="http://schemas.microsoft.com/office/drawing/2014/main" id="{E335BE82-4175-147E-0705-7F4F12023727}"/>
+              </a:ext>
+            </a:extLst>
+          </p:cNvPr>
+          <p:cNvSpPr/>
+          <p:nvPr/>
+        </p:nvSpPr>
+        <p:spPr>
+          <a:xfrm rot="16200000">
+            <a:off x="3516728" y="8302942"/>
+            <a:ext cx="49880" cy="7315200"/>
+          </a:xfrm>
+          <a:prstGeom prst="rect">
+            <a:avLst/>
+          </a:prstGeom>
+          <a:solidFill>
+            <a:schemeClr val="bg1"/>
+          </a:solidFill>
+          <a:ln>
+            <a:solidFill>
+              <a:schemeClr val="bg1"/>
+            </a:solidFill>
+          </a:ln>
+        </p:spPr>
+        <p:style>
+          <a:lnRef idx="2">
+            <a:schemeClr val="accent1">
+              <a:shade val="50000"/>
+            </a:schemeClr>
+          </a:lnRef>
+          <a:fillRef idx="1">
+            <a:schemeClr val="accent1"/>
+          </a:fillRef>
+          <a:effectRef idx="0">
+            <a:schemeClr val="accent1"/>
+          </a:effectRef>
+          <a:fontRef idx="minor">
+            <a:schemeClr val="lt1"/>
+          </a:fontRef>
+        </p:style>
+        <p:txBody>
+          <a:bodyPr rtlCol="0" anchor="ctr"/>
+          <a:lstStyle/>
+          <a:p>
+            <a:pPr algn="ctr"/>
+            <a:endParaRPr lang="en-US"/>
+          </a:p>
+        </p:txBody>
+      </p:sp>
+      <p:sp>
+        <p:nvSpPr>
+          <p:cNvPr id="266" name="Rechteck 265">
+            <a:extLst>
+              <a:ext uri="{FF2B5EF4-FFF2-40B4-BE49-F238E27FC236}">
+                <a16:creationId xmlns:a16="http://schemas.microsoft.com/office/drawing/2014/main" id="{E74504B1-9B9E-3A7F-BF31-B0A3FB86F321}"/>
+              </a:ext>
+            </a:extLst>
+          </p:cNvPr>
+          <p:cNvSpPr/>
+          <p:nvPr/>
+        </p:nvSpPr>
+        <p:spPr>
+          <a:xfrm rot="16200000">
+            <a:off x="2813239" y="8621323"/>
+            <a:ext cx="49880" cy="7315200"/>
+          </a:xfrm>
+          <a:prstGeom prst="rect">
+            <a:avLst/>
+          </a:prstGeom>
+          <a:solidFill>
+            <a:schemeClr val="bg1"/>
+          </a:solidFill>
+          <a:ln>
+            <a:solidFill>
+              <a:schemeClr val="bg1"/>
+            </a:solidFill>
           </a:ln>
         </p:spPr>
         <p:style>
